--- a/03-Linq/Linq.pptx
+++ b/03-Linq/Linq.pptx
@@ -5,30 +5,31 @@
     <p:sldMasterId id="2147483648" r:id="rId1"/>
   </p:sldMasterIdLst>
   <p:notesMasterIdLst>
-    <p:notesMasterId r:id="rId20"/>
+    <p:notesMasterId r:id="rId21"/>
   </p:notesMasterIdLst>
   <p:handoutMasterIdLst>
-    <p:handoutMasterId r:id="rId21"/>
+    <p:handoutMasterId r:id="rId22"/>
   </p:handoutMasterIdLst>
   <p:sldIdLst>
     <p:sldId id="315" r:id="rId2"/>
     <p:sldId id="286" r:id="rId3"/>
     <p:sldId id="273" r:id="rId4"/>
-    <p:sldId id="272" r:id="rId5"/>
-    <p:sldId id="275" r:id="rId6"/>
-    <p:sldId id="280" r:id="rId7"/>
-    <p:sldId id="326" r:id="rId8"/>
-    <p:sldId id="327" r:id="rId9"/>
-    <p:sldId id="277" r:id="rId10"/>
-    <p:sldId id="279" r:id="rId11"/>
-    <p:sldId id="325" r:id="rId12"/>
-    <p:sldId id="278" r:id="rId13"/>
-    <p:sldId id="276" r:id="rId14"/>
-    <p:sldId id="322" r:id="rId15"/>
-    <p:sldId id="323" r:id="rId16"/>
-    <p:sldId id="316" r:id="rId17"/>
+    <p:sldId id="280" r:id="rId5"/>
+    <p:sldId id="326" r:id="rId6"/>
+    <p:sldId id="327" r:id="rId7"/>
+    <p:sldId id="277" r:id="rId8"/>
+    <p:sldId id="279" r:id="rId9"/>
+    <p:sldId id="325" r:id="rId10"/>
+    <p:sldId id="278" r:id="rId11"/>
+    <p:sldId id="276" r:id="rId12"/>
+    <p:sldId id="328" r:id="rId13"/>
+    <p:sldId id="322" r:id="rId14"/>
+    <p:sldId id="323" r:id="rId15"/>
+    <p:sldId id="316" r:id="rId16"/>
+    <p:sldId id="329" r:id="rId17"/>
     <p:sldId id="318" r:id="rId18"/>
-    <p:sldId id="324" r:id="rId19"/>
+    <p:sldId id="330" r:id="rId19"/>
+    <p:sldId id="324" r:id="rId20"/>
   </p:sldIdLst>
   <p:sldSz cx="9144000" cy="6858000" type="screen4x3"/>
   <p:notesSz cx="6858000" cy="9144000"/>
@@ -212,7 +213,7 @@
           <a:p>
             <a:fld id="{2C2C51BA-9C8E-4938-991B-0B9DAB69953D}" type="datetimeFigureOut">
               <a:rPr lang="ru-RU" smtClean="0"/>
-              <a:t>23.06.2014</a:t>
+              <a:t>27.06.2014</a:t>
             </a:fld>
             <a:endParaRPr lang="ru-RU"/>
           </a:p>
@@ -377,7 +378,7 @@
           <a:p>
             <a:fld id="{426FB16C-8069-43A4-A09F-21010F2DDFB6}" type="datetimeFigureOut">
               <a:rPr lang="ru-RU" smtClean="0"/>
-              <a:t>23.06.2014</a:t>
+              <a:t>27.06.2014</a:t>
             </a:fld>
             <a:endParaRPr lang="ru-RU"/>
           </a:p>
@@ -797,6 +798,93 @@
           <a:p>
             <a:fld id="{414C0F9C-8EEB-4FCC-AFE2-CBC89CE9F378}" type="slidenum">
               <a:rPr lang="ru-RU" smtClean="0"/>
+              <a:t>16</a:t>
+            </a:fld>
+            <a:endParaRPr lang="ru-RU"/>
+          </a:p>
+        </p:txBody>
+      </p:sp>
+    </p:spTree>
+    <p:extLst>
+      <p:ext uri="{BB962C8B-B14F-4D97-AF65-F5344CB8AC3E}">
+        <p14:creationId xmlns:p14="http://schemas.microsoft.com/office/powerpoint/2010/main" val="2374979776"/>
+      </p:ext>
+    </p:extLst>
+  </p:cSld>
+  <p:clrMapOvr>
+    <a:masterClrMapping/>
+  </p:clrMapOvr>
+</p:notes>
+</file>
+
+<file path=ppt/notesSlides/notesSlide3.xml><?xml version="1.0" encoding="utf-8"?>
+<p:notes xmlns:a="http://schemas.openxmlformats.org/drawingml/2006/main" xmlns:r="http://schemas.openxmlformats.org/officeDocument/2006/relationships" xmlns:p="http://schemas.openxmlformats.org/presentationml/2006/main">
+  <p:cSld>
+    <p:spTree>
+      <p:nvGrpSpPr>
+        <p:cNvPr id="1" name=""/>
+        <p:cNvGrpSpPr/>
+        <p:nvPr/>
+      </p:nvGrpSpPr>
+      <p:grpSpPr>
+        <a:xfrm>
+          <a:off x="0" y="0"/>
+          <a:ext cx="0" cy="0"/>
+          <a:chOff x="0" y="0"/>
+          <a:chExt cx="0" cy="0"/>
+        </a:xfrm>
+      </p:grpSpPr>
+      <p:sp>
+        <p:nvSpPr>
+          <p:cNvPr id="2" name="Образ слайда 1"/>
+          <p:cNvSpPr>
+            <a:spLocks noGrp="1" noRot="1" noChangeAspect="1"/>
+          </p:cNvSpPr>
+          <p:nvPr>
+            <p:ph type="sldImg"/>
+          </p:nvPr>
+        </p:nvSpPr>
+        <p:spPr/>
+      </p:sp>
+      <p:sp>
+        <p:nvSpPr>
+          <p:cNvPr id="3" name="Заметки 2"/>
+          <p:cNvSpPr>
+            <a:spLocks noGrp="1"/>
+          </p:cNvSpPr>
+          <p:nvPr>
+            <p:ph type="body" idx="1"/>
+          </p:nvPr>
+        </p:nvSpPr>
+        <p:spPr/>
+        <p:txBody>
+          <a:bodyPr/>
+          <a:lstStyle/>
+          <a:p>
+            <a:pPr marL="228600" indent="-228600">
+              <a:buAutoNum type="arabicPeriod"/>
+            </a:pPr>
+            <a:endParaRPr lang="ru-RU" dirty="0" smtClean="0"/>
+          </a:p>
+        </p:txBody>
+      </p:sp>
+      <p:sp>
+        <p:nvSpPr>
+          <p:cNvPr id="4" name="Номер слайда 3"/>
+          <p:cNvSpPr>
+            <a:spLocks noGrp="1"/>
+          </p:cNvSpPr>
+          <p:nvPr>
+            <p:ph type="sldNum" sz="quarter" idx="10"/>
+          </p:nvPr>
+        </p:nvSpPr>
+        <p:spPr/>
+        <p:txBody>
+          <a:bodyPr/>
+          <a:lstStyle/>
+          <a:p>
+            <a:fld id="{414C0F9C-8EEB-4FCC-AFE2-CBC89CE9F378}" type="slidenum">
+              <a:rPr lang="ru-RU" smtClean="0"/>
               <a:t>17</a:t>
             </a:fld>
             <a:endParaRPr lang="ru-RU"/>
@@ -997,7 +1085,7 @@
           <a:p>
             <a:fld id="{8097313E-B044-4ACF-96A1-82807229EA96}" type="datetimeFigureOut">
               <a:rPr lang="ru-RU" smtClean="0"/>
-              <a:t>23.06.2014</a:t>
+              <a:t>27.06.2014</a:t>
             </a:fld>
             <a:endParaRPr lang="ru-RU"/>
           </a:p>
@@ -1167,7 +1255,7 @@
           <a:p>
             <a:fld id="{8097313E-B044-4ACF-96A1-82807229EA96}" type="datetimeFigureOut">
               <a:rPr lang="ru-RU" smtClean="0"/>
-              <a:t>23.06.2014</a:t>
+              <a:t>27.06.2014</a:t>
             </a:fld>
             <a:endParaRPr lang="ru-RU"/>
           </a:p>
@@ -1347,7 +1435,7 @@
           <a:p>
             <a:fld id="{8097313E-B044-4ACF-96A1-82807229EA96}" type="datetimeFigureOut">
               <a:rPr lang="ru-RU" smtClean="0"/>
-              <a:t>23.06.2014</a:t>
+              <a:t>27.06.2014</a:t>
             </a:fld>
             <a:endParaRPr lang="ru-RU"/>
           </a:p>
@@ -1532,7 +1620,7 @@
           <a:p>
             <a:fld id="{8097313E-B044-4ACF-96A1-82807229EA96}" type="datetimeFigureOut">
               <a:rPr lang="ru-RU" smtClean="0"/>
-              <a:t>23.06.2014</a:t>
+              <a:t>27.06.2014</a:t>
             </a:fld>
             <a:endParaRPr lang="ru-RU"/>
           </a:p>
@@ -1785,7 +1873,7 @@
           <a:p>
             <a:fld id="{8097313E-B044-4ACF-96A1-82807229EA96}" type="datetimeFigureOut">
               <a:rPr lang="ru-RU" smtClean="0"/>
-              <a:t>23.06.2014</a:t>
+              <a:t>27.06.2014</a:t>
             </a:fld>
             <a:endParaRPr lang="ru-RU"/>
           </a:p>
@@ -2073,7 +2161,7 @@
           <a:p>
             <a:fld id="{8097313E-B044-4ACF-96A1-82807229EA96}" type="datetimeFigureOut">
               <a:rPr lang="ru-RU" smtClean="0"/>
-              <a:t>23.06.2014</a:t>
+              <a:t>27.06.2014</a:t>
             </a:fld>
             <a:endParaRPr lang="ru-RU"/>
           </a:p>
@@ -2495,7 +2583,7 @@
           <a:p>
             <a:fld id="{8097313E-B044-4ACF-96A1-82807229EA96}" type="datetimeFigureOut">
               <a:rPr lang="ru-RU" smtClean="0"/>
-              <a:t>23.06.2014</a:t>
+              <a:t>27.06.2014</a:t>
             </a:fld>
             <a:endParaRPr lang="ru-RU"/>
           </a:p>
@@ -2613,7 +2701,7 @@
           <a:p>
             <a:fld id="{8097313E-B044-4ACF-96A1-82807229EA96}" type="datetimeFigureOut">
               <a:rPr lang="ru-RU" smtClean="0"/>
-              <a:t>23.06.2014</a:t>
+              <a:t>27.06.2014</a:t>
             </a:fld>
             <a:endParaRPr lang="ru-RU"/>
           </a:p>
@@ -2708,7 +2796,7 @@
           <a:p>
             <a:fld id="{8097313E-B044-4ACF-96A1-82807229EA96}" type="datetimeFigureOut">
               <a:rPr lang="ru-RU" smtClean="0"/>
-              <a:t>23.06.2014</a:t>
+              <a:t>27.06.2014</a:t>
             </a:fld>
             <a:endParaRPr lang="ru-RU"/>
           </a:p>
@@ -2985,7 +3073,7 @@
           <a:p>
             <a:fld id="{8097313E-B044-4ACF-96A1-82807229EA96}" type="datetimeFigureOut">
               <a:rPr lang="ru-RU" smtClean="0"/>
-              <a:t>23.06.2014</a:t>
+              <a:t>27.06.2014</a:t>
             </a:fld>
             <a:endParaRPr lang="ru-RU"/>
           </a:p>
@@ -3238,7 +3326,7 @@
           <a:p>
             <a:fld id="{8097313E-B044-4ACF-96A1-82807229EA96}" type="datetimeFigureOut">
               <a:rPr lang="ru-RU" smtClean="0"/>
-              <a:t>23.06.2014</a:t>
+              <a:t>27.06.2014</a:t>
             </a:fld>
             <a:endParaRPr lang="ru-RU"/>
           </a:p>
@@ -3451,7 +3539,7 @@
           <a:p>
             <a:fld id="{8097313E-B044-4ACF-96A1-82807229EA96}" type="datetimeFigureOut">
               <a:rPr lang="ru-RU" smtClean="0"/>
-              <a:t>23.06.2014</a:t>
+              <a:t>27.06.2014</a:t>
             </a:fld>
             <a:endParaRPr lang="ru-RU"/>
           </a:p>
@@ -4120,17 +4208,7 @@
                   </a:schemeClr>
                 </a:solidFill>
               </a:rPr>
-              <a:t>Класс </a:t>
-            </a:r>
-            <a:r>
-              <a:rPr lang="en-US" b="1" dirty="0" smtClean="0">
-                <a:solidFill>
-                  <a:schemeClr val="accent6">
-                    <a:lumMod val="50000"/>
-                  </a:schemeClr>
-                </a:solidFill>
-              </a:rPr>
-              <a:t>Enumerable</a:t>
+              <a:t>Ленивость</a:t>
             </a:r>
             <a:endParaRPr lang="ru-RU" b="1" dirty="0">
               <a:solidFill>
@@ -4154,13 +4232,13 @@
         </p:nvSpPr>
         <p:spPr>
           <a:xfrm>
-            <a:off x="467360" y="1600200"/>
+            <a:off x="457200" y="1639341"/>
             <a:ext cx="8229600" cy="4525963"/>
           </a:xfrm>
         </p:spPr>
         <p:txBody>
           <a:bodyPr>
-            <a:normAutofit/>
+            <a:normAutofit fontScale="62500" lnSpcReduction="20000"/>
           </a:bodyPr>
           <a:lstStyle/>
           <a:p>
@@ -4168,25 +4246,147 @@
               <a:buNone/>
             </a:pPr>
             <a:r>
-              <a:rPr lang="en-US" sz="2000" dirty="0" err="1" smtClean="0">
+              <a:rPr lang="ru-RU" sz="4500" dirty="0"/>
+              <a:t>Ленивость везде, где это в принципе </a:t>
+            </a:r>
+            <a:r>
+              <a:rPr lang="ru-RU" sz="4500" dirty="0" smtClean="0"/>
+              <a:t>возможно!</a:t>
+            </a:r>
+          </a:p>
+          <a:p>
+            <a:pPr marL="0" indent="0">
+              <a:buNone/>
+            </a:pPr>
+            <a:endParaRPr lang="ru-RU" dirty="0" smtClean="0">
+              <a:solidFill>
+                <a:srgbClr val="0000FF"/>
+              </a:solidFill>
+              <a:latin typeface="Consolas"/>
+            </a:endParaRPr>
+          </a:p>
+          <a:p>
+            <a:pPr marL="0" indent="0">
+              <a:buNone/>
+            </a:pPr>
+            <a:r>
+              <a:rPr lang="en-US" dirty="0" smtClean="0">
+                <a:solidFill>
+                  <a:srgbClr val="0000FF"/>
+                </a:solidFill>
+                <a:latin typeface="Consolas"/>
+              </a:rPr>
+              <a:t>public</a:t>
+            </a:r>
+            <a:r>
+              <a:rPr lang="en-US" dirty="0" smtClean="0">
+                <a:solidFill>
+                  <a:prstClr val="black"/>
+                </a:solidFill>
+                <a:latin typeface="Consolas"/>
+              </a:rPr>
+              <a:t> </a:t>
+            </a:r>
+            <a:r>
+              <a:rPr lang="en-US" dirty="0">
+                <a:solidFill>
+                  <a:srgbClr val="0000FF"/>
+                </a:solidFill>
+                <a:latin typeface="Consolas"/>
+              </a:rPr>
+              <a:t>static</a:t>
+            </a:r>
+            <a:r>
+              <a:rPr lang="en-US" dirty="0">
+                <a:solidFill>
+                  <a:prstClr val="black"/>
+                </a:solidFill>
+                <a:latin typeface="Consolas"/>
+              </a:rPr>
+              <a:t> </a:t>
+            </a:r>
+            <a:r>
+              <a:rPr lang="en-US" dirty="0" err="1">
                 <a:solidFill>
                   <a:srgbClr val="2B91AF"/>
                 </a:solidFill>
                 <a:latin typeface="Consolas"/>
               </a:rPr>
-              <a:t>Enumerable</a:t>
-            </a:r>
-            <a:r>
-              <a:rPr lang="en-US" sz="2000" dirty="0" err="1" smtClean="0">
-                <a:solidFill>
-                  <a:prstClr val="black"/>
-                </a:solidFill>
-                <a:latin typeface="Consolas"/>
-              </a:rPr>
-              <a:t>.Max</a:t>
-            </a:r>
-            <a:r>
-              <a:rPr lang="en-US" sz="2000" dirty="0" smtClean="0">
+              <a:t>IEnumerable</a:t>
+            </a:r>
+            <a:r>
+              <a:rPr lang="en-US" dirty="0">
+                <a:solidFill>
+                  <a:prstClr val="black"/>
+                </a:solidFill>
+                <a:latin typeface="Consolas"/>
+              </a:rPr>
+              <a:t>&lt;</a:t>
+            </a:r>
+            <a:r>
+              <a:rPr lang="en-US" dirty="0" err="1">
+                <a:solidFill>
+                  <a:prstClr val="black"/>
+                </a:solidFill>
+                <a:latin typeface="Consolas"/>
+              </a:rPr>
+              <a:t>TSource</a:t>
+            </a:r>
+            <a:r>
+              <a:rPr lang="en-US" dirty="0">
+                <a:solidFill>
+                  <a:prstClr val="black"/>
+                </a:solidFill>
+                <a:latin typeface="Consolas"/>
+              </a:rPr>
+              <a:t>&gt; Take&lt;</a:t>
+            </a:r>
+            <a:r>
+              <a:rPr lang="en-US" dirty="0" err="1">
+                <a:solidFill>
+                  <a:prstClr val="black"/>
+                </a:solidFill>
+                <a:latin typeface="Consolas"/>
+              </a:rPr>
+              <a:t>TSource</a:t>
+            </a:r>
+            <a:r>
+              <a:rPr lang="en-US" dirty="0" smtClean="0">
+                <a:solidFill>
+                  <a:prstClr val="black"/>
+                </a:solidFill>
+                <a:latin typeface="Consolas"/>
+              </a:rPr>
+              <a:t>&gt;</a:t>
+            </a:r>
+            <a:r>
+              <a:rPr lang="ru-RU" dirty="0" smtClean="0">
+                <a:solidFill>
+                  <a:prstClr val="black"/>
+                </a:solidFill>
+                <a:latin typeface="Consolas"/>
+              </a:rPr>
+              <a:t/>
+            </a:r>
+            <a:br>
+              <a:rPr lang="ru-RU" dirty="0" smtClean="0">
+                <a:solidFill>
+                  <a:prstClr val="black"/>
+                </a:solidFill>
+                <a:latin typeface="Consolas"/>
+              </a:rPr>
+            </a:br>
+            <a:r>
+              <a:rPr lang="ru-RU" dirty="0" smtClean="0">
+                <a:solidFill>
+                  <a:prstClr val="black"/>
+                </a:solidFill>
+                <a:latin typeface="Consolas"/>
+              </a:rPr>
+              <a:t>	</a:t>
+            </a:r>
+            <a:r>
+              <a:rPr lang="en-US" dirty="0" smtClean="0">
                 <a:solidFill>
                   <a:prstClr val="black"/>
                 </a:solidFill>
@@ -4195,116 +4395,486 @@
               <a:t>(</a:t>
             </a:r>
             <a:r>
-              <a:rPr lang="en-US" sz="2000" dirty="0" err="1" smtClean="0">
-                <a:solidFill>
-                  <a:prstClr val="black"/>
-                </a:solidFill>
-                <a:latin typeface="Consolas"/>
-              </a:rPr>
-              <a:t>someCollection</a:t>
-            </a:r>
-            <a:r>
-              <a:rPr lang="en-US" sz="2000" dirty="0" smtClean="0">
-                <a:solidFill>
-                  <a:prstClr val="black"/>
-                </a:solidFill>
-                <a:latin typeface="Consolas"/>
-              </a:rPr>
-              <a:t>);</a:t>
-            </a:r>
-            <a:endParaRPr lang="en-US" sz="2000" dirty="0">
+              <a:rPr lang="en-US" dirty="0">
+                <a:solidFill>
+                  <a:srgbClr val="0000FF"/>
+                </a:solidFill>
+                <a:latin typeface="Consolas"/>
+              </a:rPr>
+              <a:t>this</a:t>
+            </a:r>
+            <a:r>
+              <a:rPr lang="en-US" dirty="0">
+                <a:solidFill>
+                  <a:prstClr val="black"/>
+                </a:solidFill>
+                <a:latin typeface="Consolas"/>
+              </a:rPr>
+              <a:t> </a:t>
+            </a:r>
+            <a:r>
+              <a:rPr lang="en-US" dirty="0" err="1">
+                <a:solidFill>
+                  <a:srgbClr val="2B91AF"/>
+                </a:solidFill>
+                <a:latin typeface="Consolas"/>
+              </a:rPr>
+              <a:t>IEnumerable</a:t>
+            </a:r>
+            <a:r>
+              <a:rPr lang="en-US" dirty="0">
+                <a:solidFill>
+                  <a:prstClr val="black"/>
+                </a:solidFill>
+                <a:latin typeface="Consolas"/>
+              </a:rPr>
+              <a:t>&lt;</a:t>
+            </a:r>
+            <a:r>
+              <a:rPr lang="en-US" dirty="0" err="1">
+                <a:solidFill>
+                  <a:prstClr val="black"/>
+                </a:solidFill>
+                <a:latin typeface="Consolas"/>
+              </a:rPr>
+              <a:t>TSource</a:t>
+            </a:r>
+            <a:r>
+              <a:rPr lang="en-US" dirty="0">
+                <a:solidFill>
+                  <a:prstClr val="black"/>
+                </a:solidFill>
+                <a:latin typeface="Consolas"/>
+              </a:rPr>
+              <a:t>&gt; source, </a:t>
+            </a:r>
+            <a:r>
+              <a:rPr lang="en-US" dirty="0" err="1">
+                <a:solidFill>
+                  <a:srgbClr val="0000FF"/>
+                </a:solidFill>
+                <a:latin typeface="Consolas"/>
+              </a:rPr>
+              <a:t>int</a:t>
+            </a:r>
+            <a:r>
+              <a:rPr lang="en-US" dirty="0">
+                <a:solidFill>
+                  <a:prstClr val="black"/>
+                </a:solidFill>
+                <a:latin typeface="Consolas"/>
+              </a:rPr>
+              <a:t> count)</a:t>
+            </a:r>
+          </a:p>
+          <a:p>
+            <a:pPr marL="0" indent="0">
+              <a:buNone/>
+            </a:pPr>
+            <a:r>
+              <a:rPr lang="ru-RU" dirty="0">
+                <a:solidFill>
+                  <a:prstClr val="black"/>
+                </a:solidFill>
+                <a:latin typeface="Consolas"/>
+              </a:rPr>
+              <a:t>{</a:t>
+            </a:r>
+          </a:p>
+          <a:p>
+            <a:pPr marL="0" indent="0">
+              <a:buNone/>
+            </a:pPr>
+            <a:r>
+              <a:rPr lang="en-US" dirty="0">
+                <a:solidFill>
+                  <a:prstClr val="black"/>
+                </a:solidFill>
+                <a:latin typeface="Consolas"/>
+              </a:rPr>
+              <a:t>    </a:t>
+            </a:r>
+            <a:r>
+              <a:rPr lang="en-US" dirty="0">
+                <a:solidFill>
+                  <a:srgbClr val="0000FF"/>
+                </a:solidFill>
+                <a:latin typeface="Consolas"/>
+              </a:rPr>
+              <a:t>if</a:t>
+            </a:r>
+            <a:r>
+              <a:rPr lang="en-US" dirty="0">
+                <a:solidFill>
+                  <a:prstClr val="black"/>
+                </a:solidFill>
+                <a:latin typeface="Consolas"/>
+              </a:rPr>
+              <a:t> (count &gt; 0)</a:t>
+            </a:r>
+          </a:p>
+          <a:p>
+            <a:pPr marL="0" indent="0">
+              <a:buNone/>
+            </a:pPr>
+            <a:r>
+              <a:rPr lang="ru-RU" dirty="0">
+                <a:solidFill>
+                  <a:prstClr val="black"/>
+                </a:solidFill>
+                <a:latin typeface="Consolas"/>
+              </a:rPr>
+              <a:t>    {</a:t>
+            </a:r>
+          </a:p>
+          <a:p>
+            <a:pPr marL="0" indent="0">
+              <a:buNone/>
+            </a:pPr>
+            <a:r>
+              <a:rPr lang="en-US" dirty="0">
+                <a:solidFill>
+                  <a:prstClr val="black"/>
+                </a:solidFill>
+                <a:latin typeface="Consolas"/>
+              </a:rPr>
+              <a:t>        </a:t>
+            </a:r>
+            <a:r>
+              <a:rPr lang="en-US" dirty="0" err="1">
+                <a:solidFill>
+                  <a:srgbClr val="0000FF"/>
+                </a:solidFill>
+                <a:latin typeface="Consolas"/>
+              </a:rPr>
+              <a:t>foreach</a:t>
+            </a:r>
+            <a:r>
+              <a:rPr lang="en-US" dirty="0">
+                <a:solidFill>
+                  <a:prstClr val="black"/>
+                </a:solidFill>
+                <a:latin typeface="Consolas"/>
+              </a:rPr>
+              <a:t> (</a:t>
+            </a:r>
+            <a:r>
+              <a:rPr lang="en-US" dirty="0" err="1">
+                <a:solidFill>
+                  <a:prstClr val="black"/>
+                </a:solidFill>
+                <a:latin typeface="Consolas"/>
+              </a:rPr>
+              <a:t>TSource</a:t>
+            </a:r>
+            <a:r>
+              <a:rPr lang="en-US" dirty="0">
+                <a:solidFill>
+                  <a:prstClr val="black"/>
+                </a:solidFill>
+                <a:latin typeface="Consolas"/>
+              </a:rPr>
+              <a:t> element </a:t>
+            </a:r>
+            <a:r>
+              <a:rPr lang="en-US" dirty="0">
+                <a:solidFill>
+                  <a:srgbClr val="0000FF"/>
+                </a:solidFill>
+                <a:latin typeface="Consolas"/>
+              </a:rPr>
+              <a:t>in</a:t>
+            </a:r>
+            <a:r>
+              <a:rPr lang="en-US" dirty="0">
+                <a:solidFill>
+                  <a:prstClr val="black"/>
+                </a:solidFill>
+                <a:latin typeface="Consolas"/>
+              </a:rPr>
+              <a:t> source)</a:t>
+            </a:r>
+          </a:p>
+          <a:p>
+            <a:pPr marL="0" indent="0">
+              <a:buNone/>
+            </a:pPr>
+            <a:r>
+              <a:rPr lang="ru-RU" dirty="0">
+                <a:solidFill>
+                  <a:prstClr val="black"/>
+                </a:solidFill>
+                <a:latin typeface="Consolas"/>
+              </a:rPr>
+              <a:t>        {</a:t>
+            </a:r>
+          </a:p>
+          <a:p>
+            <a:pPr marL="0" indent="0">
+              <a:buNone/>
+            </a:pPr>
+            <a:r>
+              <a:rPr lang="en-US" dirty="0">
+                <a:solidFill>
+                  <a:prstClr val="black"/>
+                </a:solidFill>
+                <a:latin typeface="Consolas"/>
+              </a:rPr>
+              <a:t>            </a:t>
+            </a:r>
+            <a:r>
+              <a:rPr lang="en-US" dirty="0">
+                <a:solidFill>
+                  <a:srgbClr val="0000FF"/>
+                </a:solidFill>
+                <a:latin typeface="Consolas"/>
+              </a:rPr>
+              <a:t>yield</a:t>
+            </a:r>
+            <a:r>
+              <a:rPr lang="en-US" dirty="0">
+                <a:solidFill>
+                  <a:prstClr val="black"/>
+                </a:solidFill>
+                <a:latin typeface="Consolas"/>
+              </a:rPr>
+              <a:t> </a:t>
+            </a:r>
+            <a:r>
+              <a:rPr lang="en-US" dirty="0">
+                <a:solidFill>
+                  <a:srgbClr val="0000FF"/>
+                </a:solidFill>
+                <a:latin typeface="Consolas"/>
+              </a:rPr>
+              <a:t>return</a:t>
+            </a:r>
+            <a:r>
+              <a:rPr lang="en-US" dirty="0">
+                <a:solidFill>
+                  <a:prstClr val="black"/>
+                </a:solidFill>
+                <a:latin typeface="Consolas"/>
+              </a:rPr>
+              <a:t> element;</a:t>
+            </a:r>
+          </a:p>
+          <a:p>
+            <a:pPr marL="0" indent="0">
+              <a:buNone/>
+            </a:pPr>
+            <a:r>
+              <a:rPr lang="en-US" dirty="0">
+                <a:solidFill>
+                  <a:prstClr val="black"/>
+                </a:solidFill>
+                <a:latin typeface="Consolas"/>
+              </a:rPr>
+              <a:t>            </a:t>
+            </a:r>
+            <a:r>
+              <a:rPr lang="en-US" dirty="0">
+                <a:solidFill>
+                  <a:srgbClr val="0000FF"/>
+                </a:solidFill>
+                <a:latin typeface="Consolas"/>
+              </a:rPr>
+              <a:t>if</a:t>
+            </a:r>
+            <a:r>
+              <a:rPr lang="en-US" dirty="0">
+                <a:solidFill>
+                  <a:prstClr val="black"/>
+                </a:solidFill>
+                <a:latin typeface="Consolas"/>
+              </a:rPr>
+              <a:t> (--count == 0) </a:t>
+            </a:r>
+            <a:r>
+              <a:rPr lang="en-US" dirty="0">
+                <a:solidFill>
+                  <a:srgbClr val="0000FF"/>
+                </a:solidFill>
+                <a:latin typeface="Consolas"/>
+              </a:rPr>
+              <a:t>break</a:t>
+            </a:r>
+            <a:r>
+              <a:rPr lang="en-US" dirty="0">
+                <a:solidFill>
+                  <a:prstClr val="black"/>
+                </a:solidFill>
+                <a:latin typeface="Consolas"/>
+              </a:rPr>
+              <a:t>;</a:t>
+            </a:r>
+          </a:p>
+          <a:p>
+            <a:pPr marL="0" indent="0">
+              <a:buNone/>
+            </a:pPr>
+            <a:r>
+              <a:rPr lang="ru-RU" dirty="0">
+                <a:solidFill>
+                  <a:prstClr val="black"/>
+                </a:solidFill>
+                <a:latin typeface="Consolas"/>
+              </a:rPr>
+              <a:t>        }</a:t>
+            </a:r>
+          </a:p>
+          <a:p>
+            <a:pPr marL="0" indent="0">
+              <a:buNone/>
+            </a:pPr>
+            <a:r>
+              <a:rPr lang="ru-RU" dirty="0">
+                <a:solidFill>
+                  <a:prstClr val="black"/>
+                </a:solidFill>
+                <a:latin typeface="Consolas"/>
+              </a:rPr>
+              <a:t>    }</a:t>
+            </a:r>
+          </a:p>
+          <a:p>
+            <a:pPr marL="0" indent="0">
+              <a:buNone/>
+            </a:pPr>
+            <a:r>
+              <a:rPr lang="ru-RU" dirty="0" smtClean="0">
+                <a:solidFill>
+                  <a:prstClr val="black"/>
+                </a:solidFill>
+                <a:latin typeface="Consolas"/>
+              </a:rPr>
+              <a:t>}</a:t>
+            </a:r>
+            <a:endParaRPr lang="en-US" dirty="0" smtClean="0">
               <a:solidFill>
                 <a:prstClr val="black"/>
               </a:solidFill>
               <a:latin typeface="Consolas"/>
             </a:endParaRPr>
           </a:p>
+        </p:txBody>
+      </p:sp>
+    </p:spTree>
+    <p:extLst>
+      <p:ext uri="{BB962C8B-B14F-4D97-AF65-F5344CB8AC3E}">
+        <p14:creationId xmlns:p14="http://schemas.microsoft.com/office/powerpoint/2010/main" val="1872806810"/>
+      </p:ext>
+    </p:extLst>
+  </p:cSld>
+  <p:clrMapOvr>
+    <a:masterClrMapping/>
+  </p:clrMapOvr>
+  <p:timing>
+    <p:tnLst>
+      <p:par>
+        <p:cTn id="1" dur="indefinite" restart="never" nodeType="tmRoot"/>
+      </p:par>
+    </p:tnLst>
+  </p:timing>
+</p:sld>
+</file>
+
+<file path=ppt/slides/slide11.xml><?xml version="1.0" encoding="utf-8"?>
+<p:sld xmlns:a="http://schemas.openxmlformats.org/drawingml/2006/main" xmlns:r="http://schemas.openxmlformats.org/officeDocument/2006/relationships" xmlns:p="http://schemas.openxmlformats.org/presentationml/2006/main">
+  <p:cSld>
+    <p:spTree>
+      <p:nvGrpSpPr>
+        <p:cNvPr id="1" name=""/>
+        <p:cNvGrpSpPr/>
+        <p:nvPr/>
+      </p:nvGrpSpPr>
+      <p:grpSpPr>
+        <a:xfrm>
+          <a:off x="0" y="0"/>
+          <a:ext cx="0" cy="0"/>
+          <a:chOff x="0" y="0"/>
+          <a:chExt cx="0" cy="0"/>
+        </a:xfrm>
+      </p:grpSpPr>
+      <p:sp>
+        <p:nvSpPr>
+          <p:cNvPr id="2" name="Заголовок 1"/>
+          <p:cNvSpPr>
+            <a:spLocks noGrp="1"/>
+          </p:cNvSpPr>
+          <p:nvPr>
+            <p:ph type="title"/>
+          </p:nvPr>
+        </p:nvSpPr>
+        <p:spPr/>
+        <p:txBody>
+          <a:bodyPr/>
+          <a:lstStyle/>
+          <a:p>
+            <a:r>
+              <a:rPr lang="ru-RU" b="1" dirty="0" smtClean="0">
+                <a:solidFill>
+                  <a:schemeClr val="accent6">
+                    <a:lumMod val="50000"/>
+                  </a:schemeClr>
+                </a:solidFill>
+              </a:rPr>
+              <a:t>Ленивость</a:t>
+            </a:r>
+            <a:endParaRPr lang="ru-RU" b="1" dirty="0">
+              <a:solidFill>
+                <a:schemeClr val="accent6">
+                  <a:lumMod val="50000"/>
+                </a:schemeClr>
+              </a:solidFill>
+            </a:endParaRPr>
+          </a:p>
+        </p:txBody>
+      </p:sp>
+      <p:sp>
+        <p:nvSpPr>
+          <p:cNvPr id="3" name="Объект 2"/>
+          <p:cNvSpPr>
+            <a:spLocks noGrp="1"/>
+          </p:cNvSpPr>
+          <p:nvPr>
+            <p:ph idx="1"/>
+          </p:nvPr>
+        </p:nvSpPr>
+        <p:spPr>
+          <a:xfrm>
+            <a:off x="457200" y="1484784"/>
+            <a:ext cx="8229600" cy="4525963"/>
+          </a:xfrm>
+        </p:spPr>
+        <p:txBody>
+          <a:bodyPr>
+            <a:normAutofit fontScale="92500" lnSpcReduction="10000"/>
+          </a:bodyPr>
+          <a:lstStyle/>
           <a:p>
             <a:pPr marL="0" indent="0">
               <a:buNone/>
             </a:pPr>
             <a:r>
-              <a:rPr lang="en-US" sz="2000" dirty="0" err="1">
-                <a:solidFill>
-                  <a:prstClr val="black"/>
-                </a:solidFill>
-                <a:latin typeface="Consolas"/>
-              </a:rPr>
-              <a:t>hasPositive</a:t>
-            </a:r>
-            <a:r>
-              <a:rPr lang="en-US" sz="2000" dirty="0">
-                <a:solidFill>
-                  <a:prstClr val="black"/>
-                </a:solidFill>
-                <a:latin typeface="Consolas"/>
-              </a:rPr>
-              <a:t> = </a:t>
-            </a:r>
-            <a:r>
-              <a:rPr lang="en-US" sz="2000" dirty="0" err="1" smtClean="0">
-                <a:solidFill>
-                  <a:srgbClr val="2B91AF"/>
-                </a:solidFill>
-                <a:latin typeface="Consolas"/>
-              </a:rPr>
-              <a:t>Enumerable</a:t>
-            </a:r>
-            <a:r>
-              <a:rPr lang="en-US" sz="2000" dirty="0" err="1" smtClean="0">
-                <a:solidFill>
-                  <a:prstClr val="black"/>
-                </a:solidFill>
-                <a:latin typeface="Consolas"/>
-              </a:rPr>
-              <a:t>.Any</a:t>
-            </a:r>
-            <a:r>
-              <a:rPr lang="en-US" sz="2000" dirty="0" smtClean="0">
-                <a:solidFill>
-                  <a:prstClr val="black"/>
-                </a:solidFill>
-                <a:latin typeface="Consolas"/>
-              </a:rPr>
-              <a:t>(</a:t>
-            </a:r>
-            <a:r>
-              <a:rPr lang="en-US" sz="2000" dirty="0" err="1">
-                <a:solidFill>
-                  <a:prstClr val="black"/>
-                </a:solidFill>
-                <a:latin typeface="Consolas"/>
-              </a:rPr>
-              <a:t>someCollection</a:t>
-            </a:r>
-            <a:r>
-              <a:rPr lang="en-US" sz="2000" dirty="0" smtClean="0">
-                <a:solidFill>
-                  <a:prstClr val="black"/>
-                </a:solidFill>
-                <a:latin typeface="Consolas"/>
-              </a:rPr>
-              <a:t>, </a:t>
-            </a:r>
-            <a:r>
-              <a:rPr lang="en-US" sz="2000" dirty="0">
-                <a:solidFill>
-                  <a:prstClr val="black"/>
-                </a:solidFill>
-                <a:latin typeface="Consolas"/>
-              </a:rPr>
-              <a:t>x =&gt; x &gt; 0</a:t>
-            </a:r>
-            <a:r>
-              <a:rPr lang="en-US" sz="2000" dirty="0" smtClean="0">
-                <a:solidFill>
-                  <a:prstClr val="black"/>
-                </a:solidFill>
-                <a:latin typeface="Consolas"/>
-              </a:rPr>
-              <a:t>);</a:t>
-            </a:r>
-            <a:endParaRPr lang="ru-RU" sz="2000" dirty="0" smtClean="0">
+              <a:rPr lang="en-US" sz="2400" dirty="0" err="1" smtClean="0">
+                <a:solidFill>
+                  <a:prstClr val="black"/>
+                </a:solidFill>
+                <a:latin typeface="Consolas"/>
+              </a:rPr>
+              <a:t>collection.Count</a:t>
+            </a:r>
+            <a:r>
+              <a:rPr lang="en-US" sz="2400" dirty="0" smtClean="0">
+                <a:solidFill>
+                  <a:prstClr val="black"/>
+                </a:solidFill>
+                <a:latin typeface="Consolas"/>
+              </a:rPr>
+              <a:t>()</a:t>
+            </a:r>
+            <a:endParaRPr lang="en-US" sz="2400" dirty="0" smtClean="0">
               <a:solidFill>
                 <a:prstClr val="black"/>
               </a:solidFill>
@@ -4316,83 +4886,24 @@
               <a:buNone/>
             </a:pPr>
             <a:r>
-              <a:rPr lang="en-US" sz="2000" dirty="0" err="1">
-                <a:solidFill>
-                  <a:srgbClr val="2B91AF"/>
-                </a:solidFill>
-                <a:latin typeface="Consolas"/>
-              </a:rPr>
-              <a:t>IEnumerable</a:t>
-            </a:r>
-            <a:r>
-              <a:rPr lang="en-US" sz="2000" dirty="0" smtClean="0">
-                <a:solidFill>
-                  <a:prstClr val="black"/>
-                </a:solidFill>
-                <a:latin typeface="Consolas"/>
-              </a:rPr>
-              <a:t>&lt;</a:t>
-            </a:r>
-            <a:r>
-              <a:rPr lang="en-US" sz="2000" dirty="0" err="1" smtClean="0">
-                <a:solidFill>
-                  <a:prstClr val="black"/>
-                </a:solidFill>
-                <a:latin typeface="Consolas"/>
-              </a:rPr>
-              <a:t>int</a:t>
-            </a:r>
-            <a:r>
-              <a:rPr lang="en-US" sz="2000" dirty="0" smtClean="0">
-                <a:solidFill>
-                  <a:prstClr val="black"/>
-                </a:solidFill>
-                <a:latin typeface="Consolas"/>
-              </a:rPr>
-              <a:t>&gt; positive = </a:t>
-            </a:r>
-          </a:p>
-          <a:p>
-            <a:pPr marL="0" indent="0">
-              <a:buNone/>
-            </a:pPr>
-            <a:r>
-              <a:rPr lang="en-US" sz="2000" dirty="0">
-                <a:solidFill>
-                  <a:prstClr val="black"/>
-                </a:solidFill>
-                <a:latin typeface="Consolas"/>
-              </a:rPr>
-              <a:t>	</a:t>
-            </a:r>
-            <a:r>
-              <a:rPr lang="en-US" sz="2000" dirty="0" err="1" smtClean="0">
-                <a:solidFill>
-                  <a:srgbClr val="2B91AF"/>
-                </a:solidFill>
-                <a:latin typeface="Consolas"/>
-              </a:rPr>
-              <a:t>Enumerable</a:t>
-            </a:r>
-            <a:r>
-              <a:rPr lang="en-US" sz="2000" dirty="0" err="1" smtClean="0">
-                <a:solidFill>
-                  <a:prstClr val="black"/>
-                </a:solidFill>
-                <a:latin typeface="Consolas"/>
-              </a:rPr>
-              <a:t>.Where</a:t>
-            </a:r>
-            <a:r>
-              <a:rPr lang="en-US" sz="2000" dirty="0" smtClean="0">
-                <a:solidFill>
-                  <a:prstClr val="black"/>
-                </a:solidFill>
-                <a:latin typeface="Consolas"/>
-              </a:rPr>
-              <a:t>(c, x =&gt; x &gt; 0);</a:t>
-            </a:r>
-            <a:endParaRPr lang="ru-RU" sz="2000" dirty="0">
+              <a:rPr lang="en-US" sz="2400" dirty="0" err="1">
+                <a:solidFill>
+                  <a:prstClr val="black"/>
+                </a:solidFill>
+                <a:latin typeface="Consolas"/>
+              </a:rPr>
+              <a:t>collection.Min</a:t>
+            </a:r>
+            <a:r>
+              <a:rPr lang="en-US" sz="2400" dirty="0" smtClean="0">
+                <a:solidFill>
+                  <a:prstClr val="black"/>
+                </a:solidFill>
+                <a:latin typeface="Consolas"/>
+              </a:rPr>
+              <a:t>();</a:t>
+            </a:r>
+            <a:endParaRPr lang="en-US" sz="2400" dirty="0" smtClean="0">
               <a:solidFill>
                 <a:prstClr val="black"/>
               </a:solidFill>
@@ -4404,41 +4915,47 @@
               <a:buNone/>
             </a:pPr>
             <a:r>
-              <a:rPr lang="en-US" sz="2000" dirty="0">
-                <a:solidFill>
-                  <a:srgbClr val="2B91AF"/>
-                </a:solidFill>
-                <a:latin typeface="Consolas"/>
-              </a:rPr>
-              <a:t>Enumerable</a:t>
-            </a:r>
-            <a:r>
-              <a:rPr lang="en-US" sz="2000" dirty="0" smtClean="0">
-                <a:solidFill>
-                  <a:prstClr val="black"/>
-                </a:solidFill>
-                <a:latin typeface="Consolas"/>
-              </a:rPr>
-              <a:t>.</a:t>
-            </a:r>
-            <a:r>
-              <a:rPr lang="ru-RU" sz="2000" dirty="0" smtClean="0">
-                <a:solidFill>
-                  <a:prstClr val="black"/>
-                </a:solidFill>
-                <a:latin typeface="Consolas"/>
-              </a:rPr>
-              <a:t>* </a:t>
-            </a:r>
-            <a:r>
-              <a:rPr lang="en-US" sz="2000" dirty="0"/>
-              <a:t>Over 9000 </a:t>
-            </a:r>
-            <a:r>
-              <a:rPr lang="ru-RU" sz="2000" dirty="0"/>
-              <a:t>вспомогательных методов!</a:t>
-            </a:r>
-            <a:endParaRPr lang="ru-RU" sz="2000" dirty="0" smtClean="0">
+              <a:rPr lang="en-US" sz="2400" dirty="0" err="1">
+                <a:solidFill>
+                  <a:prstClr val="black"/>
+                </a:solidFill>
+                <a:latin typeface="Consolas"/>
+              </a:rPr>
+              <a:t>collection.Max</a:t>
+            </a:r>
+            <a:r>
+              <a:rPr lang="en-US" sz="2400" dirty="0" smtClean="0">
+                <a:solidFill>
+                  <a:prstClr val="black"/>
+                </a:solidFill>
+                <a:latin typeface="Consolas"/>
+              </a:rPr>
+              <a:t>();</a:t>
+            </a:r>
+          </a:p>
+          <a:p>
+            <a:pPr marL="0" indent="0">
+              <a:buNone/>
+            </a:pPr>
+            <a:r>
+              <a:rPr lang="en-US" sz="2400" dirty="0" err="1">
+                <a:solidFill>
+                  <a:prstClr val="black"/>
+                </a:solidFill>
+                <a:latin typeface="Consolas"/>
+              </a:rPr>
+              <a:t>collection.Average</a:t>
+            </a:r>
+            <a:r>
+              <a:rPr lang="en-US" sz="2400" dirty="0" smtClean="0">
+                <a:solidFill>
+                  <a:prstClr val="black"/>
+                </a:solidFill>
+                <a:latin typeface="Consolas"/>
+              </a:rPr>
+              <a:t>();</a:t>
+            </a:r>
+            <a:endParaRPr lang="ru-RU" sz="2400" dirty="0" smtClean="0">
               <a:solidFill>
                 <a:prstClr val="black"/>
               </a:solidFill>
@@ -4449,7 +4966,19 @@
             <a:pPr marL="0" indent="0">
               <a:buNone/>
             </a:pPr>
-            <a:endParaRPr lang="ru-RU" sz="2000" dirty="0" smtClean="0">
+            <a:r>
+              <a:rPr lang="ru-RU" sz="2800" dirty="0" smtClean="0"/>
+              <a:t>возвращают число — </a:t>
+            </a:r>
+            <a:r>
+              <a:rPr lang="ru-RU" sz="2800" dirty="0"/>
+              <a:t>не </a:t>
+            </a:r>
+            <a:r>
+              <a:rPr lang="ru-RU" sz="2800" dirty="0" smtClean="0"/>
+              <a:t>могут быть ленивыми</a:t>
+            </a:r>
+            <a:endParaRPr lang="ru-RU" sz="2800" dirty="0">
               <a:solidFill>
                 <a:prstClr val="black"/>
               </a:solidFill>
@@ -4460,77 +4989,130 @@
             <a:pPr marL="0" indent="0">
               <a:buNone/>
             </a:pPr>
-            <a:r>
-              <a:rPr lang="ru-RU" dirty="0"/>
-              <a:t>Но мы хотим </a:t>
-            </a:r>
-            <a:r>
-              <a:rPr lang="ru-RU" dirty="0" smtClean="0"/>
-              <a:t>приятнее!</a:t>
-            </a:r>
-            <a:endParaRPr lang="ru-RU" dirty="0"/>
+            <a:endParaRPr lang="ru-RU" dirty="0" smtClean="0"/>
           </a:p>
           <a:p>
             <a:pPr marL="0" indent="0">
               <a:buNone/>
             </a:pPr>
             <a:r>
-              <a:rPr lang="en-US" sz="2000" dirty="0" err="1">
-                <a:latin typeface="Consolas"/>
-              </a:rPr>
-              <a:t>hasPositive</a:t>
-            </a:r>
-            <a:r>
-              <a:rPr lang="en-US" sz="2000" dirty="0">
-                <a:latin typeface="Consolas"/>
-              </a:rPr>
-              <a:t> = </a:t>
-            </a:r>
-            <a:r>
-              <a:rPr lang="en-US" sz="2000" dirty="0" err="1">
-                <a:solidFill>
-                  <a:prstClr val="black"/>
-                </a:solidFill>
-                <a:latin typeface="Consolas"/>
-              </a:rPr>
-              <a:t>someCollection</a:t>
-            </a:r>
-            <a:r>
-              <a:rPr lang="en-US" sz="2000" dirty="0" err="1" smtClean="0">
-                <a:latin typeface="Consolas"/>
-              </a:rPr>
-              <a:t>.Any</a:t>
-            </a:r>
-            <a:r>
-              <a:rPr lang="en-US" sz="2000" dirty="0" smtClean="0">
-                <a:latin typeface="Consolas"/>
-              </a:rPr>
-              <a:t>(x </a:t>
-            </a:r>
-            <a:r>
-              <a:rPr lang="en-US" sz="2000" dirty="0">
-                <a:latin typeface="Consolas"/>
-              </a:rPr>
-              <a:t>=&gt; x &gt; 0);</a:t>
+              <a:rPr lang="en-US" sz="2400" dirty="0" err="1">
+                <a:solidFill>
+                  <a:prstClr val="black"/>
+                </a:solidFill>
+                <a:latin typeface="Consolas"/>
+              </a:rPr>
+              <a:t>c</a:t>
+            </a:r>
+            <a:r>
+              <a:rPr lang="en-US" sz="2400" dirty="0" err="1">
+                <a:solidFill>
+                  <a:prstClr val="black"/>
+                </a:solidFill>
+                <a:latin typeface="Consolas"/>
+              </a:rPr>
+              <a:t>ollection.ToList</a:t>
+            </a:r>
+            <a:r>
+              <a:rPr lang="en-US" sz="2400" dirty="0" smtClean="0">
+                <a:solidFill>
+                  <a:prstClr val="black"/>
+                </a:solidFill>
+                <a:latin typeface="Consolas"/>
+              </a:rPr>
+              <a:t>()</a:t>
             </a:r>
           </a:p>
           <a:p>
             <a:pPr marL="0" indent="0">
               <a:buNone/>
             </a:pPr>
-            <a:endParaRPr lang="en-US" sz="2000" dirty="0" smtClean="0">
+            <a:r>
+              <a:rPr lang="en-US" sz="2400" dirty="0" err="1" smtClean="0">
+                <a:solidFill>
+                  <a:prstClr val="black"/>
+                </a:solidFill>
+                <a:latin typeface="Consolas"/>
+              </a:rPr>
+              <a:t>collection.ToArray</a:t>
+            </a:r>
+            <a:r>
+              <a:rPr lang="en-US" sz="2400" dirty="0" smtClean="0">
+                <a:solidFill>
+                  <a:prstClr val="black"/>
+                </a:solidFill>
+                <a:latin typeface="Consolas"/>
+              </a:rPr>
+              <a:t>()</a:t>
+            </a:r>
+            <a:endParaRPr lang="ru-RU" sz="2400" dirty="0">
               <a:solidFill>
                 <a:prstClr val="black"/>
               </a:solidFill>
               <a:latin typeface="Consolas"/>
             </a:endParaRPr>
           </a:p>
+          <a:p>
+            <a:pPr marL="0" indent="0">
+              <a:buNone/>
+            </a:pPr>
+            <a:r>
+              <a:rPr lang="en-US" sz="2400" dirty="0" err="1" smtClean="0">
+                <a:solidFill>
+                  <a:prstClr val="black"/>
+                </a:solidFill>
+                <a:latin typeface="Consolas"/>
+              </a:rPr>
+              <a:t>collection.ToDictionary</a:t>
+            </a:r>
+            <a:r>
+              <a:rPr lang="en-US" sz="2400" dirty="0" smtClean="0">
+                <a:solidFill>
+                  <a:prstClr val="black"/>
+                </a:solidFill>
+                <a:latin typeface="Consolas"/>
+              </a:rPr>
+              <a:t>()</a:t>
+            </a:r>
+            <a:endParaRPr lang="ru-RU" sz="2400" dirty="0" smtClean="0">
+              <a:solidFill>
+                <a:prstClr val="black"/>
+              </a:solidFill>
+              <a:latin typeface="Consolas"/>
+            </a:endParaRPr>
+          </a:p>
+          <a:p>
+            <a:pPr marL="0" indent="0">
+              <a:buNone/>
+            </a:pPr>
+            <a:r>
+              <a:rPr lang="ru-RU" sz="3000" dirty="0"/>
+              <a:t>Возвращают список, массив и словарь — не могут быть ленивыми</a:t>
+            </a:r>
+            <a:endParaRPr lang="ru-RU" sz="2400" dirty="0">
+              <a:solidFill>
+                <a:prstClr val="black"/>
+              </a:solidFill>
+              <a:latin typeface="Consolas"/>
+            </a:endParaRPr>
+          </a:p>
+          <a:p>
+            <a:pPr marL="0" indent="0">
+              <a:buNone/>
+            </a:pPr>
+            <a:endParaRPr lang="ru-RU" sz="2400" dirty="0">
+              <a:solidFill>
+                <a:prstClr val="black"/>
+              </a:solidFill>
+              <a:latin typeface="Consolas"/>
+            </a:endParaRPr>
+          </a:p>
         </p:txBody>
       </p:sp>
     </p:spTree>
     <p:extLst>
       <p:ext uri="{BB962C8B-B14F-4D97-AF65-F5344CB8AC3E}">
-        <p14:creationId xmlns:p14="http://schemas.microsoft.com/office/powerpoint/2010/main" val="3448297217"/>
+        <p14:creationId xmlns:p14="http://schemas.microsoft.com/office/powerpoint/2010/main" val="3782807224"/>
       </p:ext>
     </p:extLst>
   </p:cSld>
@@ -4573,7 +5155,7 @@
                                         <p:tgtEl>
                                           <p:spTgt spid="3">
                                             <p:txEl>
-                                              <p:pRg st="0" end="0"/>
+                                              <p:pRg st="6" end="6"/>
                                             </p:txEl>
                                           </p:spTgt>
                                         </p:tgtEl>
@@ -4588,26 +5170,39 @@
                                   </p:childTnLst>
                                 </p:cTn>
                               </p:par>
-                            </p:childTnLst>
-                          </p:cTn>
-                        </p:par>
-                      </p:childTnLst>
-                    </p:cTn>
-                  </p:par>
-                  <p:par>
-                    <p:cTn id="7" fill="hold">
-                      <p:stCondLst>
-                        <p:cond delay="indefinite"/>
-                      </p:stCondLst>
-                      <p:childTnLst>
-                        <p:par>
-                          <p:cTn id="8" fill="hold">
-                            <p:stCondLst>
-                              <p:cond delay="0"/>
-                            </p:stCondLst>
-                            <p:childTnLst>
                               <p:par>
-                                <p:cTn id="9" presetID="1" presetClass="entr" presetSubtype="0" fill="hold" nodeType="clickEffect">
+                                <p:cTn id="7" presetID="1" presetClass="entr" presetSubtype="0" fill="hold" nodeType="withEffect">
+                                  <p:stCondLst>
+                                    <p:cond delay="0"/>
+                                  </p:stCondLst>
+                                  <p:childTnLst>
+                                    <p:set>
+                                      <p:cBhvr>
+                                        <p:cTn id="8" dur="1" fill="hold">
+                                          <p:stCondLst>
+                                            <p:cond delay="0"/>
+                                          </p:stCondLst>
+                                        </p:cTn>
+                                        <p:tgtEl>
+                                          <p:spTgt spid="3">
+                                            <p:txEl>
+                                              <p:pRg st="7" end="7"/>
+                                            </p:txEl>
+                                          </p:spTgt>
+                                        </p:tgtEl>
+                                        <p:attrNameLst>
+                                          <p:attrName>style.visibility</p:attrName>
+                                        </p:attrNameLst>
+                                      </p:cBhvr>
+                                      <p:to>
+                                        <p:strVal val="visible"/>
+                                      </p:to>
+                                    </p:set>
+                                  </p:childTnLst>
+                                </p:cTn>
+                              </p:par>
+                              <p:par>
+                                <p:cTn id="9" presetID="1" presetClass="entr" presetSubtype="0" fill="hold" nodeType="withEffect">
                                   <p:stCondLst>
                                     <p:cond delay="0"/>
                                   </p:stCondLst>
@@ -4622,7 +5217,7 @@
                                         <p:tgtEl>
                                           <p:spTgt spid="3">
                                             <p:txEl>
-                                              <p:pRg st="1" end="1"/>
+                                              <p:pRg st="8" end="8"/>
                                             </p:txEl>
                                           </p:spTgt>
                                         </p:tgtEl>
@@ -4671,1112 +5266,9 @@
                                         <p:tgtEl>
                                           <p:spTgt spid="3">
                                             <p:txEl>
-                                              <p:pRg st="2" end="2"/>
-                                            </p:txEl>
-                                          </p:spTgt>
-                                        </p:tgtEl>
-                                        <p:attrNameLst>
-                                          <p:attrName>style.visibility</p:attrName>
-                                        </p:attrNameLst>
-                                      </p:cBhvr>
-                                      <p:to>
-                                        <p:strVal val="visible"/>
-                                      </p:to>
-                                    </p:set>
-                                  </p:childTnLst>
-                                </p:cTn>
-                              </p:par>
-                            </p:childTnLst>
-                          </p:cTn>
-                        </p:par>
-                      </p:childTnLst>
-                    </p:cTn>
-                  </p:par>
-                  <p:par>
-                    <p:cTn id="15" fill="hold">
-                      <p:stCondLst>
-                        <p:cond delay="indefinite"/>
-                      </p:stCondLst>
-                      <p:childTnLst>
-                        <p:par>
-                          <p:cTn id="16" fill="hold">
-                            <p:stCondLst>
-                              <p:cond delay="0"/>
-                            </p:stCondLst>
-                            <p:childTnLst>
-                              <p:par>
-                                <p:cTn id="17" presetID="1" presetClass="entr" presetSubtype="0" fill="hold" nodeType="clickEffect">
-                                  <p:stCondLst>
-                                    <p:cond delay="0"/>
-                                  </p:stCondLst>
-                                  <p:childTnLst>
-                                    <p:set>
-                                      <p:cBhvr>
-                                        <p:cTn id="18" dur="1" fill="hold">
-                                          <p:stCondLst>
-                                            <p:cond delay="0"/>
-                                          </p:stCondLst>
-                                        </p:cTn>
-                                        <p:tgtEl>
-                                          <p:spTgt spid="3">
-                                            <p:txEl>
-                                              <p:pRg st="3" end="3"/>
-                                            </p:txEl>
-                                          </p:spTgt>
-                                        </p:tgtEl>
-                                        <p:attrNameLst>
-                                          <p:attrName>style.visibility</p:attrName>
-                                        </p:attrNameLst>
-                                      </p:cBhvr>
-                                      <p:to>
-                                        <p:strVal val="visible"/>
-                                      </p:to>
-                                    </p:set>
-                                  </p:childTnLst>
-                                </p:cTn>
-                              </p:par>
-                            </p:childTnLst>
-                          </p:cTn>
-                        </p:par>
-                      </p:childTnLst>
-                    </p:cTn>
-                  </p:par>
-                  <p:par>
-                    <p:cTn id="19" fill="hold">
-                      <p:stCondLst>
-                        <p:cond delay="indefinite"/>
-                      </p:stCondLst>
-                      <p:childTnLst>
-                        <p:par>
-                          <p:cTn id="20" fill="hold">
-                            <p:stCondLst>
-                              <p:cond delay="0"/>
-                            </p:stCondLst>
-                            <p:childTnLst>
-                              <p:par>
-                                <p:cTn id="21" presetID="1" presetClass="entr" presetSubtype="0" fill="hold" nodeType="clickEffect">
-                                  <p:stCondLst>
-                                    <p:cond delay="0"/>
-                                  </p:stCondLst>
-                                  <p:childTnLst>
-                                    <p:set>
-                                      <p:cBhvr>
-                                        <p:cTn id="22" dur="1" fill="hold">
-                                          <p:stCondLst>
-                                            <p:cond delay="0"/>
-                                          </p:stCondLst>
-                                        </p:cTn>
-                                        <p:tgtEl>
-                                          <p:spTgt spid="3">
-                                            <p:txEl>
-                                              <p:pRg st="4" end="4"/>
-                                            </p:txEl>
-                                          </p:spTgt>
-                                        </p:tgtEl>
-                                        <p:attrNameLst>
-                                          <p:attrName>style.visibility</p:attrName>
-                                        </p:attrNameLst>
-                                      </p:cBhvr>
-                                      <p:to>
-                                        <p:strVal val="visible"/>
-                                      </p:to>
-                                    </p:set>
-                                  </p:childTnLst>
-                                </p:cTn>
-                              </p:par>
-                            </p:childTnLst>
-                          </p:cTn>
-                        </p:par>
-                      </p:childTnLst>
-                    </p:cTn>
-                  </p:par>
-                  <p:par>
-                    <p:cTn id="23" fill="hold">
-                      <p:stCondLst>
-                        <p:cond delay="indefinite"/>
-                      </p:stCondLst>
-                      <p:childTnLst>
-                        <p:par>
-                          <p:cTn id="24" fill="hold">
-                            <p:stCondLst>
-                              <p:cond delay="0"/>
-                            </p:stCondLst>
-                            <p:childTnLst>
-                              <p:par>
-                                <p:cTn id="25" presetID="1" presetClass="entr" presetSubtype="0" fill="hold" nodeType="clickEffect">
-                                  <p:stCondLst>
-                                    <p:cond delay="0"/>
-                                  </p:stCondLst>
-                                  <p:childTnLst>
-                                    <p:set>
-                                      <p:cBhvr>
-                                        <p:cTn id="26" dur="1" fill="hold">
-                                          <p:stCondLst>
-                                            <p:cond delay="0"/>
-                                          </p:stCondLst>
-                                        </p:cTn>
-                                        <p:tgtEl>
-                                          <p:spTgt spid="3">
-                                            <p:txEl>
-                                              <p:pRg st="6" end="6"/>
-                                            </p:txEl>
-                                          </p:spTgt>
-                                        </p:tgtEl>
-                                        <p:attrNameLst>
-                                          <p:attrName>style.visibility</p:attrName>
-                                        </p:attrNameLst>
-                                      </p:cBhvr>
-                                      <p:to>
-                                        <p:strVal val="visible"/>
-                                      </p:to>
-                                    </p:set>
-                                  </p:childTnLst>
-                                </p:cTn>
-                              </p:par>
-                              <p:par>
-                                <p:cTn id="27" presetID="1" presetClass="entr" presetSubtype="0" fill="hold" nodeType="withEffect">
-                                  <p:stCondLst>
-                                    <p:cond delay="0"/>
-                                  </p:stCondLst>
-                                  <p:childTnLst>
-                                    <p:set>
-                                      <p:cBhvr>
-                                        <p:cTn id="28" dur="1" fill="hold">
-                                          <p:stCondLst>
-                                            <p:cond delay="0"/>
-                                          </p:stCondLst>
-                                        </p:cTn>
-                                        <p:tgtEl>
-                                          <p:spTgt spid="3">
-                                            <p:txEl>
-                                              <p:pRg st="7" end="7"/>
-                                            </p:txEl>
-                                          </p:spTgt>
-                                        </p:tgtEl>
-                                        <p:attrNameLst>
-                                          <p:attrName>style.visibility</p:attrName>
-                                        </p:attrNameLst>
-                                      </p:cBhvr>
-                                      <p:to>
-                                        <p:strVal val="visible"/>
-                                      </p:to>
-                                    </p:set>
-                                  </p:childTnLst>
-                                </p:cTn>
-                              </p:par>
-                            </p:childTnLst>
-                          </p:cTn>
-                        </p:par>
-                      </p:childTnLst>
-                    </p:cTn>
-                  </p:par>
-                </p:childTnLst>
-              </p:cTn>
-              <p:prevCondLst>
-                <p:cond evt="onPrev" delay="0">
-                  <p:tgtEl>
-                    <p:sldTgt/>
-                  </p:tgtEl>
-                </p:cond>
-              </p:prevCondLst>
-              <p:nextCondLst>
-                <p:cond evt="onNext" delay="0">
-                  <p:tgtEl>
-                    <p:sldTgt/>
-                  </p:tgtEl>
-                </p:cond>
-              </p:nextCondLst>
-            </p:seq>
-          </p:childTnLst>
-        </p:cTn>
-      </p:par>
-    </p:tnLst>
-  </p:timing>
-</p:sld>
-</file>
-
-<file path=ppt/slides/slide11.xml><?xml version="1.0" encoding="utf-8"?>
-<p:sld xmlns:a="http://schemas.openxmlformats.org/drawingml/2006/main" xmlns:r="http://schemas.openxmlformats.org/officeDocument/2006/relationships" xmlns:p="http://schemas.openxmlformats.org/presentationml/2006/main">
-  <p:cSld>
-    <p:spTree>
-      <p:nvGrpSpPr>
-        <p:cNvPr id="1" name=""/>
-        <p:cNvGrpSpPr/>
-        <p:nvPr/>
-      </p:nvGrpSpPr>
-      <p:grpSpPr>
-        <a:xfrm>
-          <a:off x="0" y="0"/>
-          <a:ext cx="0" cy="0"/>
-          <a:chOff x="0" y="0"/>
-          <a:chExt cx="0" cy="0"/>
-        </a:xfrm>
-      </p:grpSpPr>
-      <p:sp>
-        <p:nvSpPr>
-          <p:cNvPr id="2" name="Заголовок 1"/>
-          <p:cNvSpPr>
-            <a:spLocks noGrp="1"/>
-          </p:cNvSpPr>
-          <p:nvPr>
-            <p:ph type="title"/>
-          </p:nvPr>
-        </p:nvSpPr>
-        <p:spPr/>
-        <p:txBody>
-          <a:bodyPr/>
-          <a:lstStyle/>
-          <a:p>
-            <a:r>
-              <a:rPr lang="ru-RU" dirty="0"/>
-              <a:t>Класс </a:t>
-            </a:r>
-            <a:r>
-              <a:rPr lang="en-US" dirty="0"/>
-              <a:t>Enumerable</a:t>
-            </a:r>
-            <a:endParaRPr lang="ru-RU" b="1" dirty="0">
-              <a:solidFill>
-                <a:schemeClr val="accent6">
-                  <a:lumMod val="50000"/>
-                </a:schemeClr>
-              </a:solidFill>
-            </a:endParaRPr>
-          </a:p>
-        </p:txBody>
-      </p:sp>
-      <p:sp>
-        <p:nvSpPr>
-          <p:cNvPr id="3" name="Объект 2"/>
-          <p:cNvSpPr>
-            <a:spLocks noGrp="1"/>
-          </p:cNvSpPr>
-          <p:nvPr>
-            <p:ph idx="1"/>
-          </p:nvPr>
-        </p:nvSpPr>
-        <p:spPr>
-          <a:xfrm>
-            <a:off x="446856" y="1340768"/>
-            <a:ext cx="8229600" cy="3672408"/>
-          </a:xfrm>
-        </p:spPr>
-        <p:txBody>
-          <a:bodyPr>
-            <a:noAutofit/>
-          </a:bodyPr>
-          <a:lstStyle/>
-          <a:p>
-            <a:pPr marL="0" indent="0">
-              <a:buNone/>
-            </a:pPr>
-            <a:r>
-              <a:rPr lang="en-US" sz="1800" dirty="0" smtClean="0">
-                <a:solidFill>
-                  <a:srgbClr val="0000FF"/>
-                </a:solidFill>
-                <a:latin typeface="Consolas"/>
-              </a:rPr>
-              <a:t>public</a:t>
-            </a:r>
-            <a:r>
-              <a:rPr lang="en-US" sz="1800" dirty="0" smtClean="0">
-                <a:solidFill>
-                  <a:prstClr val="black"/>
-                </a:solidFill>
-                <a:latin typeface="Consolas"/>
-              </a:rPr>
-              <a:t> </a:t>
-            </a:r>
-            <a:r>
-              <a:rPr lang="en-US" sz="1800" dirty="0">
-                <a:solidFill>
-                  <a:srgbClr val="0000FF"/>
-                </a:solidFill>
-                <a:latin typeface="Consolas"/>
-              </a:rPr>
-              <a:t>static</a:t>
-            </a:r>
-            <a:r>
-              <a:rPr lang="en-US" sz="1800" dirty="0">
-                <a:solidFill>
-                  <a:prstClr val="black"/>
-                </a:solidFill>
-                <a:latin typeface="Consolas"/>
-              </a:rPr>
-              <a:t> </a:t>
-            </a:r>
-            <a:r>
-              <a:rPr lang="en-US" sz="1800" dirty="0" err="1">
-                <a:solidFill>
-                  <a:srgbClr val="0000FF"/>
-                </a:solidFill>
-                <a:latin typeface="Consolas"/>
-              </a:rPr>
-              <a:t>bool</a:t>
-            </a:r>
-            <a:r>
-              <a:rPr lang="en-US" sz="1800" dirty="0">
-                <a:solidFill>
-                  <a:prstClr val="black"/>
-                </a:solidFill>
-                <a:latin typeface="Consolas"/>
-              </a:rPr>
-              <a:t> All&lt;</a:t>
-            </a:r>
-            <a:r>
-              <a:rPr lang="en-US" sz="1800" dirty="0" err="1">
-                <a:solidFill>
-                  <a:prstClr val="black"/>
-                </a:solidFill>
-                <a:latin typeface="Consolas"/>
-              </a:rPr>
-              <a:t>TSource</a:t>
-            </a:r>
-            <a:r>
-              <a:rPr lang="en-US" sz="1800" dirty="0" smtClean="0">
-                <a:solidFill>
-                  <a:prstClr val="black"/>
-                </a:solidFill>
-                <a:latin typeface="Consolas"/>
-              </a:rPr>
-              <a:t>&gt;</a:t>
-            </a:r>
-            <a:r>
-              <a:rPr lang="en-US" sz="1800" dirty="0">
-                <a:solidFill>
-                  <a:prstClr val="black"/>
-                </a:solidFill>
-                <a:latin typeface="Consolas"/>
-              </a:rPr>
-              <a:t> </a:t>
-            </a:r>
-            <a:endParaRPr lang="en-US" sz="1800" dirty="0" smtClean="0">
-              <a:solidFill>
-                <a:prstClr val="black"/>
-              </a:solidFill>
-              <a:latin typeface="Consolas"/>
-            </a:endParaRPr>
-          </a:p>
-          <a:p>
-            <a:pPr marL="0" indent="0">
-              <a:buNone/>
-            </a:pPr>
-            <a:r>
-              <a:rPr lang="en-US" sz="1800" dirty="0" smtClean="0">
-                <a:solidFill>
-                  <a:prstClr val="black"/>
-                </a:solidFill>
-                <a:latin typeface="Consolas"/>
-              </a:rPr>
-              <a:t>	(</a:t>
-            </a:r>
-            <a:r>
-              <a:rPr lang="en-US" sz="1800" dirty="0" smtClean="0">
-                <a:solidFill>
-                  <a:srgbClr val="0000FF"/>
-                </a:solidFill>
-                <a:latin typeface="Consolas"/>
-              </a:rPr>
-              <a:t>this</a:t>
-            </a:r>
-            <a:r>
-              <a:rPr lang="en-US" sz="1800" dirty="0" smtClean="0">
-                <a:solidFill>
-                  <a:prstClr val="black"/>
-                </a:solidFill>
-                <a:latin typeface="Consolas"/>
-              </a:rPr>
-              <a:t> </a:t>
-            </a:r>
-            <a:r>
-              <a:rPr lang="en-US" sz="1800" dirty="0" err="1">
-                <a:solidFill>
-                  <a:srgbClr val="2B91AF"/>
-                </a:solidFill>
-                <a:latin typeface="Consolas"/>
-              </a:rPr>
-              <a:t>IEnumerable</a:t>
-            </a:r>
-            <a:r>
-              <a:rPr lang="en-US" sz="1800" dirty="0">
-                <a:solidFill>
-                  <a:prstClr val="black"/>
-                </a:solidFill>
-                <a:latin typeface="Consolas"/>
-              </a:rPr>
-              <a:t>&lt;</a:t>
-            </a:r>
-            <a:r>
-              <a:rPr lang="en-US" sz="1800" dirty="0" err="1">
-                <a:solidFill>
-                  <a:prstClr val="black"/>
-                </a:solidFill>
-                <a:latin typeface="Consolas"/>
-              </a:rPr>
-              <a:t>TSource</a:t>
-            </a:r>
-            <a:r>
-              <a:rPr lang="en-US" sz="1800" dirty="0">
-                <a:solidFill>
-                  <a:prstClr val="black"/>
-                </a:solidFill>
-                <a:latin typeface="Consolas"/>
-              </a:rPr>
-              <a:t>&gt; source, </a:t>
-            </a:r>
-            <a:r>
-              <a:rPr lang="en-US" sz="1800" dirty="0" smtClean="0">
-                <a:solidFill>
-                  <a:prstClr val="black"/>
-                </a:solidFill>
-                <a:latin typeface="Consolas"/>
-              </a:rPr>
-              <a:t/>
-            </a:r>
-            <a:br>
-              <a:rPr lang="en-US" sz="1800" dirty="0" smtClean="0">
-                <a:solidFill>
-                  <a:prstClr val="black"/>
-                </a:solidFill>
-                <a:latin typeface="Consolas"/>
-              </a:rPr>
-            </a:br>
-            <a:r>
-              <a:rPr lang="en-US" sz="1800" dirty="0" smtClean="0">
-                <a:solidFill>
-                  <a:prstClr val="black"/>
-                </a:solidFill>
-                <a:latin typeface="Consolas"/>
-              </a:rPr>
-              <a:t>	</a:t>
-            </a:r>
-            <a:r>
-              <a:rPr lang="en-US" sz="1800" dirty="0" err="1" smtClean="0">
-                <a:solidFill>
-                  <a:srgbClr val="2B91AF"/>
-                </a:solidFill>
-                <a:latin typeface="Consolas"/>
-              </a:rPr>
-              <a:t>Func</a:t>
-            </a:r>
-            <a:r>
-              <a:rPr lang="en-US" sz="1800" dirty="0" smtClean="0">
-                <a:solidFill>
-                  <a:prstClr val="black"/>
-                </a:solidFill>
-                <a:latin typeface="Consolas"/>
-              </a:rPr>
-              <a:t>&lt;</a:t>
-            </a:r>
-            <a:r>
-              <a:rPr lang="en-US" sz="1800" dirty="0" err="1" smtClean="0">
-                <a:solidFill>
-                  <a:prstClr val="black"/>
-                </a:solidFill>
-                <a:latin typeface="Consolas"/>
-              </a:rPr>
-              <a:t>TSource</a:t>
-            </a:r>
-            <a:r>
-              <a:rPr lang="en-US" sz="1800" dirty="0">
-                <a:solidFill>
-                  <a:prstClr val="black"/>
-                </a:solidFill>
-                <a:latin typeface="Consolas"/>
-              </a:rPr>
-              <a:t>, </a:t>
-            </a:r>
-            <a:r>
-              <a:rPr lang="en-US" sz="1800" dirty="0" err="1">
-                <a:solidFill>
-                  <a:srgbClr val="0000FF"/>
-                </a:solidFill>
-                <a:latin typeface="Consolas"/>
-              </a:rPr>
-              <a:t>bool</a:t>
-            </a:r>
-            <a:r>
-              <a:rPr lang="en-US" sz="1800" dirty="0">
-                <a:solidFill>
-                  <a:prstClr val="black"/>
-                </a:solidFill>
-                <a:latin typeface="Consolas"/>
-              </a:rPr>
-              <a:t>&gt; predicate) </a:t>
-            </a:r>
-            <a:endParaRPr lang="en-US" sz="1800" dirty="0" smtClean="0">
-              <a:solidFill>
-                <a:prstClr val="black"/>
-              </a:solidFill>
-              <a:latin typeface="Consolas"/>
-            </a:endParaRPr>
-          </a:p>
-          <a:p>
-            <a:pPr marL="0" indent="0">
-              <a:buNone/>
-            </a:pPr>
-            <a:r>
-              <a:rPr lang="en-US" sz="1800" dirty="0" smtClean="0">
-                <a:solidFill>
-                  <a:prstClr val="black"/>
-                </a:solidFill>
-                <a:latin typeface="Consolas"/>
-              </a:rPr>
-              <a:t>{</a:t>
-            </a:r>
-            <a:endParaRPr lang="en-US" sz="1800" dirty="0">
-              <a:solidFill>
-                <a:prstClr val="black"/>
-              </a:solidFill>
-              <a:latin typeface="Consolas"/>
-            </a:endParaRPr>
-          </a:p>
-          <a:p>
-            <a:pPr marL="0" indent="0">
-              <a:buNone/>
-            </a:pPr>
-            <a:r>
-              <a:rPr lang="en-US" sz="1800" dirty="0" smtClean="0">
-                <a:solidFill>
-                  <a:srgbClr val="0000FF"/>
-                </a:solidFill>
-                <a:latin typeface="Consolas"/>
-              </a:rPr>
-              <a:t>	</a:t>
-            </a:r>
-            <a:r>
-              <a:rPr lang="en-US" sz="1800" dirty="0" err="1" smtClean="0">
-                <a:solidFill>
-                  <a:srgbClr val="0000FF"/>
-                </a:solidFill>
-                <a:latin typeface="Consolas"/>
-              </a:rPr>
-              <a:t>foreach</a:t>
-            </a:r>
-            <a:r>
-              <a:rPr lang="en-US" sz="1800" dirty="0" smtClean="0">
-                <a:solidFill>
-                  <a:prstClr val="black"/>
-                </a:solidFill>
-                <a:latin typeface="Consolas"/>
-              </a:rPr>
-              <a:t> </a:t>
-            </a:r>
-            <a:r>
-              <a:rPr lang="en-US" sz="1800" dirty="0">
-                <a:solidFill>
-                  <a:prstClr val="black"/>
-                </a:solidFill>
-                <a:latin typeface="Consolas"/>
-              </a:rPr>
-              <a:t>(</a:t>
-            </a:r>
-            <a:r>
-              <a:rPr lang="en-US" sz="1800" dirty="0" err="1">
-                <a:solidFill>
-                  <a:prstClr val="black"/>
-                </a:solidFill>
-                <a:latin typeface="Consolas"/>
-              </a:rPr>
-              <a:t>TSource</a:t>
-            </a:r>
-            <a:r>
-              <a:rPr lang="en-US" sz="1800" dirty="0">
-                <a:solidFill>
-                  <a:prstClr val="black"/>
-                </a:solidFill>
-                <a:latin typeface="Consolas"/>
-              </a:rPr>
-              <a:t> element </a:t>
-            </a:r>
-            <a:r>
-              <a:rPr lang="en-US" sz="1800" dirty="0">
-                <a:solidFill>
-                  <a:srgbClr val="0000FF"/>
-                </a:solidFill>
-                <a:latin typeface="Consolas"/>
-              </a:rPr>
-              <a:t>in</a:t>
-            </a:r>
-            <a:r>
-              <a:rPr lang="en-US" sz="1800" dirty="0">
-                <a:solidFill>
-                  <a:prstClr val="black"/>
-                </a:solidFill>
-                <a:latin typeface="Consolas"/>
-              </a:rPr>
-              <a:t> source</a:t>
-            </a:r>
-            <a:r>
-              <a:rPr lang="en-US" sz="1800" dirty="0" smtClean="0">
-                <a:solidFill>
-                  <a:prstClr val="black"/>
-                </a:solidFill>
-                <a:latin typeface="Consolas"/>
-              </a:rPr>
-              <a:t>)</a:t>
-            </a:r>
-            <a:endParaRPr lang="en-US" sz="1800" dirty="0">
-              <a:solidFill>
-                <a:prstClr val="black"/>
-              </a:solidFill>
-              <a:latin typeface="Consolas"/>
-            </a:endParaRPr>
-          </a:p>
-          <a:p>
-            <a:pPr marL="0" indent="0">
-              <a:buNone/>
-            </a:pPr>
-            <a:r>
-              <a:rPr lang="en-US" sz="1800" dirty="0" smtClean="0">
-                <a:solidFill>
-                  <a:srgbClr val="0000FF"/>
-                </a:solidFill>
-                <a:latin typeface="Consolas"/>
-              </a:rPr>
-              <a:t>		if</a:t>
-            </a:r>
-            <a:r>
-              <a:rPr lang="en-US" sz="1800" dirty="0" smtClean="0">
-                <a:solidFill>
-                  <a:prstClr val="black"/>
-                </a:solidFill>
-                <a:latin typeface="Consolas"/>
-              </a:rPr>
-              <a:t> </a:t>
-            </a:r>
-            <a:r>
-              <a:rPr lang="en-US" sz="1800" dirty="0">
-                <a:solidFill>
-                  <a:prstClr val="black"/>
-                </a:solidFill>
-                <a:latin typeface="Consolas"/>
-              </a:rPr>
-              <a:t>(!predicate(element)) </a:t>
-            </a:r>
-            <a:r>
-              <a:rPr lang="en-US" sz="1800" dirty="0">
-                <a:solidFill>
-                  <a:srgbClr val="0000FF"/>
-                </a:solidFill>
-                <a:latin typeface="Consolas"/>
-              </a:rPr>
-              <a:t>return</a:t>
-            </a:r>
-            <a:r>
-              <a:rPr lang="en-US" sz="1800" dirty="0">
-                <a:solidFill>
-                  <a:prstClr val="black"/>
-                </a:solidFill>
-                <a:latin typeface="Consolas"/>
-              </a:rPr>
-              <a:t> </a:t>
-            </a:r>
-            <a:r>
-              <a:rPr lang="en-US" sz="1800" dirty="0">
-                <a:solidFill>
-                  <a:srgbClr val="0000FF"/>
-                </a:solidFill>
-                <a:latin typeface="Consolas"/>
-              </a:rPr>
-              <a:t>false</a:t>
-            </a:r>
-            <a:r>
-              <a:rPr lang="en-US" sz="1800" dirty="0">
-                <a:solidFill>
-                  <a:prstClr val="black"/>
-                </a:solidFill>
-                <a:latin typeface="Consolas"/>
-              </a:rPr>
-              <a:t>; </a:t>
-            </a:r>
-          </a:p>
-          <a:p>
-            <a:pPr marL="0" indent="0">
-              <a:buNone/>
-            </a:pPr>
-            <a:r>
-              <a:rPr lang="en-US" sz="1800" dirty="0" smtClean="0">
-                <a:solidFill>
-                  <a:srgbClr val="0000FF"/>
-                </a:solidFill>
-                <a:latin typeface="Consolas"/>
-              </a:rPr>
-              <a:t>	return</a:t>
-            </a:r>
-            <a:r>
-              <a:rPr lang="en-US" sz="1800" dirty="0" smtClean="0">
-                <a:solidFill>
-                  <a:prstClr val="black"/>
-                </a:solidFill>
-                <a:latin typeface="Consolas"/>
-              </a:rPr>
-              <a:t> </a:t>
-            </a:r>
-            <a:r>
-              <a:rPr lang="en-US" sz="1800" dirty="0">
-                <a:solidFill>
-                  <a:srgbClr val="0000FF"/>
-                </a:solidFill>
-                <a:latin typeface="Consolas"/>
-              </a:rPr>
-              <a:t>true</a:t>
-            </a:r>
-            <a:r>
-              <a:rPr lang="en-US" sz="1800" dirty="0">
-                <a:solidFill>
-                  <a:prstClr val="black"/>
-                </a:solidFill>
-                <a:latin typeface="Consolas"/>
-              </a:rPr>
-              <a:t>;</a:t>
-            </a:r>
-          </a:p>
-          <a:p>
-            <a:pPr marL="0" indent="0">
-              <a:buNone/>
-            </a:pPr>
-            <a:r>
-              <a:rPr lang="ru-RU" sz="1800" dirty="0" smtClean="0">
-                <a:solidFill>
-                  <a:prstClr val="black"/>
-                </a:solidFill>
-                <a:latin typeface="Consolas"/>
-              </a:rPr>
-              <a:t>}</a:t>
-            </a:r>
-            <a:endParaRPr lang="en-US" sz="1800" dirty="0" smtClean="0">
-              <a:solidFill>
-                <a:prstClr val="black"/>
-              </a:solidFill>
-              <a:latin typeface="Consolas"/>
-            </a:endParaRPr>
-          </a:p>
-          <a:p>
-            <a:pPr marL="0" indent="0">
-              <a:buNone/>
-            </a:pPr>
-            <a:endParaRPr lang="en-US" sz="1800" dirty="0" smtClean="0">
-              <a:solidFill>
-                <a:prstClr val="black"/>
-              </a:solidFill>
-              <a:latin typeface="Consolas"/>
-            </a:endParaRPr>
-          </a:p>
-          <a:p>
-            <a:pPr marL="0" indent="0">
-              <a:buNone/>
-            </a:pPr>
-            <a:r>
-              <a:rPr lang="en-US" sz="1800" dirty="0">
-                <a:solidFill>
-                  <a:srgbClr val="0000FF"/>
-                </a:solidFill>
-                <a:latin typeface="Consolas"/>
-              </a:rPr>
-              <a:t>using</a:t>
-            </a:r>
-            <a:r>
-              <a:rPr lang="en-US" sz="1800" dirty="0">
-                <a:solidFill>
-                  <a:prstClr val="black"/>
-                </a:solidFill>
-                <a:latin typeface="Consolas"/>
-              </a:rPr>
-              <a:t> </a:t>
-            </a:r>
-            <a:r>
-              <a:rPr lang="en-US" sz="1800" dirty="0" err="1">
-                <a:solidFill>
-                  <a:prstClr val="black"/>
-                </a:solidFill>
-                <a:latin typeface="Consolas"/>
-              </a:rPr>
-              <a:t>System.Linq</a:t>
-            </a:r>
-            <a:r>
-              <a:rPr lang="en-US" sz="1800" dirty="0" smtClean="0">
-                <a:solidFill>
-                  <a:prstClr val="black"/>
-                </a:solidFill>
-                <a:latin typeface="Consolas"/>
-              </a:rPr>
-              <a:t>;</a:t>
-            </a:r>
-          </a:p>
-          <a:p>
-            <a:pPr marL="0" indent="0">
-              <a:buNone/>
-            </a:pPr>
-            <a:r>
-              <a:rPr lang="en-US" sz="1800" dirty="0" smtClean="0">
-                <a:solidFill>
-                  <a:prstClr val="black"/>
-                </a:solidFill>
-                <a:latin typeface="Consolas"/>
-              </a:rPr>
-              <a:t>...</a:t>
-            </a:r>
-          </a:p>
-          <a:p>
-            <a:pPr marL="0" indent="0">
-              <a:buNone/>
-            </a:pPr>
-            <a:r>
-              <a:rPr lang="en-US" sz="1800" dirty="0" err="1" smtClean="0">
-                <a:solidFill>
-                  <a:srgbClr val="0000FF"/>
-                </a:solidFill>
-                <a:latin typeface="Consolas"/>
-              </a:rPr>
-              <a:t>var</a:t>
-            </a:r>
-            <a:r>
-              <a:rPr lang="en-US" sz="1800" dirty="0" smtClean="0">
-                <a:solidFill>
-                  <a:prstClr val="black"/>
-                </a:solidFill>
-                <a:latin typeface="Consolas"/>
-              </a:rPr>
-              <a:t> </a:t>
-            </a:r>
-            <a:r>
-              <a:rPr lang="en-US" sz="1800" dirty="0" err="1">
-                <a:solidFill>
-                  <a:prstClr val="black"/>
-                </a:solidFill>
-                <a:latin typeface="Consolas"/>
-              </a:rPr>
-              <a:t>allPositive</a:t>
-            </a:r>
-            <a:r>
-              <a:rPr lang="en-US" sz="1800" dirty="0">
-                <a:solidFill>
-                  <a:prstClr val="black"/>
-                </a:solidFill>
-                <a:latin typeface="Consolas"/>
-              </a:rPr>
-              <a:t> = </a:t>
-            </a:r>
-            <a:r>
-              <a:rPr lang="en-US" sz="1800" dirty="0" err="1">
-                <a:solidFill>
-                  <a:prstClr val="black"/>
-                </a:solidFill>
-                <a:latin typeface="Consolas"/>
-              </a:rPr>
-              <a:t>array.All</a:t>
-            </a:r>
-            <a:r>
-              <a:rPr lang="en-US" sz="1800" dirty="0">
-                <a:solidFill>
-                  <a:prstClr val="black"/>
-                </a:solidFill>
-                <a:latin typeface="Consolas"/>
-              </a:rPr>
-              <a:t>(x =&gt; x &gt; 0);</a:t>
-            </a:r>
-          </a:p>
-        </p:txBody>
-      </p:sp>
-      <p:pic>
-        <p:nvPicPr>
-          <p:cNvPr id="1026" name="Picture 2" descr="http://puu.sh/CfTT"/>
-          <p:cNvPicPr>
-            <a:picLocks noChangeAspect="1" noChangeArrowheads="1"/>
-          </p:cNvPicPr>
-          <p:nvPr/>
-        </p:nvPicPr>
-        <p:blipFill>
-          <a:blip r:embed="rId2">
-            <a:extLst>
-              <a:ext uri="{28A0092B-C50C-407E-A947-70E740481C1C}">
-                <a14:useLocalDpi xmlns:a14="http://schemas.microsoft.com/office/drawing/2010/main" val="0"/>
-              </a:ext>
-            </a:extLst>
-          </a:blip>
-          <a:srcRect/>
-          <a:stretch>
-            <a:fillRect/>
-          </a:stretch>
-        </p:blipFill>
-        <p:spPr bwMode="auto">
-          <a:xfrm>
-            <a:off x="395536" y="4077072"/>
-            <a:ext cx="10977941" cy="2808312"/>
-          </a:xfrm>
-          <a:prstGeom prst="rect">
-            <a:avLst/>
-          </a:prstGeom>
-          <a:noFill/>
-          <a:extLst>
-            <a:ext uri="{909E8E84-426E-40DD-AFC4-6F175D3DCCD1}">
-              <a14:hiddenFill xmlns:a14="http://schemas.microsoft.com/office/drawing/2010/main">
-                <a:solidFill>
-                  <a:srgbClr val="FFFFFF"/>
-                </a:solidFill>
-              </a14:hiddenFill>
-            </a:ext>
-          </a:extLst>
-        </p:spPr>
-      </p:pic>
-    </p:spTree>
-    <p:extLst>
-      <p:ext uri="{BB962C8B-B14F-4D97-AF65-F5344CB8AC3E}">
-        <p14:creationId xmlns:p14="http://schemas.microsoft.com/office/powerpoint/2010/main" val="1098390308"/>
-      </p:ext>
-    </p:extLst>
-  </p:cSld>
-  <p:clrMapOvr>
-    <a:masterClrMapping/>
-  </p:clrMapOvr>
-  <p:timing>
-    <p:tnLst>
-      <p:par>
-        <p:cTn id="1" dur="indefinite" restart="never" nodeType="tmRoot">
-          <p:childTnLst>
-            <p:seq concurrent="1" nextAc="seek">
-              <p:cTn id="2" dur="indefinite" nodeType="mainSeq">
-                <p:childTnLst>
-                  <p:par>
-                    <p:cTn id="3" fill="hold">
-                      <p:stCondLst>
-                        <p:cond delay="indefinite"/>
-                      </p:stCondLst>
-                      <p:childTnLst>
-                        <p:par>
-                          <p:cTn id="4" fill="hold">
-                            <p:stCondLst>
-                              <p:cond delay="0"/>
-                            </p:stCondLst>
-                            <p:childTnLst>
-                              <p:par>
-                                <p:cTn id="5" presetID="1" presetClass="entr" presetSubtype="0" fill="hold" nodeType="clickEffect">
-                                  <p:stCondLst>
-                                    <p:cond delay="0"/>
-                                  </p:stCondLst>
-                                  <p:childTnLst>
-                                    <p:set>
-                                      <p:cBhvr>
-                                        <p:cTn id="6" dur="1" fill="hold">
-                                          <p:stCondLst>
-                                            <p:cond delay="0"/>
-                                          </p:stCondLst>
-                                        </p:cTn>
-                                        <p:tgtEl>
-                                          <p:spTgt spid="3">
-                                            <p:txEl>
-                                              <p:pRg st="8" end="8"/>
-                                            </p:txEl>
-                                          </p:spTgt>
-                                        </p:tgtEl>
-                                        <p:attrNameLst>
-                                          <p:attrName>style.visibility</p:attrName>
-                                        </p:attrNameLst>
-                                      </p:cBhvr>
-                                      <p:to>
-                                        <p:strVal val="visible"/>
-                                      </p:to>
-                                    </p:set>
-                                  </p:childTnLst>
-                                </p:cTn>
-                              </p:par>
-                              <p:par>
-                                <p:cTn id="7" presetID="1" presetClass="entr" presetSubtype="0" fill="hold" nodeType="withEffect">
-                                  <p:stCondLst>
-                                    <p:cond delay="0"/>
-                                  </p:stCondLst>
-                                  <p:childTnLst>
-                                    <p:set>
-                                      <p:cBhvr>
-                                        <p:cTn id="8" dur="1" fill="hold">
-                                          <p:stCondLst>
-                                            <p:cond delay="0"/>
-                                          </p:stCondLst>
-                                        </p:cTn>
-                                        <p:tgtEl>
-                                          <p:spTgt spid="3">
-                                            <p:txEl>
                                               <p:pRg st="9" end="9"/>
                                             </p:txEl>
                                           </p:spTgt>
-                                        </p:tgtEl>
-                                        <p:attrNameLst>
-                                          <p:attrName>style.visibility</p:attrName>
-                                        </p:attrNameLst>
-                                      </p:cBhvr>
-                                      <p:to>
-                                        <p:strVal val="visible"/>
-                                      </p:to>
-                                    </p:set>
-                                  </p:childTnLst>
-                                </p:cTn>
-                              </p:par>
-                              <p:par>
-                                <p:cTn id="9" presetID="1" presetClass="entr" presetSubtype="0" fill="hold" nodeType="withEffect">
-                                  <p:stCondLst>
-                                    <p:cond delay="0"/>
-                                  </p:stCondLst>
-                                  <p:childTnLst>
-                                    <p:set>
-                                      <p:cBhvr>
-                                        <p:cTn id="10" dur="1" fill="hold">
-                                          <p:stCondLst>
-                                            <p:cond delay="0"/>
-                                          </p:stCondLst>
-                                        </p:cTn>
-                                        <p:tgtEl>
-                                          <p:spTgt spid="3">
-                                            <p:txEl>
-                                              <p:pRg st="10" end="10"/>
-                                            </p:txEl>
-                                          </p:spTgt>
-                                        </p:tgtEl>
-                                        <p:attrNameLst>
-                                          <p:attrName>style.visibility</p:attrName>
-                                        </p:attrNameLst>
-                                      </p:cBhvr>
-                                      <p:to>
-                                        <p:strVal val="visible"/>
-                                      </p:to>
-                                    </p:set>
-                                  </p:childTnLst>
-                                </p:cTn>
-                              </p:par>
-                            </p:childTnLst>
-                          </p:cTn>
-                        </p:par>
-                      </p:childTnLst>
-                    </p:cTn>
-                  </p:par>
-                  <p:par>
-                    <p:cTn id="11" fill="hold">
-                      <p:stCondLst>
-                        <p:cond delay="indefinite"/>
-                      </p:stCondLst>
-                      <p:childTnLst>
-                        <p:par>
-                          <p:cTn id="12" fill="hold">
-                            <p:stCondLst>
-                              <p:cond delay="0"/>
-                            </p:stCondLst>
-                            <p:childTnLst>
-                              <p:par>
-                                <p:cTn id="13" presetID="1" presetClass="entr" presetSubtype="0" fill="hold" nodeType="clickEffect">
-                                  <p:stCondLst>
-                                    <p:cond delay="0"/>
-                                  </p:stCondLst>
-                                  <p:childTnLst>
-                                    <p:set>
-                                      <p:cBhvr>
-                                        <p:cTn id="14" dur="1" fill="hold">
-                                          <p:stCondLst>
-                                            <p:cond delay="0"/>
-                                          </p:stCondLst>
-                                        </p:cTn>
-                                        <p:tgtEl>
-                                          <p:spTgt spid="1026"/>
                                         </p:tgtEl>
                                         <p:attrNameLst>
                                           <p:attrName>style.visibility</p:attrName>
@@ -5853,32 +5345,10 @@
           <a:lstStyle/>
           <a:p>
             <a:r>
-              <a:rPr lang="ru-RU" b="1" dirty="0" smtClean="0">
-                <a:solidFill>
-                  <a:schemeClr val="accent6">
-                    <a:lumMod val="50000"/>
-                  </a:schemeClr>
-                </a:solidFill>
-              </a:rPr>
-              <a:t>Оператор </a:t>
-            </a:r>
-            <a:r>
-              <a:rPr lang="en-US" b="1" dirty="0" smtClean="0">
-                <a:solidFill>
-                  <a:schemeClr val="accent6">
-                    <a:lumMod val="50000"/>
-                  </a:schemeClr>
-                </a:solidFill>
-              </a:rPr>
-              <a:t>yield return</a:t>
-            </a:r>
-            <a:endParaRPr lang="ru-RU" b="1" dirty="0">
-              <a:solidFill>
-                <a:schemeClr val="accent6">
-                  <a:lumMod val="50000"/>
-                </a:schemeClr>
-              </a:solidFill>
-            </a:endParaRPr>
+              <a:rPr lang="ru-RU" dirty="0" smtClean="0"/>
+              <a:t>Ленивость</a:t>
+            </a:r>
+            <a:endParaRPr lang="ru-RU" dirty="0"/>
           </a:p>
         </p:txBody>
       </p:sp>
@@ -5892,15 +5362,10 @@
             <p:ph idx="1"/>
           </p:nvPr>
         </p:nvSpPr>
-        <p:spPr>
-          <a:xfrm>
-            <a:off x="457200" y="1639341"/>
-            <a:ext cx="8229600" cy="4525963"/>
-          </a:xfrm>
-        </p:spPr>
+        <p:spPr/>
         <p:txBody>
           <a:bodyPr>
-            <a:normAutofit fontScale="55000" lnSpcReduction="20000"/>
+            <a:normAutofit/>
           </a:bodyPr>
           <a:lstStyle/>
           <a:p>
@@ -5908,201 +5373,32 @@
               <a:buNone/>
             </a:pPr>
             <a:r>
-              <a:rPr lang="en-US" dirty="0">
-                <a:solidFill>
-                  <a:srgbClr val="0000FF"/>
-                </a:solidFill>
-                <a:latin typeface="Consolas"/>
-              </a:rPr>
-              <a:t>public</a:t>
-            </a:r>
-            <a:r>
-              <a:rPr lang="en-US" dirty="0">
-                <a:solidFill>
-                  <a:prstClr val="black"/>
-                </a:solidFill>
-                <a:latin typeface="Consolas"/>
-              </a:rPr>
-              <a:t> </a:t>
-            </a:r>
-            <a:r>
-              <a:rPr lang="en-US" dirty="0">
-                <a:solidFill>
-                  <a:srgbClr val="0000FF"/>
-                </a:solidFill>
-                <a:latin typeface="Consolas"/>
-              </a:rPr>
-              <a:t>static</a:t>
-            </a:r>
-            <a:r>
-              <a:rPr lang="en-US" dirty="0">
-                <a:solidFill>
-                  <a:prstClr val="black"/>
-                </a:solidFill>
-                <a:latin typeface="Consolas"/>
-              </a:rPr>
-              <a:t> </a:t>
-            </a:r>
-            <a:r>
-              <a:rPr lang="en-US" dirty="0" err="1">
-                <a:solidFill>
-                  <a:srgbClr val="2B91AF"/>
-                </a:solidFill>
-                <a:latin typeface="Consolas"/>
-              </a:rPr>
-              <a:t>IEnumerable</a:t>
-            </a:r>
-            <a:r>
-              <a:rPr lang="en-US" dirty="0">
-                <a:solidFill>
-                  <a:prstClr val="black"/>
-                </a:solidFill>
-                <a:latin typeface="Consolas"/>
-              </a:rPr>
-              <a:t>&lt;</a:t>
-            </a:r>
-            <a:r>
-              <a:rPr lang="en-US" dirty="0" err="1">
-                <a:solidFill>
-                  <a:prstClr val="black"/>
-                </a:solidFill>
-                <a:latin typeface="Consolas"/>
-              </a:rPr>
-              <a:t>TSource</a:t>
-            </a:r>
-            <a:r>
-              <a:rPr lang="en-US" dirty="0">
-                <a:solidFill>
-                  <a:prstClr val="black"/>
-                </a:solidFill>
-                <a:latin typeface="Consolas"/>
-              </a:rPr>
-              <a:t>&gt; Take&lt;</a:t>
-            </a:r>
-            <a:r>
-              <a:rPr lang="en-US" dirty="0" err="1">
-                <a:solidFill>
-                  <a:prstClr val="black"/>
-                </a:solidFill>
-                <a:latin typeface="Consolas"/>
-              </a:rPr>
-              <a:t>TSource</a:t>
-            </a:r>
-            <a:r>
-              <a:rPr lang="en-US" dirty="0" smtClean="0">
-                <a:solidFill>
-                  <a:prstClr val="black"/>
-                </a:solidFill>
-                <a:latin typeface="Consolas"/>
-              </a:rPr>
-              <a:t>&gt;</a:t>
-            </a:r>
-            <a:r>
-              <a:rPr lang="ru-RU" dirty="0" smtClean="0">
-                <a:solidFill>
-                  <a:prstClr val="black"/>
-                </a:solidFill>
-                <a:latin typeface="Consolas"/>
-              </a:rPr>
-              <a:t/>
-            </a:r>
-            <a:br>
-              <a:rPr lang="ru-RU" dirty="0" smtClean="0">
-                <a:solidFill>
-                  <a:prstClr val="black"/>
-                </a:solidFill>
-                <a:latin typeface="Consolas"/>
-              </a:rPr>
-            </a:br>
-            <a:r>
-              <a:rPr lang="ru-RU" dirty="0" smtClean="0">
-                <a:solidFill>
-                  <a:prstClr val="black"/>
-                </a:solidFill>
-                <a:latin typeface="Consolas"/>
-              </a:rPr>
-              <a:t>	</a:t>
-            </a:r>
-            <a:r>
-              <a:rPr lang="en-US" dirty="0" smtClean="0">
-                <a:solidFill>
-                  <a:prstClr val="black"/>
-                </a:solidFill>
-                <a:latin typeface="Consolas"/>
-              </a:rPr>
-              <a:t>(</a:t>
-            </a:r>
-            <a:r>
-              <a:rPr lang="en-US" dirty="0">
-                <a:solidFill>
-                  <a:srgbClr val="0000FF"/>
-                </a:solidFill>
-                <a:latin typeface="Consolas"/>
-              </a:rPr>
-              <a:t>this</a:t>
-            </a:r>
-            <a:r>
-              <a:rPr lang="en-US" dirty="0">
-                <a:solidFill>
-                  <a:prstClr val="black"/>
-                </a:solidFill>
-                <a:latin typeface="Consolas"/>
-              </a:rPr>
-              <a:t> </a:t>
-            </a:r>
-            <a:r>
-              <a:rPr lang="en-US" dirty="0" err="1">
-                <a:solidFill>
-                  <a:srgbClr val="2B91AF"/>
-                </a:solidFill>
-                <a:latin typeface="Consolas"/>
-              </a:rPr>
-              <a:t>IEnumerable</a:t>
-            </a:r>
-            <a:r>
-              <a:rPr lang="en-US" dirty="0">
-                <a:solidFill>
-                  <a:prstClr val="black"/>
-                </a:solidFill>
-                <a:latin typeface="Consolas"/>
-              </a:rPr>
-              <a:t>&lt;</a:t>
-            </a:r>
-            <a:r>
-              <a:rPr lang="en-US" dirty="0" err="1">
-                <a:solidFill>
-                  <a:prstClr val="black"/>
-                </a:solidFill>
-                <a:latin typeface="Consolas"/>
-              </a:rPr>
-              <a:t>TSource</a:t>
-            </a:r>
-            <a:r>
-              <a:rPr lang="en-US" dirty="0">
-                <a:solidFill>
-                  <a:prstClr val="black"/>
-                </a:solidFill>
-                <a:latin typeface="Consolas"/>
-              </a:rPr>
-              <a:t>&gt; source, </a:t>
-            </a:r>
-            <a:r>
-              <a:rPr lang="en-US" dirty="0" err="1">
-                <a:solidFill>
-                  <a:srgbClr val="0000FF"/>
-                </a:solidFill>
-                <a:latin typeface="Consolas"/>
-              </a:rPr>
-              <a:t>int</a:t>
-            </a:r>
-            <a:r>
-              <a:rPr lang="en-US" dirty="0">
-                <a:solidFill>
-                  <a:prstClr val="black"/>
-                </a:solidFill>
-                <a:latin typeface="Consolas"/>
-              </a:rPr>
-              <a:t> count)</a:t>
+              <a:rPr lang="en-US" sz="2800" dirty="0" err="1" smtClean="0">
+                <a:latin typeface="Consolas" panose="020B0609020204030204" pitchFamily="49" charset="0"/>
+                <a:cs typeface="Consolas" panose="020B0609020204030204" pitchFamily="49" charset="0"/>
+              </a:rPr>
+              <a:t>people.OrderBy</a:t>
+            </a:r>
+            <a:r>
+              <a:rPr lang="en-US" sz="2800" dirty="0" smtClean="0">
+                <a:latin typeface="Consolas" panose="020B0609020204030204" pitchFamily="49" charset="0"/>
+                <a:cs typeface="Consolas" panose="020B0609020204030204" pitchFamily="49" charset="0"/>
+              </a:rPr>
+              <a:t>(person =&gt; </a:t>
+            </a:r>
+            <a:r>
+              <a:rPr lang="en-US" sz="2800" dirty="0" err="1" smtClean="0">
+                <a:latin typeface="Consolas" panose="020B0609020204030204" pitchFamily="49" charset="0"/>
+                <a:cs typeface="Consolas" panose="020B0609020204030204" pitchFamily="49" charset="0"/>
+              </a:rPr>
+              <a:t>person.Age</a:t>
+            </a:r>
+            <a:r>
+              <a:rPr lang="en-US" sz="2800" dirty="0" smtClean="0">
+                <a:latin typeface="Consolas" panose="020B0609020204030204" pitchFamily="49" charset="0"/>
+                <a:cs typeface="Consolas" panose="020B0609020204030204" pitchFamily="49" charset="0"/>
+              </a:rPr>
+              <a:t>)</a:t>
             </a:r>
           </a:p>
           <a:p>
@@ -6110,361 +5406,12 @@
               <a:buNone/>
             </a:pPr>
             <a:r>
-              <a:rPr lang="ru-RU" dirty="0">
-                <a:solidFill>
-                  <a:prstClr val="black"/>
-                </a:solidFill>
-                <a:latin typeface="Consolas"/>
-              </a:rPr>
-              <a:t>{</a:t>
-            </a:r>
-          </a:p>
-          <a:p>
-            <a:pPr marL="0" indent="0">
-              <a:buNone/>
-            </a:pPr>
-            <a:r>
-              <a:rPr lang="en-US" dirty="0">
-                <a:solidFill>
-                  <a:prstClr val="black"/>
-                </a:solidFill>
-                <a:latin typeface="Consolas"/>
-              </a:rPr>
-              <a:t>    </a:t>
-            </a:r>
-            <a:r>
-              <a:rPr lang="en-US" dirty="0">
-                <a:solidFill>
-                  <a:srgbClr val="0000FF"/>
-                </a:solidFill>
-                <a:latin typeface="Consolas"/>
-              </a:rPr>
-              <a:t>if</a:t>
-            </a:r>
-            <a:r>
-              <a:rPr lang="en-US" dirty="0">
-                <a:solidFill>
-                  <a:prstClr val="black"/>
-                </a:solidFill>
-                <a:latin typeface="Consolas"/>
-              </a:rPr>
-              <a:t> (count &gt; 0)</a:t>
-            </a:r>
-          </a:p>
-          <a:p>
-            <a:pPr marL="0" indent="0">
-              <a:buNone/>
-            </a:pPr>
-            <a:r>
-              <a:rPr lang="ru-RU" dirty="0">
-                <a:solidFill>
-                  <a:prstClr val="black"/>
-                </a:solidFill>
-                <a:latin typeface="Consolas"/>
-              </a:rPr>
-              <a:t>    {</a:t>
-            </a:r>
-          </a:p>
-          <a:p>
-            <a:pPr marL="0" indent="0">
-              <a:buNone/>
-            </a:pPr>
-            <a:r>
-              <a:rPr lang="en-US" dirty="0">
-                <a:solidFill>
-                  <a:prstClr val="black"/>
-                </a:solidFill>
-                <a:latin typeface="Consolas"/>
-              </a:rPr>
-              <a:t>        </a:t>
-            </a:r>
-            <a:r>
-              <a:rPr lang="en-US" dirty="0" err="1">
-                <a:solidFill>
-                  <a:srgbClr val="0000FF"/>
-                </a:solidFill>
-                <a:latin typeface="Consolas"/>
-              </a:rPr>
-              <a:t>foreach</a:t>
-            </a:r>
-            <a:r>
-              <a:rPr lang="en-US" dirty="0">
-                <a:solidFill>
-                  <a:prstClr val="black"/>
-                </a:solidFill>
-                <a:latin typeface="Consolas"/>
-              </a:rPr>
-              <a:t> (</a:t>
-            </a:r>
-            <a:r>
-              <a:rPr lang="en-US" dirty="0" err="1">
-                <a:solidFill>
-                  <a:prstClr val="black"/>
-                </a:solidFill>
-                <a:latin typeface="Consolas"/>
-              </a:rPr>
-              <a:t>TSource</a:t>
-            </a:r>
-            <a:r>
-              <a:rPr lang="en-US" dirty="0">
-                <a:solidFill>
-                  <a:prstClr val="black"/>
-                </a:solidFill>
-                <a:latin typeface="Consolas"/>
-              </a:rPr>
-              <a:t> element </a:t>
-            </a:r>
-            <a:r>
-              <a:rPr lang="en-US" dirty="0">
-                <a:solidFill>
-                  <a:srgbClr val="0000FF"/>
-                </a:solidFill>
-                <a:latin typeface="Consolas"/>
-              </a:rPr>
-              <a:t>in</a:t>
-            </a:r>
-            <a:r>
-              <a:rPr lang="en-US" dirty="0">
-                <a:solidFill>
-                  <a:prstClr val="black"/>
-                </a:solidFill>
-                <a:latin typeface="Consolas"/>
-              </a:rPr>
-              <a:t> source)</a:t>
-            </a:r>
-          </a:p>
-          <a:p>
-            <a:pPr marL="0" indent="0">
-              <a:buNone/>
-            </a:pPr>
-            <a:r>
-              <a:rPr lang="ru-RU" dirty="0">
-                <a:solidFill>
-                  <a:prstClr val="black"/>
-                </a:solidFill>
-                <a:latin typeface="Consolas"/>
-              </a:rPr>
-              <a:t>        {</a:t>
-            </a:r>
-          </a:p>
-          <a:p>
-            <a:pPr marL="0" indent="0">
-              <a:buNone/>
-            </a:pPr>
-            <a:r>
-              <a:rPr lang="en-US" dirty="0">
-                <a:solidFill>
-                  <a:prstClr val="black"/>
-                </a:solidFill>
-                <a:latin typeface="Consolas"/>
-              </a:rPr>
-              <a:t>            </a:t>
-            </a:r>
-            <a:r>
-              <a:rPr lang="en-US" dirty="0">
-                <a:solidFill>
-                  <a:srgbClr val="0000FF"/>
-                </a:solidFill>
-                <a:latin typeface="Consolas"/>
-              </a:rPr>
-              <a:t>yield</a:t>
-            </a:r>
-            <a:r>
-              <a:rPr lang="en-US" dirty="0">
-                <a:solidFill>
-                  <a:prstClr val="black"/>
-                </a:solidFill>
-                <a:latin typeface="Consolas"/>
-              </a:rPr>
-              <a:t> </a:t>
-            </a:r>
-            <a:r>
-              <a:rPr lang="en-US" dirty="0">
-                <a:solidFill>
-                  <a:srgbClr val="0000FF"/>
-                </a:solidFill>
-                <a:latin typeface="Consolas"/>
-              </a:rPr>
-              <a:t>return</a:t>
-            </a:r>
-            <a:r>
-              <a:rPr lang="en-US" dirty="0">
-                <a:solidFill>
-                  <a:prstClr val="black"/>
-                </a:solidFill>
-                <a:latin typeface="Consolas"/>
-              </a:rPr>
-              <a:t> element;</a:t>
-            </a:r>
-          </a:p>
-          <a:p>
-            <a:pPr marL="0" indent="0">
-              <a:buNone/>
-            </a:pPr>
-            <a:r>
-              <a:rPr lang="en-US" dirty="0">
-                <a:solidFill>
-                  <a:prstClr val="black"/>
-                </a:solidFill>
-                <a:latin typeface="Consolas"/>
-              </a:rPr>
-              <a:t>            </a:t>
-            </a:r>
-            <a:r>
-              <a:rPr lang="en-US" dirty="0">
-                <a:solidFill>
-                  <a:srgbClr val="0000FF"/>
-                </a:solidFill>
-                <a:latin typeface="Consolas"/>
-              </a:rPr>
-              <a:t>if</a:t>
-            </a:r>
-            <a:r>
-              <a:rPr lang="en-US" dirty="0">
-                <a:solidFill>
-                  <a:prstClr val="black"/>
-                </a:solidFill>
-                <a:latin typeface="Consolas"/>
-              </a:rPr>
-              <a:t> (--count == 0) </a:t>
-            </a:r>
-            <a:r>
-              <a:rPr lang="en-US" dirty="0">
-                <a:solidFill>
-                  <a:srgbClr val="0000FF"/>
-                </a:solidFill>
-                <a:latin typeface="Consolas"/>
-              </a:rPr>
-              <a:t>break</a:t>
-            </a:r>
-            <a:r>
-              <a:rPr lang="en-US" dirty="0">
-                <a:solidFill>
-                  <a:prstClr val="black"/>
-                </a:solidFill>
-                <a:latin typeface="Consolas"/>
-              </a:rPr>
-              <a:t>;</a:t>
-            </a:r>
-          </a:p>
-          <a:p>
-            <a:pPr marL="0" indent="0">
-              <a:buNone/>
-            </a:pPr>
-            <a:r>
-              <a:rPr lang="ru-RU" dirty="0">
-                <a:solidFill>
-                  <a:prstClr val="black"/>
-                </a:solidFill>
-                <a:latin typeface="Consolas"/>
-              </a:rPr>
-              <a:t>        }</a:t>
-            </a:r>
-          </a:p>
-          <a:p>
-            <a:pPr marL="0" indent="0">
-              <a:buNone/>
-            </a:pPr>
-            <a:r>
-              <a:rPr lang="ru-RU" dirty="0">
-                <a:solidFill>
-                  <a:prstClr val="black"/>
-                </a:solidFill>
-                <a:latin typeface="Consolas"/>
-              </a:rPr>
-              <a:t>    }</a:t>
-            </a:r>
-          </a:p>
-          <a:p>
-            <a:pPr marL="0" indent="0">
-              <a:buNone/>
-            </a:pPr>
-            <a:r>
-              <a:rPr lang="ru-RU" dirty="0" smtClean="0">
-                <a:solidFill>
-                  <a:prstClr val="black"/>
-                </a:solidFill>
-                <a:latin typeface="Consolas"/>
-              </a:rPr>
-              <a:t>}</a:t>
-            </a:r>
-            <a:endParaRPr lang="en-US" dirty="0" smtClean="0">
-              <a:solidFill>
-                <a:prstClr val="black"/>
-              </a:solidFill>
-              <a:latin typeface="Consolas"/>
-            </a:endParaRPr>
-          </a:p>
-          <a:p>
-            <a:pPr marL="0" indent="0">
-              <a:buNone/>
-            </a:pPr>
-            <a:endParaRPr lang="en-US" dirty="0">
-              <a:solidFill>
-                <a:prstClr val="black"/>
-              </a:solidFill>
-              <a:latin typeface="Consolas"/>
-            </a:endParaRPr>
-          </a:p>
-          <a:p>
-            <a:pPr marL="0" indent="0">
-              <a:buNone/>
-            </a:pPr>
-            <a:r>
-              <a:rPr lang="en-US" sz="4200" dirty="0">
-                <a:solidFill>
-                  <a:srgbClr val="0000FF"/>
-                </a:solidFill>
-                <a:latin typeface="Consolas"/>
-              </a:rPr>
-              <a:t>yield</a:t>
-            </a:r>
-            <a:r>
-              <a:rPr lang="en-US" sz="4200" dirty="0">
-                <a:solidFill>
-                  <a:prstClr val="black"/>
-                </a:solidFill>
-                <a:latin typeface="Consolas"/>
-              </a:rPr>
-              <a:t> </a:t>
-            </a:r>
-            <a:r>
-              <a:rPr lang="en-US" sz="4200" dirty="0">
-                <a:solidFill>
-                  <a:srgbClr val="0000FF"/>
-                </a:solidFill>
-                <a:latin typeface="Consolas"/>
-              </a:rPr>
-              <a:t>return </a:t>
-            </a:r>
-            <a:r>
-              <a:rPr lang="ru-RU" sz="5100" dirty="0" smtClean="0"/>
-              <a:t>упрощает написание </a:t>
-            </a:r>
-            <a:r>
-              <a:rPr lang="ru-RU" sz="5100" b="1" dirty="0" smtClean="0"/>
-              <a:t>ленивых </a:t>
-            </a:r>
-            <a:r>
-              <a:rPr lang="ru-RU" sz="5100" dirty="0" smtClean="0"/>
-              <a:t>методов</a:t>
-            </a:r>
-            <a:r>
-              <a:rPr lang="en-US" sz="5100" dirty="0" smtClean="0"/>
-              <a:t> </a:t>
-            </a:r>
-          </a:p>
-          <a:p>
-            <a:pPr marL="0" indent="0">
-              <a:buNone/>
-            </a:pPr>
-            <a:r>
-              <a:rPr lang="ru-RU" sz="5100" dirty="0" smtClean="0"/>
-              <a:t>* Во </a:t>
-            </a:r>
-            <a:r>
-              <a:rPr lang="ru-RU" sz="5100" dirty="0"/>
-              <a:t>что это скомпилируется? :-)</a:t>
+              <a:rPr lang="ru-RU" dirty="0"/>
+              <a:t>Лениво</a:t>
+            </a:r>
+            <a:r>
+              <a:rPr lang="ru-RU" dirty="0" smtClean="0"/>
+              <a:t>!</a:t>
             </a:r>
           </a:p>
           <a:p>
@@ -6472,13 +5419,97 @@
               <a:buNone/>
             </a:pPr>
             <a:endParaRPr lang="ru-RU" dirty="0"/>
+          </a:p>
+          <a:p>
+            <a:pPr marL="0" indent="0">
+              <a:buNone/>
+            </a:pPr>
+            <a:r>
+              <a:rPr lang="en-US" sz="2800" dirty="0" smtClean="0">
+                <a:latin typeface="Consolas" panose="020B0609020204030204" pitchFamily="49" charset="0"/>
+                <a:cs typeface="Consolas" panose="020B0609020204030204" pitchFamily="49" charset="0"/>
+              </a:rPr>
+              <a:t>people</a:t>
+            </a:r>
+            <a:br>
+              <a:rPr lang="en-US" sz="2800" dirty="0" smtClean="0">
+                <a:latin typeface="Consolas" panose="020B0609020204030204" pitchFamily="49" charset="0"/>
+                <a:cs typeface="Consolas" panose="020B0609020204030204" pitchFamily="49" charset="0"/>
+              </a:rPr>
+            </a:br>
+            <a:r>
+              <a:rPr lang="en-US" sz="2800" dirty="0" smtClean="0">
+                <a:latin typeface="Consolas" panose="020B0609020204030204" pitchFamily="49" charset="0"/>
+                <a:cs typeface="Consolas" panose="020B0609020204030204" pitchFamily="49" charset="0"/>
+              </a:rPr>
+              <a:t>	.Where(p =&gt; </a:t>
+            </a:r>
+            <a:r>
+              <a:rPr lang="en-US" sz="2800" dirty="0" err="1" smtClean="0">
+                <a:latin typeface="Consolas" panose="020B0609020204030204" pitchFamily="49" charset="0"/>
+                <a:cs typeface="Consolas" panose="020B0609020204030204" pitchFamily="49" charset="0"/>
+              </a:rPr>
+              <a:t>p.Age</a:t>
+            </a:r>
+            <a:r>
+              <a:rPr lang="en-US" sz="2800" dirty="0" smtClean="0">
+                <a:latin typeface="Consolas" panose="020B0609020204030204" pitchFamily="49" charset="0"/>
+                <a:cs typeface="Consolas" panose="020B0609020204030204" pitchFamily="49" charset="0"/>
+              </a:rPr>
+              <a:t> &gt; 18)</a:t>
+            </a:r>
+            <a:br>
+              <a:rPr lang="en-US" sz="2800" dirty="0" smtClean="0">
+                <a:latin typeface="Consolas" panose="020B0609020204030204" pitchFamily="49" charset="0"/>
+                <a:cs typeface="Consolas" panose="020B0609020204030204" pitchFamily="49" charset="0"/>
+              </a:rPr>
+            </a:br>
+            <a:r>
+              <a:rPr lang="en-US" sz="2800" dirty="0" smtClean="0">
+                <a:latin typeface="Consolas" panose="020B0609020204030204" pitchFamily="49" charset="0"/>
+                <a:cs typeface="Consolas" panose="020B0609020204030204" pitchFamily="49" charset="0"/>
+              </a:rPr>
+              <a:t>	.Select(p =&gt; </a:t>
+            </a:r>
+            <a:r>
+              <a:rPr lang="en-US" sz="2800" dirty="0" err="1" smtClean="0">
+                <a:latin typeface="Consolas" panose="020B0609020204030204" pitchFamily="49" charset="0"/>
+                <a:cs typeface="Consolas" panose="020B0609020204030204" pitchFamily="49" charset="0"/>
+              </a:rPr>
+              <a:t>p.Name</a:t>
+            </a:r>
+            <a:r>
+              <a:rPr lang="en-US" sz="2800" dirty="0" smtClean="0">
+                <a:latin typeface="Consolas" panose="020B0609020204030204" pitchFamily="49" charset="0"/>
+                <a:cs typeface="Consolas" panose="020B0609020204030204" pitchFamily="49" charset="0"/>
+              </a:rPr>
+              <a:t>)</a:t>
+            </a:r>
+          </a:p>
+          <a:p>
+            <a:pPr marL="0" indent="0">
+              <a:buNone/>
+            </a:pPr>
+            <a:r>
+              <a:rPr lang="ru-RU" dirty="0"/>
+              <a:t>Лениво!</a:t>
+            </a:r>
+          </a:p>
+          <a:p>
+            <a:pPr marL="0" indent="0">
+              <a:buNone/>
+            </a:pPr>
+            <a:endParaRPr lang="ru-RU" sz="2800" dirty="0">
+              <a:latin typeface="Consolas" panose="020B0609020204030204" pitchFamily="49" charset="0"/>
+              <a:cs typeface="Consolas" panose="020B0609020204030204" pitchFamily="49" charset="0"/>
+            </a:endParaRPr>
           </a:p>
         </p:txBody>
       </p:sp>
     </p:spTree>
     <p:extLst>
       <p:ext uri="{BB962C8B-B14F-4D97-AF65-F5344CB8AC3E}">
-        <p14:creationId xmlns:p14="http://schemas.microsoft.com/office/powerpoint/2010/main" val="1872806810"/>
+        <p14:creationId xmlns:p14="http://schemas.microsoft.com/office/powerpoint/2010/main" val="1639084584"/>
       </p:ext>
     </p:extLst>
   </p:cSld>
@@ -6521,37 +5552,6 @@
                                         <p:tgtEl>
                                           <p:spTgt spid="3">
                                             <p:txEl>
-                                              <p:pRg st="0" end="0"/>
-                                            </p:txEl>
-                                          </p:spTgt>
-                                        </p:tgtEl>
-                                        <p:attrNameLst>
-                                          <p:attrName>style.visibility</p:attrName>
-                                        </p:attrNameLst>
-                                      </p:cBhvr>
-                                      <p:to>
-                                        <p:strVal val="visible"/>
-                                      </p:to>
-                                    </p:set>
-                                  </p:childTnLst>
-                                </p:cTn>
-                              </p:par>
-                              <p:par>
-                                <p:cTn id="7" presetID="1" presetClass="entr" presetSubtype="0" fill="hold" nodeType="withEffect">
-                                  <p:stCondLst>
-                                    <p:cond delay="0"/>
-                                  </p:stCondLst>
-                                  <p:childTnLst>
-                                    <p:set>
-                                      <p:cBhvr>
-                                        <p:cTn id="8" dur="1" fill="hold">
-                                          <p:stCondLst>
-                                            <p:cond delay="0"/>
-                                          </p:stCondLst>
-                                        </p:cTn>
-                                        <p:tgtEl>
-                                          <p:spTgt spid="3">
-                                            <p:txEl>
                                               <p:pRg st="1" end="1"/>
                                             </p:txEl>
                                           </p:spTgt>
@@ -6567,8 +5567,26 @@
                                   </p:childTnLst>
                                 </p:cTn>
                               </p:par>
+                            </p:childTnLst>
+                          </p:cTn>
+                        </p:par>
+                      </p:childTnLst>
+                    </p:cTn>
+                  </p:par>
+                  <p:par>
+                    <p:cTn id="7" fill="hold">
+                      <p:stCondLst>
+                        <p:cond delay="indefinite"/>
+                      </p:stCondLst>
+                      <p:childTnLst>
+                        <p:par>
+                          <p:cTn id="8" fill="hold">
+                            <p:stCondLst>
+                              <p:cond delay="0"/>
+                            </p:stCondLst>
+                            <p:childTnLst>
                               <p:par>
-                                <p:cTn id="9" presetID="1" presetClass="entr" presetSubtype="0" fill="hold" nodeType="withEffect">
+                                <p:cTn id="9" presetID="1" presetClass="entr" presetSubtype="0" fill="hold" nodeType="clickEffect">
                                   <p:stCondLst>
                                     <p:cond delay="0"/>
                                   </p:stCondLst>
@@ -6576,37 +5594,6 @@
                                     <p:set>
                                       <p:cBhvr>
                                         <p:cTn id="10" dur="1" fill="hold">
-                                          <p:stCondLst>
-                                            <p:cond delay="0"/>
-                                          </p:stCondLst>
-                                        </p:cTn>
-                                        <p:tgtEl>
-                                          <p:spTgt spid="3">
-                                            <p:txEl>
-                                              <p:pRg st="2" end="2"/>
-                                            </p:txEl>
-                                          </p:spTgt>
-                                        </p:tgtEl>
-                                        <p:attrNameLst>
-                                          <p:attrName>style.visibility</p:attrName>
-                                        </p:attrNameLst>
-                                      </p:cBhvr>
-                                      <p:to>
-                                        <p:strVal val="visible"/>
-                                      </p:to>
-                                    </p:set>
-                                  </p:childTnLst>
-                                </p:cTn>
-                              </p:par>
-                              <p:par>
-                                <p:cTn id="11" presetID="1" presetClass="entr" presetSubtype="0" fill="hold" nodeType="withEffect">
-                                  <p:stCondLst>
-                                    <p:cond delay="0"/>
-                                  </p:stCondLst>
-                                  <p:childTnLst>
-                                    <p:set>
-                                      <p:cBhvr>
-                                        <p:cTn id="12" dur="1" fill="hold">
                                           <p:stCondLst>
                                             <p:cond delay="0"/>
                                           </p:stCondLst>
@@ -6629,8 +5616,26 @@
                                   </p:childTnLst>
                                 </p:cTn>
                               </p:par>
+                            </p:childTnLst>
+                          </p:cTn>
+                        </p:par>
+                      </p:childTnLst>
+                    </p:cTn>
+                  </p:par>
+                  <p:par>
+                    <p:cTn id="11" fill="hold">
+                      <p:stCondLst>
+                        <p:cond delay="indefinite"/>
+                      </p:stCondLst>
+                      <p:childTnLst>
+                        <p:par>
+                          <p:cTn id="12" fill="hold">
+                            <p:stCondLst>
+                              <p:cond delay="0"/>
+                            </p:stCondLst>
+                            <p:childTnLst>
                               <p:par>
-                                <p:cTn id="13" presetID="1" presetClass="entr" presetSubtype="0" fill="hold" nodeType="withEffect">
+                                <p:cTn id="13" presetID="1" presetClass="entr" presetSubtype="0" fill="hold" nodeType="clickEffect">
                                   <p:stCondLst>
                                     <p:cond delay="0"/>
                                   </p:stCondLst>
@@ -6646,290 +5651,6 @@
                                           <p:spTgt spid="3">
                                             <p:txEl>
                                               <p:pRg st="4" end="4"/>
-                                            </p:txEl>
-                                          </p:spTgt>
-                                        </p:tgtEl>
-                                        <p:attrNameLst>
-                                          <p:attrName>style.visibility</p:attrName>
-                                        </p:attrNameLst>
-                                      </p:cBhvr>
-                                      <p:to>
-                                        <p:strVal val="visible"/>
-                                      </p:to>
-                                    </p:set>
-                                  </p:childTnLst>
-                                </p:cTn>
-                              </p:par>
-                              <p:par>
-                                <p:cTn id="15" presetID="1" presetClass="entr" presetSubtype="0" fill="hold" nodeType="withEffect">
-                                  <p:stCondLst>
-                                    <p:cond delay="0"/>
-                                  </p:stCondLst>
-                                  <p:childTnLst>
-                                    <p:set>
-                                      <p:cBhvr>
-                                        <p:cTn id="16" dur="1" fill="hold">
-                                          <p:stCondLst>
-                                            <p:cond delay="0"/>
-                                          </p:stCondLst>
-                                        </p:cTn>
-                                        <p:tgtEl>
-                                          <p:spTgt spid="3">
-                                            <p:txEl>
-                                              <p:pRg st="5" end="5"/>
-                                            </p:txEl>
-                                          </p:spTgt>
-                                        </p:tgtEl>
-                                        <p:attrNameLst>
-                                          <p:attrName>style.visibility</p:attrName>
-                                        </p:attrNameLst>
-                                      </p:cBhvr>
-                                      <p:to>
-                                        <p:strVal val="visible"/>
-                                      </p:to>
-                                    </p:set>
-                                  </p:childTnLst>
-                                </p:cTn>
-                              </p:par>
-                              <p:par>
-                                <p:cTn id="17" presetID="1" presetClass="entr" presetSubtype="0" fill="hold" nodeType="withEffect">
-                                  <p:stCondLst>
-                                    <p:cond delay="0"/>
-                                  </p:stCondLst>
-                                  <p:childTnLst>
-                                    <p:set>
-                                      <p:cBhvr>
-                                        <p:cTn id="18" dur="1" fill="hold">
-                                          <p:stCondLst>
-                                            <p:cond delay="0"/>
-                                          </p:stCondLst>
-                                        </p:cTn>
-                                        <p:tgtEl>
-                                          <p:spTgt spid="3">
-                                            <p:txEl>
-                                              <p:pRg st="6" end="6"/>
-                                            </p:txEl>
-                                          </p:spTgt>
-                                        </p:tgtEl>
-                                        <p:attrNameLst>
-                                          <p:attrName>style.visibility</p:attrName>
-                                        </p:attrNameLst>
-                                      </p:cBhvr>
-                                      <p:to>
-                                        <p:strVal val="visible"/>
-                                      </p:to>
-                                    </p:set>
-                                  </p:childTnLst>
-                                </p:cTn>
-                              </p:par>
-                              <p:par>
-                                <p:cTn id="19" presetID="1" presetClass="entr" presetSubtype="0" fill="hold" nodeType="withEffect">
-                                  <p:stCondLst>
-                                    <p:cond delay="0"/>
-                                  </p:stCondLst>
-                                  <p:childTnLst>
-                                    <p:set>
-                                      <p:cBhvr>
-                                        <p:cTn id="20" dur="1" fill="hold">
-                                          <p:stCondLst>
-                                            <p:cond delay="0"/>
-                                          </p:stCondLst>
-                                        </p:cTn>
-                                        <p:tgtEl>
-                                          <p:spTgt spid="3">
-                                            <p:txEl>
-                                              <p:pRg st="7" end="7"/>
-                                            </p:txEl>
-                                          </p:spTgt>
-                                        </p:tgtEl>
-                                        <p:attrNameLst>
-                                          <p:attrName>style.visibility</p:attrName>
-                                        </p:attrNameLst>
-                                      </p:cBhvr>
-                                      <p:to>
-                                        <p:strVal val="visible"/>
-                                      </p:to>
-                                    </p:set>
-                                  </p:childTnLst>
-                                </p:cTn>
-                              </p:par>
-                              <p:par>
-                                <p:cTn id="21" presetID="1" presetClass="entr" presetSubtype="0" fill="hold" nodeType="withEffect">
-                                  <p:stCondLst>
-                                    <p:cond delay="0"/>
-                                  </p:stCondLst>
-                                  <p:childTnLst>
-                                    <p:set>
-                                      <p:cBhvr>
-                                        <p:cTn id="22" dur="1" fill="hold">
-                                          <p:stCondLst>
-                                            <p:cond delay="0"/>
-                                          </p:stCondLst>
-                                        </p:cTn>
-                                        <p:tgtEl>
-                                          <p:spTgt spid="3">
-                                            <p:txEl>
-                                              <p:pRg st="8" end="8"/>
-                                            </p:txEl>
-                                          </p:spTgt>
-                                        </p:tgtEl>
-                                        <p:attrNameLst>
-                                          <p:attrName>style.visibility</p:attrName>
-                                        </p:attrNameLst>
-                                      </p:cBhvr>
-                                      <p:to>
-                                        <p:strVal val="visible"/>
-                                      </p:to>
-                                    </p:set>
-                                  </p:childTnLst>
-                                </p:cTn>
-                              </p:par>
-                              <p:par>
-                                <p:cTn id="23" presetID="1" presetClass="entr" presetSubtype="0" fill="hold" nodeType="withEffect">
-                                  <p:stCondLst>
-                                    <p:cond delay="0"/>
-                                  </p:stCondLst>
-                                  <p:childTnLst>
-                                    <p:set>
-                                      <p:cBhvr>
-                                        <p:cTn id="24" dur="1" fill="hold">
-                                          <p:stCondLst>
-                                            <p:cond delay="0"/>
-                                          </p:stCondLst>
-                                        </p:cTn>
-                                        <p:tgtEl>
-                                          <p:spTgt spid="3">
-                                            <p:txEl>
-                                              <p:pRg st="9" end="9"/>
-                                            </p:txEl>
-                                          </p:spTgt>
-                                        </p:tgtEl>
-                                        <p:attrNameLst>
-                                          <p:attrName>style.visibility</p:attrName>
-                                        </p:attrNameLst>
-                                      </p:cBhvr>
-                                      <p:to>
-                                        <p:strVal val="visible"/>
-                                      </p:to>
-                                    </p:set>
-                                  </p:childTnLst>
-                                </p:cTn>
-                              </p:par>
-                              <p:par>
-                                <p:cTn id="25" presetID="1" presetClass="entr" presetSubtype="0" fill="hold" nodeType="withEffect">
-                                  <p:stCondLst>
-                                    <p:cond delay="0"/>
-                                  </p:stCondLst>
-                                  <p:childTnLst>
-                                    <p:set>
-                                      <p:cBhvr>
-                                        <p:cTn id="26" dur="1" fill="hold">
-                                          <p:stCondLst>
-                                            <p:cond delay="0"/>
-                                          </p:stCondLst>
-                                        </p:cTn>
-                                        <p:tgtEl>
-                                          <p:spTgt spid="3">
-                                            <p:txEl>
-                                              <p:pRg st="10" end="10"/>
-                                            </p:txEl>
-                                          </p:spTgt>
-                                        </p:tgtEl>
-                                        <p:attrNameLst>
-                                          <p:attrName>style.visibility</p:attrName>
-                                        </p:attrNameLst>
-                                      </p:cBhvr>
-                                      <p:to>
-                                        <p:strVal val="visible"/>
-                                      </p:to>
-                                    </p:set>
-                                  </p:childTnLst>
-                                </p:cTn>
-                              </p:par>
-                            </p:childTnLst>
-                          </p:cTn>
-                        </p:par>
-                      </p:childTnLst>
-                    </p:cTn>
-                  </p:par>
-                  <p:par>
-                    <p:cTn id="27" fill="hold">
-                      <p:stCondLst>
-                        <p:cond delay="indefinite"/>
-                      </p:stCondLst>
-                      <p:childTnLst>
-                        <p:par>
-                          <p:cTn id="28" fill="hold">
-                            <p:stCondLst>
-                              <p:cond delay="0"/>
-                            </p:stCondLst>
-                            <p:childTnLst>
-                              <p:par>
-                                <p:cTn id="29" presetID="1" presetClass="entr" presetSubtype="0" fill="hold" nodeType="clickEffect">
-                                  <p:stCondLst>
-                                    <p:cond delay="0"/>
-                                  </p:stCondLst>
-                                  <p:childTnLst>
-                                    <p:set>
-                                      <p:cBhvr>
-                                        <p:cTn id="30" dur="1" fill="hold">
-                                          <p:stCondLst>
-                                            <p:cond delay="0"/>
-                                          </p:stCondLst>
-                                        </p:cTn>
-                                        <p:tgtEl>
-                                          <p:spTgt spid="3">
-                                            <p:txEl>
-                                              <p:pRg st="12" end="12"/>
-                                            </p:txEl>
-                                          </p:spTgt>
-                                        </p:tgtEl>
-                                        <p:attrNameLst>
-                                          <p:attrName>style.visibility</p:attrName>
-                                        </p:attrNameLst>
-                                      </p:cBhvr>
-                                      <p:to>
-                                        <p:strVal val="visible"/>
-                                      </p:to>
-                                    </p:set>
-                                  </p:childTnLst>
-                                </p:cTn>
-                              </p:par>
-                            </p:childTnLst>
-                          </p:cTn>
-                        </p:par>
-                      </p:childTnLst>
-                    </p:cTn>
-                  </p:par>
-                  <p:par>
-                    <p:cTn id="31" fill="hold">
-                      <p:stCondLst>
-                        <p:cond delay="indefinite"/>
-                      </p:stCondLst>
-                      <p:childTnLst>
-                        <p:par>
-                          <p:cTn id="32" fill="hold">
-                            <p:stCondLst>
-                              <p:cond delay="0"/>
-                            </p:stCondLst>
-                            <p:childTnLst>
-                              <p:par>
-                                <p:cTn id="33" presetID="1" presetClass="entr" presetSubtype="0" fill="hold" nodeType="clickEffect">
-                                  <p:stCondLst>
-                                    <p:cond delay="0"/>
-                                  </p:stCondLst>
-                                  <p:childTnLst>
-                                    <p:set>
-                                      <p:cBhvr>
-                                        <p:cTn id="34" dur="1" fill="hold">
-                                          <p:stCondLst>
-                                            <p:cond delay="0"/>
-                                          </p:stCondLst>
-                                        </p:cTn>
-                                        <p:tgtEl>
-                                          <p:spTgt spid="3">
-                                            <p:txEl>
-                                              <p:pRg st="13" end="13"/>
                                             </p:txEl>
                                           </p:spTgt>
                                         </p:tgtEl>
@@ -7039,455 +5760,6 @@
         </p:nvSpPr>
         <p:spPr/>
         <p:txBody>
-          <a:bodyPr/>
-          <a:lstStyle/>
-          <a:p>
-            <a:pPr marL="0" indent="0">
-              <a:buNone/>
-            </a:pPr>
-            <a:r>
-              <a:rPr lang="nb-NO" sz="2000" dirty="0" smtClean="0">
-                <a:solidFill>
-                  <a:prstClr val="black"/>
-                </a:solidFill>
-                <a:latin typeface="Consolas"/>
-              </a:rPr>
-              <a:t>evenDiv2 = array.Where(x =&gt; x%2 == 0).Select(x =&gt; x/2</a:t>
-            </a:r>
-            <a:r>
-              <a:rPr lang="nb-NO" sz="2000" dirty="0" smtClean="0">
-                <a:solidFill>
-                  <a:prstClr val="black"/>
-                </a:solidFill>
-                <a:latin typeface="Consolas"/>
-              </a:rPr>
-              <a:t>);</a:t>
-            </a:r>
-            <a:endParaRPr lang="ru-RU" sz="2000" dirty="0" smtClean="0">
-              <a:solidFill>
-                <a:prstClr val="black"/>
-              </a:solidFill>
-              <a:latin typeface="Consolas"/>
-            </a:endParaRPr>
-          </a:p>
-          <a:p>
-            <a:pPr marL="0" indent="0">
-              <a:buNone/>
-            </a:pPr>
-            <a:endParaRPr lang="nb-NO" sz="2000" dirty="0" smtClean="0">
-              <a:solidFill>
-                <a:prstClr val="black"/>
-              </a:solidFill>
-              <a:latin typeface="Consolas"/>
-            </a:endParaRPr>
-          </a:p>
-          <a:p>
-            <a:pPr marL="0" indent="0">
-              <a:buNone/>
-            </a:pPr>
-            <a:r>
-              <a:rPr lang="en-US" sz="2000" dirty="0" err="1" smtClean="0">
-                <a:solidFill>
-                  <a:prstClr val="black"/>
-                </a:solidFill>
-                <a:latin typeface="Consolas"/>
-              </a:rPr>
-              <a:t>array.Count</a:t>
-            </a:r>
-            <a:r>
-              <a:rPr lang="en-US" sz="2000" dirty="0" smtClean="0">
-                <a:solidFill>
-                  <a:prstClr val="black"/>
-                </a:solidFill>
-                <a:latin typeface="Consolas"/>
-              </a:rPr>
-              <a:t>();</a:t>
-            </a:r>
-          </a:p>
-          <a:p>
-            <a:pPr marL="0" indent="0">
-              <a:buNone/>
-            </a:pPr>
-            <a:r>
-              <a:rPr lang="en-US" sz="2000" dirty="0" err="1" smtClean="0">
-                <a:solidFill>
-                  <a:prstClr val="black"/>
-                </a:solidFill>
-                <a:latin typeface="Consolas"/>
-              </a:rPr>
-              <a:t>array.Min</a:t>
-            </a:r>
-            <a:r>
-              <a:rPr lang="en-US" sz="2000" dirty="0" smtClean="0">
-                <a:solidFill>
-                  <a:prstClr val="black"/>
-                </a:solidFill>
-                <a:latin typeface="Consolas"/>
-              </a:rPr>
-              <a:t>();</a:t>
-            </a:r>
-          </a:p>
-          <a:p>
-            <a:pPr marL="0" indent="0">
-              <a:buNone/>
-            </a:pPr>
-            <a:r>
-              <a:rPr lang="en-US" sz="2000" dirty="0" err="1" smtClean="0">
-                <a:solidFill>
-                  <a:prstClr val="black"/>
-                </a:solidFill>
-                <a:latin typeface="Consolas"/>
-              </a:rPr>
-              <a:t>array.Max</a:t>
-            </a:r>
-            <a:r>
-              <a:rPr lang="en-US" sz="2000" dirty="0" smtClean="0">
-                <a:solidFill>
-                  <a:prstClr val="black"/>
-                </a:solidFill>
-                <a:latin typeface="Consolas"/>
-              </a:rPr>
-              <a:t>();</a:t>
-            </a:r>
-          </a:p>
-          <a:p>
-            <a:pPr marL="0" indent="0">
-              <a:buNone/>
-            </a:pPr>
-            <a:r>
-              <a:rPr lang="en-US" sz="2000" dirty="0" err="1" smtClean="0">
-                <a:solidFill>
-                  <a:prstClr val="black"/>
-                </a:solidFill>
-                <a:latin typeface="Consolas"/>
-              </a:rPr>
-              <a:t>array.Average</a:t>
-            </a:r>
-            <a:r>
-              <a:rPr lang="en-US" sz="2000" dirty="0" smtClean="0">
-                <a:solidFill>
-                  <a:prstClr val="black"/>
-                </a:solidFill>
-                <a:latin typeface="Consolas"/>
-              </a:rPr>
-              <a:t>();</a:t>
-            </a:r>
-            <a:endParaRPr lang="ru-RU" dirty="0">
-              <a:solidFill>
-                <a:prstClr val="black"/>
-              </a:solidFill>
-              <a:latin typeface="Consolas"/>
-            </a:endParaRPr>
-          </a:p>
-          <a:p>
-            <a:pPr marL="0" indent="0">
-              <a:buNone/>
-            </a:pPr>
-            <a:endParaRPr lang="ru-RU" dirty="0"/>
-          </a:p>
-        </p:txBody>
-      </p:sp>
-    </p:spTree>
-    <p:extLst>
-      <p:ext uri="{BB962C8B-B14F-4D97-AF65-F5344CB8AC3E}">
-        <p14:creationId xmlns:p14="http://schemas.microsoft.com/office/powerpoint/2010/main" val="3782807224"/>
-      </p:ext>
-    </p:extLst>
-  </p:cSld>
-  <p:clrMapOvr>
-    <a:masterClrMapping/>
-  </p:clrMapOvr>
-  <p:timing>
-    <p:tnLst>
-      <p:par>
-        <p:cTn id="1" dur="indefinite" restart="never" nodeType="tmRoot">
-          <p:childTnLst>
-            <p:seq concurrent="1" nextAc="seek">
-              <p:cTn id="2" dur="indefinite" nodeType="mainSeq">
-                <p:childTnLst>
-                  <p:par>
-                    <p:cTn id="3" fill="hold">
-                      <p:stCondLst>
-                        <p:cond delay="indefinite"/>
-                      </p:stCondLst>
-                      <p:childTnLst>
-                        <p:par>
-                          <p:cTn id="4" fill="hold">
-                            <p:stCondLst>
-                              <p:cond delay="0"/>
-                            </p:stCondLst>
-                            <p:childTnLst>
-                              <p:par>
-                                <p:cTn id="5" presetID="1" presetClass="entr" presetSubtype="0" fill="hold" grpId="0" nodeType="clickEffect">
-                                  <p:stCondLst>
-                                    <p:cond delay="0"/>
-                                  </p:stCondLst>
-                                  <p:childTnLst>
-                                    <p:set>
-                                      <p:cBhvr>
-                                        <p:cTn id="6" dur="1" fill="hold">
-                                          <p:stCondLst>
-                                            <p:cond delay="0"/>
-                                          </p:stCondLst>
-                                        </p:cTn>
-                                        <p:tgtEl>
-                                          <p:spTgt spid="3">
-                                            <p:txEl>
-                                              <p:pRg st="0" end="0"/>
-                                            </p:txEl>
-                                          </p:spTgt>
-                                        </p:tgtEl>
-                                        <p:attrNameLst>
-                                          <p:attrName>style.visibility</p:attrName>
-                                        </p:attrNameLst>
-                                      </p:cBhvr>
-                                      <p:to>
-                                        <p:strVal val="visible"/>
-                                      </p:to>
-                                    </p:set>
-                                  </p:childTnLst>
-                                </p:cTn>
-                              </p:par>
-                            </p:childTnLst>
-                          </p:cTn>
-                        </p:par>
-                      </p:childTnLst>
-                    </p:cTn>
-                  </p:par>
-                  <p:par>
-                    <p:cTn id="7" fill="hold">
-                      <p:stCondLst>
-                        <p:cond delay="indefinite"/>
-                      </p:stCondLst>
-                      <p:childTnLst>
-                        <p:par>
-                          <p:cTn id="8" fill="hold">
-                            <p:stCondLst>
-                              <p:cond delay="0"/>
-                            </p:stCondLst>
-                            <p:childTnLst>
-                              <p:par>
-                                <p:cTn id="9" presetID="1" presetClass="entr" presetSubtype="0" fill="hold" nodeType="clickEffect">
-                                  <p:stCondLst>
-                                    <p:cond delay="0"/>
-                                  </p:stCondLst>
-                                  <p:childTnLst>
-                                    <p:set>
-                                      <p:cBhvr>
-                                        <p:cTn id="10" dur="1" fill="hold">
-                                          <p:stCondLst>
-                                            <p:cond delay="0"/>
-                                          </p:stCondLst>
-                                        </p:cTn>
-                                        <p:tgtEl>
-                                          <p:spTgt spid="3">
-                                            <p:txEl>
-                                              <p:pRg st="2" end="2"/>
-                                            </p:txEl>
-                                          </p:spTgt>
-                                        </p:tgtEl>
-                                        <p:attrNameLst>
-                                          <p:attrName>style.visibility</p:attrName>
-                                        </p:attrNameLst>
-                                      </p:cBhvr>
-                                      <p:to>
-                                        <p:strVal val="visible"/>
-                                      </p:to>
-                                    </p:set>
-                                  </p:childTnLst>
-                                </p:cTn>
-                              </p:par>
-                              <p:par>
-                                <p:cTn id="11" presetID="1" presetClass="entr" presetSubtype="0" fill="hold" nodeType="withEffect">
-                                  <p:stCondLst>
-                                    <p:cond delay="0"/>
-                                  </p:stCondLst>
-                                  <p:childTnLst>
-                                    <p:set>
-                                      <p:cBhvr>
-                                        <p:cTn id="12" dur="1" fill="hold">
-                                          <p:stCondLst>
-                                            <p:cond delay="0"/>
-                                          </p:stCondLst>
-                                        </p:cTn>
-                                        <p:tgtEl>
-                                          <p:spTgt spid="3">
-                                            <p:txEl>
-                                              <p:pRg st="3" end="3"/>
-                                            </p:txEl>
-                                          </p:spTgt>
-                                        </p:tgtEl>
-                                        <p:attrNameLst>
-                                          <p:attrName>style.visibility</p:attrName>
-                                        </p:attrNameLst>
-                                      </p:cBhvr>
-                                      <p:to>
-                                        <p:strVal val="visible"/>
-                                      </p:to>
-                                    </p:set>
-                                  </p:childTnLst>
-                                </p:cTn>
-                              </p:par>
-                              <p:par>
-                                <p:cTn id="13" presetID="1" presetClass="entr" presetSubtype="0" fill="hold" nodeType="withEffect">
-                                  <p:stCondLst>
-                                    <p:cond delay="0"/>
-                                  </p:stCondLst>
-                                  <p:childTnLst>
-                                    <p:set>
-                                      <p:cBhvr>
-                                        <p:cTn id="14" dur="1" fill="hold">
-                                          <p:stCondLst>
-                                            <p:cond delay="0"/>
-                                          </p:stCondLst>
-                                        </p:cTn>
-                                        <p:tgtEl>
-                                          <p:spTgt spid="3">
-                                            <p:txEl>
-                                              <p:pRg st="4" end="4"/>
-                                            </p:txEl>
-                                          </p:spTgt>
-                                        </p:tgtEl>
-                                        <p:attrNameLst>
-                                          <p:attrName>style.visibility</p:attrName>
-                                        </p:attrNameLst>
-                                      </p:cBhvr>
-                                      <p:to>
-                                        <p:strVal val="visible"/>
-                                      </p:to>
-                                    </p:set>
-                                  </p:childTnLst>
-                                </p:cTn>
-                              </p:par>
-                              <p:par>
-                                <p:cTn id="15" presetID="1" presetClass="entr" presetSubtype="0" fill="hold" nodeType="withEffect">
-                                  <p:stCondLst>
-                                    <p:cond delay="0"/>
-                                  </p:stCondLst>
-                                  <p:childTnLst>
-                                    <p:set>
-                                      <p:cBhvr>
-                                        <p:cTn id="16" dur="1" fill="hold">
-                                          <p:stCondLst>
-                                            <p:cond delay="0"/>
-                                          </p:stCondLst>
-                                        </p:cTn>
-                                        <p:tgtEl>
-                                          <p:spTgt spid="3">
-                                            <p:txEl>
-                                              <p:pRg st="5" end="5"/>
-                                            </p:txEl>
-                                          </p:spTgt>
-                                        </p:tgtEl>
-                                        <p:attrNameLst>
-                                          <p:attrName>style.visibility</p:attrName>
-                                        </p:attrNameLst>
-                                      </p:cBhvr>
-                                      <p:to>
-                                        <p:strVal val="visible"/>
-                                      </p:to>
-                                    </p:set>
-                                  </p:childTnLst>
-                                </p:cTn>
-                              </p:par>
-                            </p:childTnLst>
-                          </p:cTn>
-                        </p:par>
-                      </p:childTnLst>
-                    </p:cTn>
-                  </p:par>
-                </p:childTnLst>
-              </p:cTn>
-              <p:prevCondLst>
-                <p:cond evt="onPrev" delay="0">
-                  <p:tgtEl>
-                    <p:sldTgt/>
-                  </p:tgtEl>
-                </p:cond>
-              </p:prevCondLst>
-              <p:nextCondLst>
-                <p:cond evt="onNext" delay="0">
-                  <p:tgtEl>
-                    <p:sldTgt/>
-                  </p:tgtEl>
-                </p:cond>
-              </p:nextCondLst>
-            </p:seq>
-          </p:childTnLst>
-        </p:cTn>
-      </p:par>
-    </p:tnLst>
-    <p:bldLst>
-      <p:bldP spid="3" grpId="0" build="p"/>
-    </p:bldLst>
-  </p:timing>
-</p:sld>
-</file>
-
-<file path=ppt/slides/slide14.xml><?xml version="1.0" encoding="utf-8"?>
-<p:sld xmlns:a="http://schemas.openxmlformats.org/drawingml/2006/main" xmlns:r="http://schemas.openxmlformats.org/officeDocument/2006/relationships" xmlns:p="http://schemas.openxmlformats.org/presentationml/2006/main">
-  <p:cSld>
-    <p:spTree>
-      <p:nvGrpSpPr>
-        <p:cNvPr id="1" name=""/>
-        <p:cNvGrpSpPr/>
-        <p:nvPr/>
-      </p:nvGrpSpPr>
-      <p:grpSpPr>
-        <a:xfrm>
-          <a:off x="0" y="0"/>
-          <a:ext cx="0" cy="0"/>
-          <a:chOff x="0" y="0"/>
-          <a:chExt cx="0" cy="0"/>
-        </a:xfrm>
-      </p:grpSpPr>
-      <p:sp>
-        <p:nvSpPr>
-          <p:cNvPr id="2" name="Заголовок 1"/>
-          <p:cNvSpPr>
-            <a:spLocks noGrp="1"/>
-          </p:cNvSpPr>
-          <p:nvPr>
-            <p:ph type="title"/>
-          </p:nvPr>
-        </p:nvSpPr>
-        <p:spPr/>
-        <p:txBody>
-          <a:bodyPr/>
-          <a:lstStyle/>
-          <a:p>
-            <a:r>
-              <a:rPr lang="en-US" b="1" dirty="0" err="1" smtClean="0">
-                <a:solidFill>
-                  <a:schemeClr val="accent6">
-                    <a:lumMod val="50000"/>
-                  </a:schemeClr>
-                </a:solidFill>
-              </a:rPr>
-              <a:t>Linq</a:t>
-            </a:r>
-            <a:endParaRPr lang="ru-RU" b="1" dirty="0">
-              <a:solidFill>
-                <a:schemeClr val="accent6">
-                  <a:lumMod val="50000"/>
-                </a:schemeClr>
-              </a:solidFill>
-            </a:endParaRPr>
-          </a:p>
-        </p:txBody>
-      </p:sp>
-      <p:sp>
-        <p:nvSpPr>
-          <p:cNvPr id="3" name="Объект 2"/>
-          <p:cNvSpPr>
-            <a:spLocks noGrp="1"/>
-          </p:cNvSpPr>
-          <p:nvPr>
-            <p:ph idx="1"/>
-          </p:nvPr>
-        </p:nvSpPr>
-        <p:spPr/>
-        <p:txBody>
           <a:bodyPr>
             <a:normAutofit/>
           </a:bodyPr>
@@ -7506,7 +5778,22 @@
             </a:r>
             <a:r>
               <a:rPr lang="ru-RU" dirty="0" smtClean="0"/>
-              <a:t>, с использованием лямбд, </a:t>
+              <a:t>, </a:t>
+            </a:r>
+            <a:r>
+              <a:rPr lang="ru-RU" dirty="0" smtClean="0"/>
+              <a:t/>
+            </a:r>
+            <a:br>
+              <a:rPr lang="ru-RU" dirty="0" smtClean="0"/>
+            </a:br>
+            <a:r>
+              <a:rPr lang="ru-RU" dirty="0" smtClean="0"/>
+              <a:t>с </a:t>
+            </a:r>
+            <a:r>
+              <a:rPr lang="ru-RU" dirty="0" smtClean="0"/>
+              <a:t>использованием лямбд, </a:t>
             </a:r>
             <a:r>
               <a:rPr lang="en-US" dirty="0" smtClean="0"/>
@@ -7570,7 +5857,7 @@
 </p:sld>
 </file>
 
-<file path=ppt/slides/slide15.xml><?xml version="1.0" encoding="utf-8"?>
+<file path=ppt/slides/slide14.xml><?xml version="1.0" encoding="utf-8"?>
 <p:sld xmlns:a="http://schemas.openxmlformats.org/drawingml/2006/main" xmlns:r="http://schemas.openxmlformats.org/officeDocument/2006/relationships" xmlns:p="http://schemas.openxmlformats.org/presentationml/2006/main">
   <p:cSld>
     <p:spTree>
@@ -7970,7 +6257,7 @@
 </p:sld>
 </file>
 
-<file path=ppt/slides/slide16.xml><?xml version="1.0" encoding="utf-8"?>
+<file path=ppt/slides/slide15.xml><?xml version="1.0" encoding="utf-8"?>
 <p:sld xmlns:a="http://schemas.openxmlformats.org/drawingml/2006/main" xmlns:r="http://schemas.openxmlformats.org/officeDocument/2006/relationships" xmlns:p="http://schemas.openxmlformats.org/presentationml/2006/main">
   <p:cSld>
     <p:spTree>
@@ -8010,17 +6297,7 @@
                   </a:schemeClr>
                 </a:solidFill>
               </a:rPr>
-              <a:t>Лямбда </a:t>
-            </a:r>
-            <a:r>
-              <a:rPr lang="ru-RU" b="1" dirty="0" smtClean="0">
-                <a:solidFill>
-                  <a:schemeClr val="accent6">
-                    <a:lumMod val="50000"/>
-                  </a:schemeClr>
-                </a:solidFill>
-              </a:rPr>
-              <a:t>выражения</a:t>
+              <a:t>Лямбда выражения</a:t>
             </a:r>
             <a:r>
               <a:rPr lang="ru-RU" dirty="0" smtClean="0"/>
@@ -8057,16 +6334,6 @@
               <a:buNone/>
             </a:pPr>
             <a:r>
-              <a:rPr lang="ru-RU" dirty="0"/>
-              <a:t>Почему не компилируется?</a:t>
-            </a:r>
-            <a:endParaRPr lang="en-US" dirty="0"/>
-          </a:p>
-          <a:p>
-            <a:pPr marL="0" indent="0">
-              <a:buNone/>
-            </a:pPr>
-            <a:r>
               <a:rPr lang="en-US" dirty="0" err="1" smtClean="0">
                 <a:solidFill>
                   <a:srgbClr val="0000FF"/>
@@ -8082,7 +6349,97 @@
                 </a:solidFill>
                 <a:latin typeface="Consolas"/>
               </a:rPr>
-              <a:t> add = (a, b) =&gt;</a:t>
+              <a:t> </a:t>
+            </a:r>
+            <a:r>
+              <a:rPr lang="en-US" dirty="0" smtClean="0">
+                <a:solidFill>
+                  <a:prstClr val="black"/>
+                </a:solidFill>
+                <a:latin typeface="Consolas"/>
+              </a:rPr>
+              <a:t>add = </a:t>
+            </a:r>
+            <a:r>
+              <a:rPr lang="en-US" dirty="0" smtClean="0">
+                <a:solidFill>
+                  <a:prstClr val="black"/>
+                </a:solidFill>
+                <a:latin typeface="Consolas"/>
+              </a:rPr>
+              <a:t>(</a:t>
+            </a:r>
+            <a:r>
+              <a:rPr lang="en-US" dirty="0" err="1">
+                <a:solidFill>
+                  <a:srgbClr val="0000FF"/>
+                </a:solidFill>
+                <a:latin typeface="Consolas"/>
+              </a:rPr>
+              <a:t>int</a:t>
+            </a:r>
+            <a:r>
+              <a:rPr lang="en-US" dirty="0">
+                <a:solidFill>
+                  <a:srgbClr val="0000FF"/>
+                </a:solidFill>
+                <a:latin typeface="Consolas"/>
+              </a:rPr>
+              <a:t> </a:t>
+            </a:r>
+            <a:r>
+              <a:rPr lang="en-US" dirty="0" smtClean="0">
+                <a:solidFill>
+                  <a:prstClr val="black"/>
+                </a:solidFill>
+                <a:latin typeface="Consolas"/>
+              </a:rPr>
+              <a:t>a</a:t>
+            </a:r>
+            <a:r>
+              <a:rPr lang="en-US" dirty="0" smtClean="0">
+                <a:solidFill>
+                  <a:prstClr val="black"/>
+                </a:solidFill>
+                <a:latin typeface="Consolas"/>
+              </a:rPr>
+              <a:t>, </a:t>
+            </a:r>
+            <a:r>
+              <a:rPr lang="en-US" dirty="0" err="1">
+                <a:solidFill>
+                  <a:srgbClr val="0000FF"/>
+                </a:solidFill>
+                <a:latin typeface="Consolas"/>
+              </a:rPr>
+              <a:t>int</a:t>
+            </a:r>
+            <a:r>
+              <a:rPr lang="en-US" dirty="0">
+                <a:solidFill>
+                  <a:srgbClr val="0000FF"/>
+                </a:solidFill>
+                <a:latin typeface="Consolas"/>
+              </a:rPr>
+              <a:t> </a:t>
+            </a:r>
+            <a:r>
+              <a:rPr lang="en-US" dirty="0" smtClean="0">
+                <a:solidFill>
+                  <a:prstClr val="black"/>
+                </a:solidFill>
+                <a:latin typeface="Consolas"/>
+              </a:rPr>
+              <a:t>b</a:t>
+            </a:r>
+            <a:r>
+              <a:rPr lang="en-US" dirty="0" smtClean="0">
+                <a:solidFill>
+                  <a:prstClr val="black"/>
+                </a:solidFill>
+                <a:latin typeface="Consolas"/>
+              </a:rPr>
+              <a:t>) =&gt;</a:t>
             </a:r>
             <a:r>
               <a:rPr lang="en-US" dirty="0">
@@ -8113,7 +6470,103 @@
             <a:pPr marL="0" indent="0">
               <a:buNone/>
             </a:pPr>
-            <a:endParaRPr lang="ru-RU" sz="2000" dirty="0">
+            <a:r>
+              <a:rPr lang="en-US" sz="2800" dirty="0" smtClean="0">
+                <a:solidFill>
+                  <a:prstClr val="black"/>
+                </a:solidFill>
+                <a:latin typeface="Consolas"/>
+              </a:rPr>
+              <a:t> // </a:t>
+            </a:r>
+            <a:r>
+              <a:rPr lang="en-US" sz="2800" dirty="0" err="1" smtClean="0">
+                <a:solidFill>
+                  <a:prstClr val="black"/>
+                </a:solidFill>
+                <a:latin typeface="Consolas"/>
+              </a:rPr>
+              <a:t>Func</a:t>
+            </a:r>
+            <a:r>
+              <a:rPr lang="en-US" sz="2800" dirty="0" smtClean="0">
+                <a:solidFill>
+                  <a:prstClr val="black"/>
+                </a:solidFill>
+                <a:latin typeface="Consolas"/>
+              </a:rPr>
+              <a:t>&lt;</a:t>
+            </a:r>
+            <a:r>
+              <a:rPr lang="en-US" sz="2800" dirty="0" err="1" smtClean="0">
+                <a:solidFill>
+                  <a:srgbClr val="0000FF"/>
+                </a:solidFill>
+                <a:latin typeface="Consolas"/>
+              </a:rPr>
+              <a:t>int</a:t>
+            </a:r>
+            <a:r>
+              <a:rPr lang="en-US" sz="2800" dirty="0">
+                <a:solidFill>
+                  <a:prstClr val="black"/>
+                </a:solidFill>
+                <a:latin typeface="Consolas"/>
+              </a:rPr>
+              <a:t>, </a:t>
+            </a:r>
+            <a:r>
+              <a:rPr lang="en-US" sz="2800" dirty="0" err="1">
+                <a:solidFill>
+                  <a:srgbClr val="0000FF"/>
+                </a:solidFill>
+                <a:latin typeface="Consolas"/>
+              </a:rPr>
+              <a:t>int</a:t>
+            </a:r>
+            <a:r>
+              <a:rPr lang="en-US" sz="2800" dirty="0">
+                <a:solidFill>
+                  <a:prstClr val="black"/>
+                </a:solidFill>
+                <a:latin typeface="Consolas"/>
+              </a:rPr>
+              <a:t>, </a:t>
+            </a:r>
+            <a:r>
+              <a:rPr lang="en-US" sz="2800" dirty="0" err="1">
+                <a:solidFill>
+                  <a:srgbClr val="0000FF"/>
+                </a:solidFill>
+                <a:latin typeface="Consolas"/>
+              </a:rPr>
+              <a:t>int</a:t>
+            </a:r>
+            <a:r>
+              <a:rPr lang="en-US" sz="2800" dirty="0" smtClean="0">
+                <a:solidFill>
+                  <a:prstClr val="black"/>
+                </a:solidFill>
+                <a:latin typeface="Consolas"/>
+              </a:rPr>
+              <a:t>&gt;</a:t>
+            </a:r>
+          </a:p>
+          <a:p>
+            <a:pPr marL="0" indent="0">
+              <a:buNone/>
+            </a:pPr>
+            <a:r>
+              <a:rPr lang="ru-RU" dirty="0" smtClean="0"/>
+              <a:t>Не компилируется!</a:t>
+            </a:r>
+            <a:endParaRPr lang="en-US" dirty="0"/>
+          </a:p>
+          <a:p>
+            <a:pPr marL="0" indent="0">
+              <a:buNone/>
+            </a:pPr>
+            <a:endParaRPr lang="ru-RU" sz="2800" dirty="0" smtClean="0">
               <a:solidFill>
                 <a:prstClr val="black"/>
               </a:solidFill>
@@ -8125,25 +6578,7 @@
               <a:buNone/>
             </a:pPr>
             <a:r>
-              <a:rPr lang="ru-RU" dirty="0" smtClean="0"/>
-              <a:t>Что</a:t>
-            </a:r>
-            <a:r>
-              <a:rPr lang="en-US" dirty="0"/>
-              <a:t> </a:t>
-            </a:r>
-            <a:r>
-              <a:rPr lang="ru-RU" dirty="0" smtClean="0"/>
-              <a:t>это такое?</a:t>
-            </a:r>
-            <a:endParaRPr lang="en-US" dirty="0" smtClean="0"/>
-          </a:p>
-          <a:p>
-            <a:pPr marL="0" indent="0">
-              <a:buNone/>
-            </a:pPr>
-            <a:r>
-              <a:rPr lang="en-US" sz="2800" dirty="0">
+              <a:rPr lang="en-US" sz="2800" dirty="0" smtClean="0">
                 <a:solidFill>
                   <a:prstClr val="black"/>
                 </a:solidFill>
@@ -8152,7 +6587,7 @@
               <a:t>Expression&lt;</a:t>
             </a:r>
             <a:r>
-              <a:rPr lang="en-US" sz="2800" dirty="0" err="1">
+              <a:rPr lang="en-US" sz="2800" dirty="0" err="1" smtClean="0">
                 <a:solidFill>
                   <a:prstClr val="black"/>
                 </a:solidFill>
@@ -8161,7 +6596,7 @@
               <a:t>Func</a:t>
             </a:r>
             <a:r>
-              <a:rPr lang="en-US" sz="2800" dirty="0">
+              <a:rPr lang="en-US" sz="2800" dirty="0" smtClean="0">
                 <a:solidFill>
                   <a:prstClr val="black"/>
                 </a:solidFill>
@@ -8170,7 +6605,7 @@
               <a:t>&lt;</a:t>
             </a:r>
             <a:r>
-              <a:rPr lang="en-US" sz="2800" dirty="0" err="1">
+              <a:rPr lang="en-US" sz="2800" dirty="0" err="1" smtClean="0">
                 <a:solidFill>
                   <a:srgbClr val="0000FF"/>
                 </a:solidFill>
@@ -8256,7 +6691,7 @@
                 </a:solidFill>
                 <a:latin typeface="Consolas"/>
               </a:rPr>
-              <a:t>					</a:t>
+              <a:t>		</a:t>
             </a:r>
             <a:r>
               <a:rPr lang="en-US" sz="2800" dirty="0" smtClean="0">
@@ -8265,17 +6700,25 @@
                 </a:solidFill>
                 <a:latin typeface="Consolas"/>
               </a:rPr>
-              <a:t>(</a:t>
-            </a:r>
-            <a:r>
-              <a:rPr lang="en-US" sz="2800" dirty="0">
-                <a:solidFill>
-                  <a:prstClr val="black"/>
-                </a:solidFill>
-                <a:latin typeface="Consolas"/>
-              </a:rPr>
-              <a:t>a, b) =&gt; a + b;</a:t>
-            </a:r>
+              <a:t>(a, b) =&gt; a + b;</a:t>
+            </a:r>
+            <a:endParaRPr lang="ru-RU" sz="2800" dirty="0" smtClean="0">
+              <a:solidFill>
+                <a:prstClr val="black"/>
+              </a:solidFill>
+              <a:latin typeface="Consolas"/>
+            </a:endParaRPr>
+          </a:p>
+          <a:p>
+            <a:pPr marL="0" indent="0">
+              <a:buNone/>
+            </a:pPr>
+            <a:endParaRPr lang="en-US" sz="2800" dirty="0">
+              <a:solidFill>
+                <a:prstClr val="black"/>
+              </a:solidFill>
+              <a:latin typeface="Consolas"/>
+            </a:endParaRPr>
           </a:p>
         </p:txBody>
       </p:sp>
@@ -8292,7 +6735,633 @@
   <p:timing>
     <p:tnLst>
       <p:par>
-        <p:cTn id="1" dur="indefinite" restart="never" nodeType="tmRoot"/>
+        <p:cTn id="1" dur="indefinite" restart="never" nodeType="tmRoot">
+          <p:childTnLst>
+            <p:seq concurrent="1" nextAc="seek">
+              <p:cTn id="2" dur="indefinite" nodeType="mainSeq">
+                <p:childTnLst>
+                  <p:par>
+                    <p:cTn id="3" fill="hold">
+                      <p:stCondLst>
+                        <p:cond delay="indefinite"/>
+                      </p:stCondLst>
+                      <p:childTnLst>
+                        <p:par>
+                          <p:cTn id="4" fill="hold">
+                            <p:stCondLst>
+                              <p:cond delay="0"/>
+                            </p:stCondLst>
+                            <p:childTnLst>
+                              <p:par>
+                                <p:cTn id="5" presetID="1" presetClass="entr" presetSubtype="0" fill="hold" nodeType="clickEffect">
+                                  <p:stCondLst>
+                                    <p:cond delay="0"/>
+                                  </p:stCondLst>
+                                  <p:childTnLst>
+                                    <p:set>
+                                      <p:cBhvr>
+                                        <p:cTn id="6" dur="1" fill="hold">
+                                          <p:stCondLst>
+                                            <p:cond delay="0"/>
+                                          </p:stCondLst>
+                                        </p:cTn>
+                                        <p:tgtEl>
+                                          <p:spTgt spid="3">
+                                            <p:txEl>
+                                              <p:pRg st="1" end="1"/>
+                                            </p:txEl>
+                                          </p:spTgt>
+                                        </p:tgtEl>
+                                        <p:attrNameLst>
+                                          <p:attrName>style.visibility</p:attrName>
+                                        </p:attrNameLst>
+                                      </p:cBhvr>
+                                      <p:to>
+                                        <p:strVal val="visible"/>
+                                      </p:to>
+                                    </p:set>
+                                  </p:childTnLst>
+                                </p:cTn>
+                              </p:par>
+                            </p:childTnLst>
+                          </p:cTn>
+                        </p:par>
+                      </p:childTnLst>
+                    </p:cTn>
+                  </p:par>
+                  <p:par>
+                    <p:cTn id="7" fill="hold">
+                      <p:stCondLst>
+                        <p:cond delay="indefinite"/>
+                      </p:stCondLst>
+                      <p:childTnLst>
+                        <p:par>
+                          <p:cTn id="8" fill="hold">
+                            <p:stCondLst>
+                              <p:cond delay="0"/>
+                            </p:stCondLst>
+                            <p:childTnLst>
+                              <p:par>
+                                <p:cTn id="9" presetID="1" presetClass="entr" presetSubtype="0" fill="hold" nodeType="clickEffect">
+                                  <p:stCondLst>
+                                    <p:cond delay="0"/>
+                                  </p:stCondLst>
+                                  <p:childTnLst>
+                                    <p:set>
+                                      <p:cBhvr>
+                                        <p:cTn id="10" dur="1" fill="hold">
+                                          <p:stCondLst>
+                                            <p:cond delay="0"/>
+                                          </p:stCondLst>
+                                        </p:cTn>
+                                        <p:tgtEl>
+                                          <p:spTgt spid="3">
+                                            <p:txEl>
+                                              <p:pRg st="2" end="2"/>
+                                            </p:txEl>
+                                          </p:spTgt>
+                                        </p:tgtEl>
+                                        <p:attrNameLst>
+                                          <p:attrName>style.visibility</p:attrName>
+                                        </p:attrNameLst>
+                                      </p:cBhvr>
+                                      <p:to>
+                                        <p:strVal val="visible"/>
+                                      </p:to>
+                                    </p:set>
+                                  </p:childTnLst>
+                                </p:cTn>
+                              </p:par>
+                            </p:childTnLst>
+                          </p:cTn>
+                        </p:par>
+                      </p:childTnLst>
+                    </p:cTn>
+                  </p:par>
+                  <p:par>
+                    <p:cTn id="11" fill="hold">
+                      <p:stCondLst>
+                        <p:cond delay="indefinite"/>
+                      </p:stCondLst>
+                      <p:childTnLst>
+                        <p:par>
+                          <p:cTn id="12" fill="hold">
+                            <p:stCondLst>
+                              <p:cond delay="0"/>
+                            </p:stCondLst>
+                            <p:childTnLst>
+                              <p:par>
+                                <p:cTn id="13" presetID="1" presetClass="entr" presetSubtype="0" fill="hold" nodeType="clickEffect">
+                                  <p:stCondLst>
+                                    <p:cond delay="0"/>
+                                  </p:stCondLst>
+                                  <p:childTnLst>
+                                    <p:set>
+                                      <p:cBhvr>
+                                        <p:cTn id="14" dur="1" fill="hold">
+                                          <p:stCondLst>
+                                            <p:cond delay="0"/>
+                                          </p:stCondLst>
+                                        </p:cTn>
+                                        <p:tgtEl>
+                                          <p:spTgt spid="3">
+                                            <p:txEl>
+                                              <p:pRg st="4" end="4"/>
+                                            </p:txEl>
+                                          </p:spTgt>
+                                        </p:tgtEl>
+                                        <p:attrNameLst>
+                                          <p:attrName>style.visibility</p:attrName>
+                                        </p:attrNameLst>
+                                      </p:cBhvr>
+                                      <p:to>
+                                        <p:strVal val="visible"/>
+                                      </p:to>
+                                    </p:set>
+                                  </p:childTnLst>
+                                </p:cTn>
+                              </p:par>
+                            </p:childTnLst>
+                          </p:cTn>
+                        </p:par>
+                      </p:childTnLst>
+                    </p:cTn>
+                  </p:par>
+                </p:childTnLst>
+              </p:cTn>
+              <p:prevCondLst>
+                <p:cond evt="onPrev" delay="0">
+                  <p:tgtEl>
+                    <p:sldTgt/>
+                  </p:tgtEl>
+                </p:cond>
+              </p:prevCondLst>
+              <p:nextCondLst>
+                <p:cond evt="onNext" delay="0">
+                  <p:tgtEl>
+                    <p:sldTgt/>
+                  </p:tgtEl>
+                </p:cond>
+              </p:nextCondLst>
+            </p:seq>
+          </p:childTnLst>
+        </p:cTn>
+      </p:par>
+    </p:tnLst>
+  </p:timing>
+</p:sld>
+</file>
+
+<file path=ppt/slides/slide16.xml><?xml version="1.0" encoding="utf-8"?>
+<p:sld xmlns:a="http://schemas.openxmlformats.org/drawingml/2006/main" xmlns:r="http://schemas.openxmlformats.org/officeDocument/2006/relationships" xmlns:p="http://schemas.openxmlformats.org/presentationml/2006/main">
+  <p:cSld>
+    <p:spTree>
+      <p:nvGrpSpPr>
+        <p:cNvPr id="1" name=""/>
+        <p:cNvGrpSpPr/>
+        <p:nvPr/>
+      </p:nvGrpSpPr>
+      <p:grpSpPr>
+        <a:xfrm>
+          <a:off x="0" y="0"/>
+          <a:ext cx="0" cy="0"/>
+          <a:chOff x="0" y="0"/>
+          <a:chExt cx="0" cy="0"/>
+        </a:xfrm>
+      </p:grpSpPr>
+      <p:sp>
+        <p:nvSpPr>
+          <p:cNvPr id="2" name="Заголовок 1"/>
+          <p:cNvSpPr>
+            <a:spLocks noGrp="1"/>
+          </p:cNvSpPr>
+          <p:nvPr>
+            <p:ph type="title"/>
+          </p:nvPr>
+        </p:nvSpPr>
+        <p:spPr/>
+        <p:txBody>
+          <a:bodyPr vert="horz" lIns="91440" tIns="45720" rIns="91440" bIns="45720" rtlCol="0" anchor="ctr">
+            <a:normAutofit/>
+          </a:bodyPr>
+          <a:lstStyle/>
+          <a:p>
+            <a:r>
+              <a:rPr lang="en-US" b="1" dirty="0" err="1" smtClean="0">
+                <a:solidFill>
+                  <a:schemeClr val="accent6">
+                    <a:lumMod val="50000"/>
+                  </a:schemeClr>
+                </a:solidFill>
+              </a:rPr>
+              <a:t>Linq</a:t>
+            </a:r>
+            <a:r>
+              <a:rPr lang="ru-RU" dirty="0" smtClean="0"/>
+              <a:t>: глубже!</a:t>
+            </a:r>
+            <a:endParaRPr lang="ru-RU" b="1" dirty="0">
+              <a:solidFill>
+                <a:schemeClr val="accent6">
+                  <a:lumMod val="50000"/>
+                </a:schemeClr>
+              </a:solidFill>
+            </a:endParaRPr>
+          </a:p>
+        </p:txBody>
+      </p:sp>
+      <p:sp>
+        <p:nvSpPr>
+          <p:cNvPr id="3" name="Объект 2"/>
+          <p:cNvSpPr>
+            <a:spLocks noGrp="1"/>
+          </p:cNvSpPr>
+          <p:nvPr>
+            <p:ph idx="1"/>
+          </p:nvPr>
+        </p:nvSpPr>
+        <p:spPr/>
+        <p:txBody>
+          <a:bodyPr>
+            <a:normAutofit/>
+          </a:bodyPr>
+          <a:lstStyle/>
+          <a:p>
+            <a:pPr marL="0" indent="0">
+              <a:buNone/>
+            </a:pPr>
+            <a:r>
+              <a:rPr lang="en-US" dirty="0" err="1" smtClean="0">
+                <a:latin typeface="Consolas" pitchFamily="49" charset="0"/>
+                <a:cs typeface="Consolas" pitchFamily="49" charset="0"/>
+              </a:rPr>
+              <a:t>Linq</a:t>
+            </a:r>
+            <a:r>
+              <a:rPr lang="ru-RU" dirty="0" smtClean="0">
+                <a:latin typeface="Consolas" pitchFamily="49" charset="0"/>
+                <a:cs typeface="Consolas" pitchFamily="49" charset="0"/>
+              </a:rPr>
+              <a:t>2</a:t>
+            </a:r>
+            <a:r>
+              <a:rPr lang="en-US" dirty="0" smtClean="0">
+                <a:latin typeface="Consolas" pitchFamily="49" charset="0"/>
+                <a:cs typeface="Consolas" pitchFamily="49" charset="0"/>
+              </a:rPr>
+              <a:t>SQL</a:t>
+            </a:r>
+          </a:p>
+          <a:p>
+            <a:pPr marL="0" indent="0">
+              <a:buNone/>
+            </a:pPr>
+            <a:r>
+              <a:rPr lang="en-US" dirty="0" smtClean="0">
+                <a:latin typeface="Consolas" pitchFamily="49" charset="0"/>
+                <a:cs typeface="Consolas" pitchFamily="49" charset="0"/>
+              </a:rPr>
+              <a:t>Linq2</a:t>
+            </a:r>
+            <a:r>
+              <a:rPr lang="ru-RU" dirty="0" err="1" smtClean="0">
+                <a:latin typeface="Consolas" pitchFamily="49" charset="0"/>
+                <a:cs typeface="Consolas" pitchFamily="49" charset="0"/>
+              </a:rPr>
+              <a:t>чтоугодно</a:t>
+            </a:r>
+            <a:endParaRPr lang="ru-RU" dirty="0" smtClean="0">
+              <a:latin typeface="Consolas" pitchFamily="49" charset="0"/>
+              <a:cs typeface="Consolas" pitchFamily="49" charset="0"/>
+            </a:endParaRPr>
+          </a:p>
+          <a:p>
+            <a:pPr marL="0" indent="0">
+              <a:buNone/>
+            </a:pPr>
+            <a:endParaRPr lang="en-US" sz="2800" dirty="0" smtClean="0">
+              <a:latin typeface="Consolas" pitchFamily="49" charset="0"/>
+              <a:cs typeface="Consolas" pitchFamily="49" charset="0"/>
+            </a:endParaRPr>
+          </a:p>
+          <a:p>
+            <a:pPr marL="0" indent="0">
+              <a:buNone/>
+            </a:pPr>
+            <a:r>
+              <a:rPr lang="en-US" sz="2800" dirty="0" err="1" smtClean="0">
+                <a:latin typeface="Consolas" pitchFamily="49" charset="0"/>
+                <a:cs typeface="Consolas" pitchFamily="49" charset="0"/>
+              </a:rPr>
+              <a:t>IQueriable</a:t>
+            </a:r>
+            <a:r>
+              <a:rPr lang="en-US" sz="2800" dirty="0" smtClean="0">
+                <a:latin typeface="Consolas" pitchFamily="49" charset="0"/>
+                <a:cs typeface="Consolas" pitchFamily="49" charset="0"/>
+              </a:rPr>
+              <a:t>&lt;T&gt;</a:t>
+            </a:r>
+            <a:r>
+              <a:rPr lang="en-US" sz="2800" dirty="0" smtClean="0">
+                <a:latin typeface="Consolas" pitchFamily="49" charset="0"/>
+                <a:cs typeface="Consolas" pitchFamily="49" charset="0"/>
+              </a:rPr>
+              <a:t> Where(</a:t>
+            </a:r>
+            <a:br>
+              <a:rPr lang="en-US" sz="2800" dirty="0" smtClean="0">
+                <a:latin typeface="Consolas" pitchFamily="49" charset="0"/>
+                <a:cs typeface="Consolas" pitchFamily="49" charset="0"/>
+              </a:rPr>
+            </a:br>
+            <a:r>
+              <a:rPr lang="en-US" sz="2800" dirty="0" smtClean="0">
+                <a:latin typeface="Consolas" pitchFamily="49" charset="0"/>
+                <a:cs typeface="Consolas" pitchFamily="49" charset="0"/>
+              </a:rPr>
+              <a:t>	</a:t>
+            </a:r>
+            <a:r>
+              <a:rPr lang="en-US" sz="2800" b="1" dirty="0" smtClean="0">
+                <a:latin typeface="Consolas" pitchFamily="49" charset="0"/>
+                <a:cs typeface="Consolas" pitchFamily="49" charset="0"/>
+              </a:rPr>
+              <a:t>this </a:t>
+            </a:r>
+            <a:r>
+              <a:rPr lang="en-US" sz="2800" dirty="0" err="1" smtClean="0">
+                <a:latin typeface="Consolas" pitchFamily="49" charset="0"/>
+                <a:cs typeface="Consolas" pitchFamily="49" charset="0"/>
+              </a:rPr>
+              <a:t>IQueriable</a:t>
+            </a:r>
+            <a:r>
+              <a:rPr lang="en-US" sz="2800" dirty="0" smtClean="0">
+                <a:latin typeface="Consolas" pitchFamily="49" charset="0"/>
+                <a:cs typeface="Consolas" pitchFamily="49" charset="0"/>
+              </a:rPr>
+              <a:t>&lt;T</a:t>
+            </a:r>
+            <a:r>
+              <a:rPr lang="en-US" sz="2800" dirty="0">
+                <a:latin typeface="Consolas" pitchFamily="49" charset="0"/>
+                <a:cs typeface="Consolas" pitchFamily="49" charset="0"/>
+              </a:rPr>
+              <a:t>&gt;, </a:t>
+            </a:r>
+            <a:r>
+              <a:rPr lang="en-US" sz="2800" dirty="0" smtClean="0">
+                <a:latin typeface="Consolas" pitchFamily="49" charset="0"/>
+                <a:cs typeface="Consolas" pitchFamily="49" charset="0"/>
+              </a:rPr>
+              <a:t/>
+            </a:r>
+            <a:br>
+              <a:rPr lang="en-US" sz="2800" dirty="0" smtClean="0">
+                <a:latin typeface="Consolas" pitchFamily="49" charset="0"/>
+                <a:cs typeface="Consolas" pitchFamily="49" charset="0"/>
+              </a:rPr>
+            </a:br>
+            <a:r>
+              <a:rPr lang="en-US" sz="2800" dirty="0" smtClean="0">
+                <a:latin typeface="Consolas" pitchFamily="49" charset="0"/>
+                <a:cs typeface="Consolas" pitchFamily="49" charset="0"/>
+              </a:rPr>
+              <a:t>	Expression&lt;</a:t>
+            </a:r>
+            <a:r>
+              <a:rPr lang="en-US" sz="2800" dirty="0" err="1" smtClean="0">
+                <a:latin typeface="Consolas" pitchFamily="49" charset="0"/>
+                <a:cs typeface="Consolas" pitchFamily="49" charset="0"/>
+              </a:rPr>
+              <a:t>Func</a:t>
+            </a:r>
+            <a:r>
+              <a:rPr lang="en-US" sz="2800" dirty="0" smtClean="0">
+                <a:latin typeface="Consolas" pitchFamily="49" charset="0"/>
+                <a:cs typeface="Consolas" pitchFamily="49" charset="0"/>
+              </a:rPr>
+              <a:t>&lt;T, </a:t>
+            </a:r>
+            <a:r>
+              <a:rPr lang="en-US" sz="2800" dirty="0" err="1" smtClean="0">
+                <a:latin typeface="Consolas" pitchFamily="49" charset="0"/>
+                <a:cs typeface="Consolas" pitchFamily="49" charset="0"/>
+              </a:rPr>
+              <a:t>bool</a:t>
+            </a:r>
+            <a:r>
+              <a:rPr lang="en-US" sz="2800" dirty="0" smtClean="0">
+                <a:latin typeface="Consolas" pitchFamily="49" charset="0"/>
+                <a:cs typeface="Consolas" pitchFamily="49" charset="0"/>
+              </a:rPr>
+              <a:t>&gt;&gt; f)</a:t>
+            </a:r>
+            <a:endParaRPr lang="en-US" dirty="0" smtClean="0">
+              <a:latin typeface="Consolas" pitchFamily="49" charset="0"/>
+              <a:cs typeface="Consolas" pitchFamily="49" charset="0"/>
+            </a:endParaRPr>
+          </a:p>
+          <a:p>
+            <a:pPr marL="0" indent="0">
+              <a:buNone/>
+            </a:pPr>
+            <a:endParaRPr lang="en-US" dirty="0" smtClean="0">
+              <a:latin typeface="Consolas" pitchFamily="49" charset="0"/>
+              <a:cs typeface="Consolas" pitchFamily="49" charset="0"/>
+            </a:endParaRPr>
+          </a:p>
+          <a:p>
+            <a:pPr marL="0" indent="0">
+              <a:buNone/>
+            </a:pPr>
+            <a:r>
+              <a:rPr lang="en-US" dirty="0" err="1" smtClean="0">
+                <a:latin typeface="Consolas" pitchFamily="49" charset="0"/>
+                <a:cs typeface="Consolas" pitchFamily="49" charset="0"/>
+              </a:rPr>
+              <a:t>dbTable.Where</a:t>
+            </a:r>
+            <a:r>
+              <a:rPr lang="en-US" dirty="0" smtClean="0">
+                <a:latin typeface="Consolas" pitchFamily="49" charset="0"/>
+                <a:cs typeface="Consolas" pitchFamily="49" charset="0"/>
+              </a:rPr>
+              <a:t>(p =&gt; </a:t>
+            </a:r>
+            <a:r>
+              <a:rPr lang="en-US" dirty="0" err="1">
+                <a:latin typeface="Consolas" pitchFamily="49" charset="0"/>
+                <a:cs typeface="Consolas" pitchFamily="49" charset="0"/>
+              </a:rPr>
+              <a:t>p</a:t>
+            </a:r>
+            <a:r>
+              <a:rPr lang="en-US" dirty="0" err="1" smtClean="0">
+                <a:latin typeface="Consolas" pitchFamily="49" charset="0"/>
+                <a:cs typeface="Consolas" pitchFamily="49" charset="0"/>
+              </a:rPr>
+              <a:t>.Age</a:t>
+            </a:r>
+            <a:r>
+              <a:rPr lang="en-US" dirty="0" smtClean="0">
+                <a:latin typeface="Consolas" pitchFamily="49" charset="0"/>
+                <a:cs typeface="Consolas" pitchFamily="49" charset="0"/>
+              </a:rPr>
+              <a:t> &gt; 18)</a:t>
+            </a:r>
+            <a:endParaRPr lang="en-US" dirty="0">
+              <a:latin typeface="Consolas" pitchFamily="49" charset="0"/>
+              <a:cs typeface="Consolas" pitchFamily="49" charset="0"/>
+            </a:endParaRPr>
+          </a:p>
+          <a:p>
+            <a:pPr marL="0" indent="0">
+              <a:buNone/>
+            </a:pPr>
+            <a:endParaRPr lang="ru-RU" dirty="0" smtClean="0">
+              <a:latin typeface="Consolas" pitchFamily="49" charset="0"/>
+              <a:cs typeface="Consolas" pitchFamily="49" charset="0"/>
+            </a:endParaRPr>
+          </a:p>
+        </p:txBody>
+      </p:sp>
+    </p:spTree>
+    <p:extLst>
+      <p:ext uri="{BB962C8B-B14F-4D97-AF65-F5344CB8AC3E}">
+        <p14:creationId xmlns:p14="http://schemas.microsoft.com/office/powerpoint/2010/main" val="2364496629"/>
+      </p:ext>
+    </p:extLst>
+  </p:cSld>
+  <p:clrMapOvr>
+    <a:masterClrMapping/>
+  </p:clrMapOvr>
+  <p:timing>
+    <p:tnLst>
+      <p:par>
+        <p:cTn id="1" dur="indefinite" restart="never" nodeType="tmRoot">
+          <p:childTnLst>
+            <p:seq concurrent="1" nextAc="seek">
+              <p:cTn id="2" dur="indefinite" nodeType="mainSeq">
+                <p:childTnLst>
+                  <p:par>
+                    <p:cTn id="3" fill="hold">
+                      <p:stCondLst>
+                        <p:cond delay="indefinite"/>
+                      </p:stCondLst>
+                      <p:childTnLst>
+                        <p:par>
+                          <p:cTn id="4" fill="hold">
+                            <p:stCondLst>
+                              <p:cond delay="0"/>
+                            </p:stCondLst>
+                            <p:childTnLst>
+                              <p:par>
+                                <p:cTn id="5" presetID="1" presetClass="entr" presetSubtype="0" fill="hold" nodeType="clickEffect">
+                                  <p:stCondLst>
+                                    <p:cond delay="0"/>
+                                  </p:stCondLst>
+                                  <p:childTnLst>
+                                    <p:set>
+                                      <p:cBhvr>
+                                        <p:cTn id="6" dur="1" fill="hold">
+                                          <p:stCondLst>
+                                            <p:cond delay="0"/>
+                                          </p:stCondLst>
+                                        </p:cTn>
+                                        <p:tgtEl>
+                                          <p:spTgt spid="3">
+                                            <p:txEl>
+                                              <p:pRg st="3" end="3"/>
+                                            </p:txEl>
+                                          </p:spTgt>
+                                        </p:tgtEl>
+                                        <p:attrNameLst>
+                                          <p:attrName>style.visibility</p:attrName>
+                                        </p:attrNameLst>
+                                      </p:cBhvr>
+                                      <p:to>
+                                        <p:strVal val="visible"/>
+                                      </p:to>
+                                    </p:set>
+                                  </p:childTnLst>
+                                </p:cTn>
+                              </p:par>
+                            </p:childTnLst>
+                          </p:cTn>
+                        </p:par>
+                      </p:childTnLst>
+                    </p:cTn>
+                  </p:par>
+                  <p:par>
+                    <p:cTn id="7" fill="hold">
+                      <p:stCondLst>
+                        <p:cond delay="indefinite"/>
+                      </p:stCondLst>
+                      <p:childTnLst>
+                        <p:par>
+                          <p:cTn id="8" fill="hold">
+                            <p:stCondLst>
+                              <p:cond delay="0"/>
+                            </p:stCondLst>
+                            <p:childTnLst>
+                              <p:par>
+                                <p:cTn id="9" presetID="1" presetClass="entr" presetSubtype="0" fill="hold" nodeType="clickEffect">
+                                  <p:stCondLst>
+                                    <p:cond delay="0"/>
+                                  </p:stCondLst>
+                                  <p:childTnLst>
+                                    <p:set>
+                                      <p:cBhvr>
+                                        <p:cTn id="10" dur="1" fill="hold">
+                                          <p:stCondLst>
+                                            <p:cond delay="0"/>
+                                          </p:stCondLst>
+                                        </p:cTn>
+                                        <p:tgtEl>
+                                          <p:spTgt spid="3">
+                                            <p:txEl>
+                                              <p:pRg st="5" end="5"/>
+                                            </p:txEl>
+                                          </p:spTgt>
+                                        </p:tgtEl>
+                                        <p:attrNameLst>
+                                          <p:attrName>style.visibility</p:attrName>
+                                        </p:attrNameLst>
+                                      </p:cBhvr>
+                                      <p:to>
+                                        <p:strVal val="visible"/>
+                                      </p:to>
+                                    </p:set>
+                                  </p:childTnLst>
+                                </p:cTn>
+                              </p:par>
+                            </p:childTnLst>
+                          </p:cTn>
+                        </p:par>
+                      </p:childTnLst>
+                    </p:cTn>
+                  </p:par>
+                </p:childTnLst>
+              </p:cTn>
+              <p:prevCondLst>
+                <p:cond evt="onPrev" delay="0">
+                  <p:tgtEl>
+                    <p:sldTgt/>
+                  </p:tgtEl>
+                </p:cond>
+              </p:prevCondLst>
+              <p:nextCondLst>
+                <p:cond evt="onNext" delay="0">
+                  <p:tgtEl>
+                    <p:sldTgt/>
+                  </p:tgtEl>
+                </p:cond>
+              </p:nextCondLst>
+            </p:seq>
+          </p:childTnLst>
+        </p:cTn>
       </p:par>
     </p:tnLst>
   </p:timing>
@@ -8369,7 +7438,9 @@
         </p:nvSpPr>
         <p:spPr/>
         <p:txBody>
-          <a:bodyPr/>
+          <a:bodyPr>
+            <a:normAutofit/>
+          </a:bodyPr>
           <a:lstStyle/>
           <a:p>
             <a:pPr marL="0" indent="0">
@@ -8417,18 +7488,26 @@
                 <a:latin typeface="Consolas" pitchFamily="49" charset="0"/>
                 <a:cs typeface="Consolas" pitchFamily="49" charset="0"/>
               </a:rPr>
-              <a:t> People </a:t>
-            </a:r>
-          </a:p>
-          <a:p>
-            <a:pPr marL="0" indent="0">
-              <a:buNone/>
-            </a:pPr>
+              <a:t> </a:t>
+            </a:r>
             <a:r>
               <a:rPr lang="en-US" dirty="0" smtClean="0">
                 <a:latin typeface="Consolas" pitchFamily="49" charset="0"/>
                 <a:cs typeface="Consolas" pitchFamily="49" charset="0"/>
               </a:rPr>
+              <a:t>People</a:t>
+            </a:r>
+            <a:br>
+              <a:rPr lang="en-US" dirty="0" smtClean="0">
+                <a:latin typeface="Consolas" pitchFamily="49" charset="0"/>
+                <a:cs typeface="Consolas" pitchFamily="49" charset="0"/>
+              </a:rPr>
+            </a:br>
+            <a:r>
+              <a:rPr lang="en-US" dirty="0" smtClean="0">
+                <a:latin typeface="Consolas" pitchFamily="49" charset="0"/>
+                <a:cs typeface="Consolas" pitchFamily="49" charset="0"/>
+              </a:rPr>
               <a:t>	</a:t>
             </a:r>
             <a:r>
@@ -8457,13 +7536,21 @@
                 <a:latin typeface="Consolas" pitchFamily="49" charset="0"/>
                 <a:cs typeface="Consolas" pitchFamily="49" charset="0"/>
               </a:rPr>
-              <a:t> &lt; 25</a:t>
-            </a:r>
-          </a:p>
-          <a:p>
-            <a:pPr marL="0" indent="0">
-              <a:buNone/>
-            </a:pPr>
+              <a:t> &lt; </a:t>
+            </a:r>
+            <a:r>
+              <a:rPr lang="en-US" dirty="0" smtClean="0">
+                <a:latin typeface="Consolas" pitchFamily="49" charset="0"/>
+                <a:cs typeface="Consolas" pitchFamily="49" charset="0"/>
+              </a:rPr>
+              <a:t>25</a:t>
+            </a:r>
+            <a:br>
+              <a:rPr lang="en-US" dirty="0" smtClean="0">
+                <a:latin typeface="Consolas" pitchFamily="49" charset="0"/>
+                <a:cs typeface="Consolas" pitchFamily="49" charset="0"/>
+              </a:rPr>
+            </a:br>
             <a:r>
               <a:rPr lang="en-US" dirty="0" smtClean="0">
                 <a:latin typeface="Consolas" pitchFamily="49" charset="0"/>
@@ -8501,50 +7588,83 @@
             <a:pPr marL="0" indent="0">
               <a:buNone/>
             </a:pPr>
-            <a:r>
-              <a:rPr lang="en-US" dirty="0" err="1" smtClean="0">
-                <a:latin typeface="Consolas" pitchFamily="49" charset="0"/>
-                <a:cs typeface="Consolas" pitchFamily="49" charset="0"/>
-              </a:rPr>
-              <a:t>Linq</a:t>
-            </a:r>
-            <a:r>
-              <a:rPr lang="ru-RU" dirty="0" smtClean="0">
-                <a:latin typeface="Consolas" pitchFamily="49" charset="0"/>
-                <a:cs typeface="Consolas" pitchFamily="49" charset="0"/>
-              </a:rPr>
-              <a:t>2</a:t>
-            </a:r>
-            <a:r>
-              <a:rPr lang="en-US" dirty="0" smtClean="0">
-                <a:latin typeface="Consolas" pitchFamily="49" charset="0"/>
-                <a:cs typeface="Consolas" pitchFamily="49" charset="0"/>
-              </a:rPr>
-              <a:t>SQL</a:t>
-            </a:r>
-          </a:p>
-          <a:p>
-            <a:pPr marL="0" indent="0">
-              <a:buNone/>
-            </a:pPr>
-            <a:r>
-              <a:rPr lang="en-US" dirty="0" smtClean="0">
-                <a:latin typeface="Consolas" pitchFamily="49" charset="0"/>
-                <a:cs typeface="Consolas" pitchFamily="49" charset="0"/>
-              </a:rPr>
-              <a:t>Linq2</a:t>
-            </a:r>
-            <a:r>
-              <a:rPr lang="ru-RU" dirty="0" err="1" smtClean="0">
-                <a:latin typeface="Consolas" pitchFamily="49" charset="0"/>
-                <a:cs typeface="Consolas" pitchFamily="49" charset="0"/>
-              </a:rPr>
-              <a:t>чтоугодно</a:t>
-            </a:r>
-            <a:endParaRPr lang="ru-RU" dirty="0" smtClean="0">
+            <a:endParaRPr lang="en-US" dirty="0" smtClean="0">
               <a:latin typeface="Consolas" pitchFamily="49" charset="0"/>
               <a:cs typeface="Consolas" pitchFamily="49" charset="0"/>
             </a:endParaRPr>
+          </a:p>
+          <a:p>
+            <a:pPr marL="0" indent="0">
+              <a:buNone/>
+            </a:pPr>
+            <a:r>
+              <a:rPr lang="en-US" sz="2800" dirty="0" smtClean="0">
+                <a:latin typeface="Consolas" pitchFamily="49" charset="0"/>
+                <a:cs typeface="Consolas" pitchFamily="49" charset="0"/>
+              </a:rPr>
+              <a:t>People</a:t>
+            </a:r>
+            <a:br>
+              <a:rPr lang="en-US" sz="2800" dirty="0" smtClean="0">
+                <a:latin typeface="Consolas" pitchFamily="49" charset="0"/>
+                <a:cs typeface="Consolas" pitchFamily="49" charset="0"/>
+              </a:rPr>
+            </a:br>
+            <a:r>
+              <a:rPr lang="en-US" sz="2800" dirty="0" smtClean="0">
+                <a:latin typeface="Consolas" pitchFamily="49" charset="0"/>
+                <a:cs typeface="Consolas" pitchFamily="49" charset="0"/>
+              </a:rPr>
+              <a:t>	.Where(person =&gt; </a:t>
+            </a:r>
+            <a:r>
+              <a:rPr lang="en-US" sz="2800" dirty="0" err="1" smtClean="0">
+                <a:latin typeface="Consolas" pitchFamily="49" charset="0"/>
+                <a:cs typeface="Consolas" pitchFamily="49" charset="0"/>
+              </a:rPr>
+              <a:t>person.Age</a:t>
+            </a:r>
+            <a:r>
+              <a:rPr lang="en-US" sz="2800" dirty="0" smtClean="0">
+                <a:latin typeface="Consolas" pitchFamily="49" charset="0"/>
+                <a:cs typeface="Consolas" pitchFamily="49" charset="0"/>
+              </a:rPr>
+              <a:t> &lt; 25)</a:t>
+            </a:r>
+            <a:r>
+              <a:rPr lang="en-US" sz="2800" dirty="0">
+                <a:latin typeface="Consolas" pitchFamily="49" charset="0"/>
+                <a:cs typeface="Consolas" pitchFamily="49" charset="0"/>
+              </a:rPr>
+              <a:t/>
+            </a:r>
+            <a:br>
+              <a:rPr lang="en-US" sz="2800" dirty="0">
+                <a:latin typeface="Consolas" pitchFamily="49" charset="0"/>
+                <a:cs typeface="Consolas" pitchFamily="49" charset="0"/>
+              </a:rPr>
+            </a:br>
+            <a:r>
+              <a:rPr lang="en-US" sz="2800" dirty="0" smtClean="0">
+                <a:latin typeface="Consolas" pitchFamily="49" charset="0"/>
+                <a:cs typeface="Consolas" pitchFamily="49" charset="0"/>
+              </a:rPr>
+              <a:t>	.Select(person =&gt; </a:t>
+            </a:r>
+            <a:r>
+              <a:rPr lang="en-US" sz="2800" dirty="0" err="1" smtClean="0">
+                <a:latin typeface="Consolas" pitchFamily="49" charset="0"/>
+                <a:cs typeface="Consolas" pitchFamily="49" charset="0"/>
+              </a:rPr>
+              <a:t>person.Name</a:t>
+            </a:r>
+            <a:r>
+              <a:rPr lang="en-US" sz="2800" dirty="0" smtClean="0">
+                <a:latin typeface="Consolas" pitchFamily="49" charset="0"/>
+                <a:cs typeface="Consolas" pitchFamily="49" charset="0"/>
+              </a:rPr>
+              <a:t>)</a:t>
+            </a:r>
           </a:p>
         </p:txBody>
       </p:sp>
@@ -8552,6 +7672,371 @@
     <p:extLst>
       <p:ext uri="{BB962C8B-B14F-4D97-AF65-F5344CB8AC3E}">
         <p14:creationId xmlns:p14="http://schemas.microsoft.com/office/powerpoint/2010/main" val="2072276541"/>
+      </p:ext>
+    </p:extLst>
+  </p:cSld>
+  <p:clrMapOvr>
+    <a:masterClrMapping/>
+  </p:clrMapOvr>
+  <p:timing>
+    <p:tnLst>
+      <p:par>
+        <p:cTn id="1" dur="indefinite" restart="never" nodeType="tmRoot">
+          <p:childTnLst>
+            <p:seq concurrent="1" nextAc="seek">
+              <p:cTn id="2" dur="indefinite" nodeType="mainSeq">
+                <p:childTnLst>
+                  <p:par>
+                    <p:cTn id="3" fill="hold">
+                      <p:stCondLst>
+                        <p:cond delay="indefinite"/>
+                      </p:stCondLst>
+                      <p:childTnLst>
+                        <p:par>
+                          <p:cTn id="4" fill="hold">
+                            <p:stCondLst>
+                              <p:cond delay="0"/>
+                            </p:stCondLst>
+                            <p:childTnLst>
+                              <p:par>
+                                <p:cTn id="5" presetID="1" presetClass="entr" presetSubtype="0" fill="hold" nodeType="clickEffect">
+                                  <p:stCondLst>
+                                    <p:cond delay="0"/>
+                                  </p:stCondLst>
+                                  <p:childTnLst>
+                                    <p:set>
+                                      <p:cBhvr>
+                                        <p:cTn id="6" dur="1" fill="hold">
+                                          <p:stCondLst>
+                                            <p:cond delay="0"/>
+                                          </p:stCondLst>
+                                        </p:cTn>
+                                        <p:tgtEl>
+                                          <p:spTgt spid="3">
+                                            <p:txEl>
+                                              <p:pRg st="3" end="3"/>
+                                            </p:txEl>
+                                          </p:spTgt>
+                                        </p:tgtEl>
+                                        <p:attrNameLst>
+                                          <p:attrName>style.visibility</p:attrName>
+                                        </p:attrNameLst>
+                                      </p:cBhvr>
+                                      <p:to>
+                                        <p:strVal val="visible"/>
+                                      </p:to>
+                                    </p:set>
+                                  </p:childTnLst>
+                                </p:cTn>
+                              </p:par>
+                            </p:childTnLst>
+                          </p:cTn>
+                        </p:par>
+                      </p:childTnLst>
+                    </p:cTn>
+                  </p:par>
+                </p:childTnLst>
+              </p:cTn>
+              <p:prevCondLst>
+                <p:cond evt="onPrev" delay="0">
+                  <p:tgtEl>
+                    <p:sldTgt/>
+                  </p:tgtEl>
+                </p:cond>
+              </p:prevCondLst>
+              <p:nextCondLst>
+                <p:cond evt="onNext" delay="0">
+                  <p:tgtEl>
+                    <p:sldTgt/>
+                  </p:tgtEl>
+                </p:cond>
+              </p:nextCondLst>
+            </p:seq>
+          </p:childTnLst>
+        </p:cTn>
+      </p:par>
+    </p:tnLst>
+  </p:timing>
+</p:sld>
+</file>
+
+<file path=ppt/slides/slide18.xml><?xml version="1.0" encoding="utf-8"?>
+<p:sld xmlns:a="http://schemas.openxmlformats.org/drawingml/2006/main" xmlns:r="http://schemas.openxmlformats.org/officeDocument/2006/relationships" xmlns:p="http://schemas.openxmlformats.org/presentationml/2006/main">
+  <p:cSld>
+    <p:spTree>
+      <p:nvGrpSpPr>
+        <p:cNvPr id="1" name=""/>
+        <p:cNvGrpSpPr/>
+        <p:nvPr/>
+      </p:nvGrpSpPr>
+      <p:grpSpPr>
+        <a:xfrm>
+          <a:off x="0" y="0"/>
+          <a:ext cx="0" cy="0"/>
+          <a:chOff x="0" y="0"/>
+          <a:chExt cx="0" cy="0"/>
+        </a:xfrm>
+      </p:grpSpPr>
+      <p:sp>
+        <p:nvSpPr>
+          <p:cNvPr id="2" name="Заголовок 1"/>
+          <p:cNvSpPr>
+            <a:spLocks noGrp="1"/>
+          </p:cNvSpPr>
+          <p:nvPr>
+            <p:ph type="title"/>
+          </p:nvPr>
+        </p:nvSpPr>
+        <p:spPr/>
+        <p:txBody>
+          <a:bodyPr/>
+          <a:lstStyle/>
+          <a:p>
+            <a:r>
+              <a:rPr lang="en-US" dirty="0" smtClean="0"/>
+              <a:t>List comprehension</a:t>
+            </a:r>
+            <a:endParaRPr lang="ru-RU" dirty="0"/>
+          </a:p>
+        </p:txBody>
+      </p:sp>
+      <p:sp>
+        <p:nvSpPr>
+          <p:cNvPr id="3" name="Объект 2"/>
+          <p:cNvSpPr>
+            <a:spLocks noGrp="1"/>
+          </p:cNvSpPr>
+          <p:nvPr>
+            <p:ph idx="1"/>
+          </p:nvPr>
+        </p:nvSpPr>
+        <p:spPr>
+          <a:xfrm>
+            <a:off x="457200" y="2204864"/>
+            <a:ext cx="8229600" cy="3921299"/>
+          </a:xfrm>
+        </p:spPr>
+        <p:txBody>
+          <a:bodyPr>
+            <a:normAutofit fontScale="92500" lnSpcReduction="20000"/>
+          </a:bodyPr>
+          <a:lstStyle/>
+          <a:p>
+            <a:pPr marL="0" indent="0">
+              <a:buNone/>
+            </a:pPr>
+            <a:r>
+              <a:rPr lang="en-US" dirty="0" smtClean="0"/>
+              <a:t>[n*n </a:t>
+            </a:r>
+            <a:r>
+              <a:rPr lang="en-US" b="1" dirty="0"/>
+              <a:t>for</a:t>
+            </a:r>
+            <a:r>
+              <a:rPr lang="en-US" dirty="0"/>
+              <a:t> n </a:t>
+            </a:r>
+            <a:r>
+              <a:rPr lang="en-US" b="1" dirty="0"/>
+              <a:t>in</a:t>
+            </a:r>
+            <a:r>
+              <a:rPr lang="en-US" dirty="0"/>
+              <a:t> </a:t>
+            </a:r>
+            <a:r>
+              <a:rPr lang="en-US" dirty="0"/>
+              <a:t>range(1,</a:t>
+            </a:r>
+            <a:r>
+              <a:rPr lang="en-US" dirty="0"/>
+              <a:t> </a:t>
+            </a:r>
+            <a:r>
+              <a:rPr lang="en-US" dirty="0"/>
+              <a:t>10000)</a:t>
+            </a:r>
+            <a:r>
+              <a:rPr lang="en-US" dirty="0"/>
+              <a:t> </a:t>
+            </a:r>
+            <a:r>
+              <a:rPr lang="en-US" b="1" dirty="0"/>
+              <a:t>if</a:t>
+            </a:r>
+            <a:r>
+              <a:rPr lang="en-US" dirty="0"/>
+              <a:t> n % </a:t>
+            </a:r>
+            <a:r>
+              <a:rPr lang="en-US" dirty="0"/>
+              <a:t>2</a:t>
+            </a:r>
+            <a:r>
+              <a:rPr lang="en-US" dirty="0"/>
+              <a:t> </a:t>
+            </a:r>
+            <a:r>
+              <a:rPr lang="en-US" dirty="0"/>
+              <a:t>==</a:t>
+            </a:r>
+            <a:r>
+              <a:rPr lang="en-US" dirty="0"/>
+              <a:t> </a:t>
+            </a:r>
+            <a:r>
+              <a:rPr lang="en-US" dirty="0"/>
+              <a:t>0</a:t>
+            </a:r>
+            <a:r>
+              <a:rPr lang="en-US" dirty="0" smtClean="0"/>
+              <a:t>]</a:t>
+            </a:r>
+          </a:p>
+          <a:p>
+            <a:pPr marL="0" indent="0">
+              <a:buNone/>
+            </a:pPr>
+            <a:endParaRPr lang="ru-RU" dirty="0"/>
+          </a:p>
+          <a:p>
+            <a:pPr marL="0" indent="0">
+              <a:buNone/>
+            </a:pPr>
+            <a:r>
+              <a:rPr lang="en-US" dirty="0" err="1" smtClean="0"/>
+              <a:t>Enumerable.Range</a:t>
+            </a:r>
+            <a:r>
+              <a:rPr lang="en-US" dirty="0" smtClean="0"/>
+              <a:t>(1, 10000)</a:t>
+            </a:r>
+            <a:br>
+              <a:rPr lang="en-US" dirty="0" smtClean="0"/>
+            </a:br>
+            <a:r>
+              <a:rPr lang="en-US" dirty="0" smtClean="0"/>
+              <a:t>	.Where(n =&gt; n%2 == 0)</a:t>
+            </a:r>
+            <a:br>
+              <a:rPr lang="en-US" dirty="0" smtClean="0"/>
+            </a:br>
+            <a:r>
+              <a:rPr lang="en-US" dirty="0" smtClean="0"/>
+              <a:t>	.Select(n =&gt; n*n)</a:t>
+            </a:r>
+          </a:p>
+          <a:p>
+            <a:pPr marL="0" indent="0">
+              <a:buNone/>
+            </a:pPr>
+            <a:endParaRPr lang="en-US" dirty="0" smtClean="0"/>
+          </a:p>
+          <a:p>
+            <a:pPr marL="0" indent="0">
+              <a:buNone/>
+            </a:pPr>
+            <a:r>
+              <a:rPr lang="en-US" b="1" dirty="0" smtClean="0"/>
+              <a:t>from </a:t>
+            </a:r>
+            <a:r>
+              <a:rPr lang="en-US" dirty="0" smtClean="0"/>
+              <a:t>n </a:t>
+            </a:r>
+            <a:r>
+              <a:rPr lang="en-US" b="1" dirty="0" smtClean="0"/>
+              <a:t>in </a:t>
+            </a:r>
+            <a:r>
+              <a:rPr lang="en-US" dirty="0" err="1"/>
+              <a:t>Enumerable.Range</a:t>
+            </a:r>
+            <a:r>
+              <a:rPr lang="en-US" dirty="0"/>
+              <a:t>(1, 10000</a:t>
+            </a:r>
+            <a:r>
+              <a:rPr lang="en-US" dirty="0" smtClean="0"/>
+              <a:t>)</a:t>
+            </a:r>
+            <a:br>
+              <a:rPr lang="en-US" dirty="0" smtClean="0"/>
+            </a:br>
+            <a:r>
+              <a:rPr lang="en-US" b="1" dirty="0" smtClean="0"/>
+              <a:t>where </a:t>
+            </a:r>
+            <a:r>
+              <a:rPr lang="en-US" dirty="0" smtClean="0"/>
+              <a:t>n % 2 == 0</a:t>
+            </a:r>
+            <a:br>
+              <a:rPr lang="en-US" dirty="0" smtClean="0"/>
+            </a:br>
+            <a:r>
+              <a:rPr lang="en-US" b="1" dirty="0" smtClean="0"/>
+              <a:t>select </a:t>
+            </a:r>
+            <a:r>
+              <a:rPr lang="en-US" dirty="0" smtClean="0"/>
+              <a:t>n*n</a:t>
+            </a:r>
+          </a:p>
+          <a:p>
+            <a:pPr marL="0" indent="0">
+              <a:buNone/>
+            </a:pPr>
+            <a:endParaRPr lang="ru-RU" dirty="0"/>
+          </a:p>
+        </p:txBody>
+      </p:sp>
+      <p:pic>
+        <p:nvPicPr>
+          <p:cNvPr id="1026" name="Picture 2" descr="S=\{\,\underbrace{2\cdot x}_{\color{Violet}{\text{output expression}}}\mid \underbrace{x}_{\color{Violet}{\text{variable}}} \in \underbrace{\mathbb{N}}_{\color{Violet}{\text{input set}}},\ \underbrace{x^2&gt;3}_{\color{Violet}{\text{predicate}}}\,\}"/>
+          <p:cNvPicPr>
+            <a:picLocks noChangeAspect="1" noChangeArrowheads="1"/>
+          </p:cNvPicPr>
+          <p:nvPr/>
+        </p:nvPicPr>
+        <p:blipFill>
+          <a:blip r:embed="rId2">
+            <a:extLst>
+              <a:ext uri="{28A0092B-C50C-407E-A947-70E740481C1C}">
+                <a14:useLocalDpi xmlns:a14="http://schemas.microsoft.com/office/drawing/2010/main" val="0"/>
+              </a:ext>
+            </a:extLst>
+          </a:blip>
+          <a:srcRect/>
+          <a:stretch>
+            <a:fillRect/>
+          </a:stretch>
+        </p:blipFill>
+        <p:spPr bwMode="auto">
+          <a:xfrm>
+            <a:off x="611560" y="1327299"/>
+            <a:ext cx="5976664" cy="706754"/>
+          </a:xfrm>
+          <a:prstGeom prst="rect">
+            <a:avLst/>
+          </a:prstGeom>
+          <a:noFill/>
+          <a:extLst>
+            <a:ext uri="{909E8E84-426E-40DD-AFC4-6F175D3DCCD1}">
+              <a14:hiddenFill xmlns:a14="http://schemas.microsoft.com/office/drawing/2010/main">
+                <a:solidFill>
+                  <a:srgbClr val="FFFFFF"/>
+                </a:solidFill>
+              </a14:hiddenFill>
+            </a:ext>
+          </a:extLst>
+        </p:spPr>
+      </p:pic>
+    </p:spTree>
+    <p:extLst>
+      <p:ext uri="{BB962C8B-B14F-4D97-AF65-F5344CB8AC3E}">
+        <p14:creationId xmlns:p14="http://schemas.microsoft.com/office/powerpoint/2010/main" val="3518612531"/>
       </p:ext>
     </p:extLst>
   </p:cSld>
@@ -8609,39 +8094,26 @@
                                   </p:childTnLst>
                                 </p:cTn>
                               </p:par>
+                            </p:childTnLst>
+                          </p:cTn>
+                        </p:par>
+                      </p:childTnLst>
+                    </p:cTn>
+                  </p:par>
+                  <p:par>
+                    <p:cTn id="7" fill="hold">
+                      <p:stCondLst>
+                        <p:cond delay="indefinite"/>
+                      </p:stCondLst>
+                      <p:childTnLst>
+                        <p:par>
+                          <p:cTn id="8" fill="hold">
+                            <p:stCondLst>
+                              <p:cond delay="0"/>
+                            </p:stCondLst>
+                            <p:childTnLst>
                               <p:par>
-                                <p:cTn id="7" presetID="1" presetClass="entr" presetSubtype="0" fill="hold" nodeType="withEffect">
-                                  <p:stCondLst>
-                                    <p:cond delay="0"/>
-                                  </p:stCondLst>
-                                  <p:childTnLst>
-                                    <p:set>
-                                      <p:cBhvr>
-                                        <p:cTn id="8" dur="1" fill="hold">
-                                          <p:stCondLst>
-                                            <p:cond delay="0"/>
-                                          </p:stCondLst>
-                                        </p:cTn>
-                                        <p:tgtEl>
-                                          <p:spTgt spid="3">
-                                            <p:txEl>
-                                              <p:pRg st="1" end="1"/>
-                                            </p:txEl>
-                                          </p:spTgt>
-                                        </p:tgtEl>
-                                        <p:attrNameLst>
-                                          <p:attrName>style.visibility</p:attrName>
-                                        </p:attrNameLst>
-                                      </p:cBhvr>
-                                      <p:to>
-                                        <p:strVal val="visible"/>
-                                      </p:to>
-                                    </p:set>
-                                  </p:childTnLst>
-                                </p:cTn>
-                              </p:par>
-                              <p:par>
-                                <p:cTn id="9" presetID="1" presetClass="entr" presetSubtype="0" fill="hold" nodeType="withEffect">
+                                <p:cTn id="9" presetID="1" presetClass="entr" presetSubtype="0" fill="hold" nodeType="clickEffect">
                                   <p:stCondLst>
                                     <p:cond delay="0"/>
                                   </p:stCondLst>
@@ -8671,37 +8143,6 @@
                                   </p:childTnLst>
                                 </p:cTn>
                               </p:par>
-                              <p:par>
-                                <p:cTn id="11" presetID="1" presetClass="entr" presetSubtype="0" fill="hold" nodeType="withEffect">
-                                  <p:stCondLst>
-                                    <p:cond delay="0"/>
-                                  </p:stCondLst>
-                                  <p:childTnLst>
-                                    <p:set>
-                                      <p:cBhvr>
-                                        <p:cTn id="12" dur="1" fill="hold">
-                                          <p:stCondLst>
-                                            <p:cond delay="0"/>
-                                          </p:stCondLst>
-                                        </p:cTn>
-                                        <p:tgtEl>
-                                          <p:spTgt spid="3">
-                                            <p:txEl>
-                                              <p:pRg st="3" end="3"/>
-                                            </p:txEl>
-                                          </p:spTgt>
-                                        </p:tgtEl>
-                                        <p:attrNameLst>
-                                          <p:attrName>style.visibility</p:attrName>
-                                        </p:attrNameLst>
-                                      </p:cBhvr>
-                                      <p:to>
-                                        <p:strVal val="visible"/>
-                                      </p:to>
-                                    </p:set>
-                                  </p:childTnLst>
-                                </p:cTn>
-                              </p:par>
                             </p:childTnLst>
                           </p:cTn>
                         </p:par>
@@ -8709,26 +8150,26 @@
                     </p:cTn>
                   </p:par>
                   <p:par>
-                    <p:cTn id="13" fill="hold">
+                    <p:cTn id="11" fill="hold">
                       <p:stCondLst>
                         <p:cond delay="indefinite"/>
                       </p:stCondLst>
                       <p:childTnLst>
                         <p:par>
-                          <p:cTn id="14" fill="hold">
+                          <p:cTn id="12" fill="hold">
                             <p:stCondLst>
                               <p:cond delay="0"/>
                             </p:stCondLst>
                             <p:childTnLst>
                               <p:par>
-                                <p:cTn id="15" presetID="1" presetClass="entr" presetSubtype="0" fill="hold" nodeType="clickEffect">
+                                <p:cTn id="13" presetID="1" presetClass="entr" presetSubtype="0" fill="hold" nodeType="clickEffect">
                                   <p:stCondLst>
                                     <p:cond delay="0"/>
                                   </p:stCondLst>
                                   <p:childTnLst>
                                     <p:set>
                                       <p:cBhvr>
-                                        <p:cTn id="16" dur="1" fill="hold">
+                                        <p:cTn id="14" dur="1" fill="hold">
                                           <p:stCondLst>
                                             <p:cond delay="0"/>
                                           </p:stCondLst>
@@ -8737,55 +8178,6 @@
                                           <p:spTgt spid="3">
                                             <p:txEl>
                                               <p:pRg st="4" end="4"/>
-                                            </p:txEl>
-                                          </p:spTgt>
-                                        </p:tgtEl>
-                                        <p:attrNameLst>
-                                          <p:attrName>style.visibility</p:attrName>
-                                        </p:attrNameLst>
-                                      </p:cBhvr>
-                                      <p:to>
-                                        <p:strVal val="visible"/>
-                                      </p:to>
-                                    </p:set>
-                                  </p:childTnLst>
-                                </p:cTn>
-                              </p:par>
-                            </p:childTnLst>
-                          </p:cTn>
-                        </p:par>
-                      </p:childTnLst>
-                    </p:cTn>
-                  </p:par>
-                  <p:par>
-                    <p:cTn id="17" fill="hold">
-                      <p:stCondLst>
-                        <p:cond delay="indefinite"/>
-                      </p:stCondLst>
-                      <p:childTnLst>
-                        <p:par>
-                          <p:cTn id="18" fill="hold">
-                            <p:stCondLst>
-                              <p:cond delay="0"/>
-                            </p:stCondLst>
-                            <p:childTnLst>
-                              <p:par>
-                                <p:cTn id="19" presetID="1" presetClass="entr" presetSubtype="0" fill="hold" nodeType="clickEffect">
-                                  <p:stCondLst>
-                                    <p:cond delay="0"/>
-                                  </p:stCondLst>
-                                  <p:childTnLst>
-                                    <p:set>
-                                      <p:cBhvr>
-                                        <p:cTn id="20" dur="1" fill="hold">
-                                          <p:stCondLst>
-                                            <p:cond delay="0"/>
-                                          </p:stCondLst>
-                                        </p:cTn>
-                                        <p:tgtEl>
-                                          <p:spTgt spid="3">
-                                            <p:txEl>
-                                              <p:pRg st="5" end="5"/>
                                             </p:txEl>
                                           </p:spTgt>
                                         </p:tgtEl>
@@ -8831,7 +8223,7 @@
 </p:sld>
 </file>
 
-<file path=ppt/slides/slide18.xml><?xml version="1.0" encoding="utf-8"?>
+<file path=ppt/slides/slide19.xml><?xml version="1.0" encoding="utf-8"?>
 <p:sld xmlns:a="http://schemas.openxmlformats.org/drawingml/2006/main" xmlns:r="http://schemas.openxmlformats.org/officeDocument/2006/relationships" xmlns:p="http://schemas.openxmlformats.org/presentationml/2006/main">
   <p:cSld>
     <p:spTree>
@@ -9972,1220 +9364,6 @@
           <a:lstStyle/>
           <a:p>
             <a:r>
-              <a:rPr lang="ru-RU" b="1" dirty="0" smtClean="0">
-                <a:solidFill>
-                  <a:schemeClr val="accent6">
-                    <a:lumMod val="50000"/>
-                  </a:schemeClr>
-                </a:solidFill>
-              </a:rPr>
-              <a:t>Лямбда выражения</a:t>
-            </a:r>
-            <a:endParaRPr lang="ru-RU" b="1" dirty="0">
-              <a:solidFill>
-                <a:schemeClr val="accent6">
-                  <a:lumMod val="50000"/>
-                </a:schemeClr>
-              </a:solidFill>
-            </a:endParaRPr>
-          </a:p>
-        </p:txBody>
-      </p:sp>
-      <p:sp>
-        <p:nvSpPr>
-          <p:cNvPr id="3" name="Объект 2"/>
-          <p:cNvSpPr>
-            <a:spLocks noGrp="1"/>
-          </p:cNvSpPr>
-          <p:nvPr>
-            <p:ph idx="1"/>
-          </p:nvPr>
-        </p:nvSpPr>
-        <p:spPr/>
-        <p:txBody>
-          <a:bodyPr>
-            <a:normAutofit/>
-          </a:bodyPr>
-          <a:lstStyle/>
-          <a:p>
-            <a:pPr marL="0" indent="0">
-              <a:buNone/>
-            </a:pPr>
-            <a:r>
-              <a:rPr lang="en-US" sz="2000" dirty="0" err="1">
-                <a:solidFill>
-                  <a:srgbClr val="2B91AF"/>
-                </a:solidFill>
-                <a:latin typeface="Consolas"/>
-              </a:rPr>
-              <a:t>Func</a:t>
-            </a:r>
-            <a:r>
-              <a:rPr lang="en-US" sz="2000" dirty="0">
-                <a:solidFill>
-                  <a:prstClr val="black"/>
-                </a:solidFill>
-                <a:latin typeface="Consolas"/>
-              </a:rPr>
-              <a:t>&lt;</a:t>
-            </a:r>
-            <a:r>
-              <a:rPr lang="en-US" sz="2000" dirty="0" err="1">
-                <a:solidFill>
-                  <a:srgbClr val="0000FF"/>
-                </a:solidFill>
-                <a:latin typeface="Consolas"/>
-              </a:rPr>
-              <a:t>int</a:t>
-            </a:r>
-            <a:r>
-              <a:rPr lang="en-US" sz="2000" dirty="0">
-                <a:solidFill>
-                  <a:prstClr val="black"/>
-                </a:solidFill>
-                <a:latin typeface="Consolas"/>
-              </a:rPr>
-              <a:t>, </a:t>
-            </a:r>
-            <a:r>
-              <a:rPr lang="en-US" sz="2000" dirty="0">
-                <a:solidFill>
-                  <a:srgbClr val="0000FF"/>
-                </a:solidFill>
-                <a:latin typeface="Consolas"/>
-              </a:rPr>
-              <a:t>double</a:t>
-            </a:r>
-            <a:r>
-              <a:rPr lang="en-US" sz="2000" dirty="0">
-                <a:solidFill>
-                  <a:prstClr val="black"/>
-                </a:solidFill>
-                <a:latin typeface="Consolas"/>
-              </a:rPr>
-              <a:t>, </a:t>
-            </a:r>
-            <a:r>
-              <a:rPr lang="en-US" sz="2000" dirty="0">
-                <a:solidFill>
-                  <a:srgbClr val="0000FF"/>
-                </a:solidFill>
-                <a:latin typeface="Consolas"/>
-              </a:rPr>
-              <a:t>string</a:t>
-            </a:r>
-            <a:r>
-              <a:rPr lang="en-US" sz="2000" dirty="0">
-                <a:solidFill>
-                  <a:prstClr val="black"/>
-                </a:solidFill>
-                <a:latin typeface="Consolas"/>
-              </a:rPr>
-              <a:t>&gt; f = </a:t>
-            </a:r>
-            <a:endParaRPr lang="ru-RU" sz="2000" dirty="0" smtClean="0">
-              <a:solidFill>
-                <a:prstClr val="black"/>
-              </a:solidFill>
-              <a:latin typeface="Consolas"/>
-            </a:endParaRPr>
-          </a:p>
-          <a:p>
-            <a:pPr marL="0" indent="0">
-              <a:buNone/>
-            </a:pPr>
-            <a:r>
-              <a:rPr lang="ru-RU" sz="2000" dirty="0">
-                <a:solidFill>
-                  <a:prstClr val="black"/>
-                </a:solidFill>
-                <a:latin typeface="Consolas"/>
-              </a:rPr>
-              <a:t>	</a:t>
-            </a:r>
-            <a:r>
-              <a:rPr lang="en-US" sz="2000" dirty="0" smtClean="0">
-                <a:solidFill>
-                  <a:prstClr val="black"/>
-                </a:solidFill>
-                <a:latin typeface="Consolas"/>
-              </a:rPr>
-              <a:t>(</a:t>
-            </a:r>
-            <a:r>
-              <a:rPr lang="en-US" sz="2000" dirty="0" err="1">
-                <a:solidFill>
-                  <a:srgbClr val="0000FF"/>
-                </a:solidFill>
-                <a:latin typeface="Consolas"/>
-              </a:rPr>
-              <a:t>int</a:t>
-            </a:r>
-            <a:r>
-              <a:rPr lang="en-US" sz="2000" dirty="0">
-                <a:solidFill>
-                  <a:prstClr val="black"/>
-                </a:solidFill>
-                <a:latin typeface="Consolas"/>
-              </a:rPr>
-              <a:t> n, </a:t>
-            </a:r>
-            <a:r>
-              <a:rPr lang="en-US" sz="2000" dirty="0">
-                <a:solidFill>
-                  <a:srgbClr val="0000FF"/>
-                </a:solidFill>
-                <a:latin typeface="Consolas"/>
-              </a:rPr>
-              <a:t>double</a:t>
-            </a:r>
-            <a:r>
-              <a:rPr lang="en-US" sz="2000" dirty="0">
-                <a:solidFill>
-                  <a:prstClr val="black"/>
-                </a:solidFill>
-                <a:latin typeface="Consolas"/>
-              </a:rPr>
-              <a:t> x) =&gt; </a:t>
-            </a:r>
-            <a:r>
-              <a:rPr lang="en-US" sz="2000" dirty="0" err="1">
-                <a:solidFill>
-                  <a:srgbClr val="2B91AF"/>
-                </a:solidFill>
-                <a:latin typeface="Consolas"/>
-              </a:rPr>
-              <a:t>Math</a:t>
-            </a:r>
-            <a:r>
-              <a:rPr lang="en-US" sz="2000" dirty="0" err="1">
-                <a:solidFill>
-                  <a:prstClr val="black"/>
-                </a:solidFill>
-                <a:latin typeface="Consolas"/>
-              </a:rPr>
-              <a:t>.Pow</a:t>
-            </a:r>
-            <a:r>
-              <a:rPr lang="en-US" sz="2000" dirty="0">
-                <a:solidFill>
-                  <a:prstClr val="black"/>
-                </a:solidFill>
-                <a:latin typeface="Consolas"/>
-              </a:rPr>
-              <a:t>(x, n).</a:t>
-            </a:r>
-            <a:r>
-              <a:rPr lang="en-US" sz="2000" dirty="0" err="1">
-                <a:solidFill>
-                  <a:prstClr val="black"/>
-                </a:solidFill>
-                <a:latin typeface="Consolas"/>
-              </a:rPr>
-              <a:t>ToString</a:t>
-            </a:r>
-            <a:r>
-              <a:rPr lang="en-US" sz="2000" dirty="0" smtClean="0">
-                <a:solidFill>
-                  <a:prstClr val="black"/>
-                </a:solidFill>
-                <a:latin typeface="Consolas"/>
-              </a:rPr>
-              <a:t>();</a:t>
-            </a:r>
-            <a:endParaRPr lang="ru-RU" sz="2000" dirty="0" smtClean="0">
-              <a:solidFill>
-                <a:prstClr val="black"/>
-              </a:solidFill>
-              <a:latin typeface="Consolas"/>
-            </a:endParaRPr>
-          </a:p>
-          <a:p>
-            <a:pPr marL="0" indent="0">
-              <a:buNone/>
-            </a:pPr>
-            <a:endParaRPr lang="ru-RU" sz="2000" dirty="0" smtClean="0">
-              <a:solidFill>
-                <a:prstClr val="black"/>
-              </a:solidFill>
-              <a:latin typeface="Consolas"/>
-            </a:endParaRPr>
-          </a:p>
-          <a:p>
-            <a:pPr marL="0" indent="0">
-              <a:buNone/>
-            </a:pPr>
-            <a:r>
-              <a:rPr lang="en-US" sz="2000" dirty="0">
-                <a:solidFill>
-                  <a:srgbClr val="0000FF"/>
-                </a:solidFill>
-                <a:latin typeface="Consolas"/>
-              </a:rPr>
-              <a:t>string</a:t>
-            </a:r>
-            <a:r>
-              <a:rPr lang="en-US" sz="2000" dirty="0">
-                <a:solidFill>
-                  <a:prstClr val="black"/>
-                </a:solidFill>
-                <a:latin typeface="Consolas"/>
-              </a:rPr>
-              <a:t> s = f(2, 3.14);</a:t>
-            </a:r>
-          </a:p>
-          <a:p>
-            <a:pPr marL="0" indent="0">
-              <a:buNone/>
-            </a:pPr>
-            <a:endParaRPr lang="ru-RU" sz="2000" dirty="0">
-              <a:solidFill>
-                <a:prstClr val="black"/>
-              </a:solidFill>
-              <a:latin typeface="Consolas"/>
-            </a:endParaRPr>
-          </a:p>
-          <a:p>
-            <a:pPr marL="0" indent="0">
-              <a:buNone/>
-            </a:pPr>
-            <a:r>
-              <a:rPr lang="en-US" sz="2000" dirty="0" err="1">
-                <a:solidFill>
-                  <a:srgbClr val="2B91AF"/>
-                </a:solidFill>
-                <a:latin typeface="Consolas"/>
-              </a:rPr>
-              <a:t>Func</a:t>
-            </a:r>
-            <a:r>
-              <a:rPr lang="en-US" sz="2000" dirty="0">
-                <a:solidFill>
-                  <a:prstClr val="black"/>
-                </a:solidFill>
-                <a:latin typeface="Consolas"/>
-              </a:rPr>
-              <a:t>&lt;</a:t>
-            </a:r>
-            <a:r>
-              <a:rPr lang="en-US" sz="2000" u="sng" dirty="0" err="1">
-                <a:solidFill>
-                  <a:srgbClr val="0000FF"/>
-                </a:solidFill>
-                <a:latin typeface="Consolas"/>
-              </a:rPr>
-              <a:t>int</a:t>
-            </a:r>
-            <a:r>
-              <a:rPr lang="en-US" sz="2000" u="sng" dirty="0">
-                <a:solidFill>
-                  <a:prstClr val="black"/>
-                </a:solidFill>
-                <a:latin typeface="Consolas"/>
-              </a:rPr>
-              <a:t>, </a:t>
-            </a:r>
-            <a:r>
-              <a:rPr lang="en-US" sz="2000" u="sng" dirty="0">
-                <a:solidFill>
-                  <a:srgbClr val="0000FF"/>
-                </a:solidFill>
-                <a:latin typeface="Consolas"/>
-              </a:rPr>
-              <a:t>double</a:t>
-            </a:r>
-            <a:r>
-              <a:rPr lang="en-US" sz="2000" dirty="0">
-                <a:solidFill>
-                  <a:prstClr val="black"/>
-                </a:solidFill>
-                <a:latin typeface="Consolas"/>
-              </a:rPr>
-              <a:t>, </a:t>
-            </a:r>
-            <a:r>
-              <a:rPr lang="en-US" sz="2000" dirty="0">
-                <a:solidFill>
-                  <a:srgbClr val="0000FF"/>
-                </a:solidFill>
-                <a:latin typeface="Consolas"/>
-              </a:rPr>
-              <a:t>string</a:t>
-            </a:r>
-            <a:r>
-              <a:rPr lang="en-US" sz="2000" dirty="0">
-                <a:solidFill>
-                  <a:prstClr val="black"/>
-                </a:solidFill>
-                <a:latin typeface="Consolas"/>
-              </a:rPr>
-              <a:t>&gt; f = </a:t>
-            </a:r>
-            <a:endParaRPr lang="ru-RU" sz="2000" dirty="0">
-              <a:solidFill>
-                <a:prstClr val="black"/>
-              </a:solidFill>
-              <a:latin typeface="Consolas"/>
-            </a:endParaRPr>
-          </a:p>
-          <a:p>
-            <a:pPr marL="0" indent="0">
-              <a:buNone/>
-            </a:pPr>
-            <a:r>
-              <a:rPr lang="ru-RU" sz="2000" dirty="0">
-                <a:solidFill>
-                  <a:prstClr val="black"/>
-                </a:solidFill>
-                <a:latin typeface="Consolas"/>
-              </a:rPr>
-              <a:t>	</a:t>
-            </a:r>
-            <a:r>
-              <a:rPr lang="en-US" sz="2000" dirty="0" smtClean="0">
-                <a:solidFill>
-                  <a:prstClr val="black"/>
-                </a:solidFill>
-                <a:latin typeface="Consolas"/>
-              </a:rPr>
-              <a:t>(n</a:t>
-            </a:r>
-            <a:r>
-              <a:rPr lang="en-US" sz="2000" dirty="0">
-                <a:solidFill>
-                  <a:prstClr val="black"/>
-                </a:solidFill>
-                <a:latin typeface="Consolas"/>
-              </a:rPr>
-              <a:t>, </a:t>
-            </a:r>
-            <a:r>
-              <a:rPr lang="en-US" sz="2000" dirty="0" smtClean="0">
-                <a:solidFill>
-                  <a:prstClr val="black"/>
-                </a:solidFill>
-                <a:latin typeface="Consolas"/>
-              </a:rPr>
-              <a:t>x</a:t>
-            </a:r>
-            <a:r>
-              <a:rPr lang="en-US" sz="2000" dirty="0">
-                <a:solidFill>
-                  <a:prstClr val="black"/>
-                </a:solidFill>
-                <a:latin typeface="Consolas"/>
-              </a:rPr>
-              <a:t>) =&gt; </a:t>
-            </a:r>
-            <a:r>
-              <a:rPr lang="en-US" sz="2000" dirty="0" err="1">
-                <a:solidFill>
-                  <a:srgbClr val="2B91AF"/>
-                </a:solidFill>
-                <a:latin typeface="Consolas"/>
-              </a:rPr>
-              <a:t>Math</a:t>
-            </a:r>
-            <a:r>
-              <a:rPr lang="en-US" sz="2000" dirty="0" err="1">
-                <a:solidFill>
-                  <a:prstClr val="black"/>
-                </a:solidFill>
-                <a:latin typeface="Consolas"/>
-              </a:rPr>
-              <a:t>.Pow</a:t>
-            </a:r>
-            <a:r>
-              <a:rPr lang="en-US" sz="2000" dirty="0">
-                <a:solidFill>
-                  <a:prstClr val="black"/>
-                </a:solidFill>
-                <a:latin typeface="Consolas"/>
-              </a:rPr>
-              <a:t>(x, n).</a:t>
-            </a:r>
-            <a:r>
-              <a:rPr lang="en-US" sz="2000" dirty="0" err="1">
-                <a:solidFill>
-                  <a:prstClr val="black"/>
-                </a:solidFill>
-                <a:latin typeface="Consolas"/>
-              </a:rPr>
-              <a:t>ToString</a:t>
-            </a:r>
-            <a:r>
-              <a:rPr lang="en-US" sz="2000" dirty="0" smtClean="0">
-                <a:solidFill>
-                  <a:prstClr val="black"/>
-                </a:solidFill>
-                <a:latin typeface="Consolas"/>
-              </a:rPr>
-              <a:t>();</a:t>
-            </a:r>
-            <a:endParaRPr lang="ru-RU" sz="2000" dirty="0" smtClean="0">
-              <a:solidFill>
-                <a:prstClr val="black"/>
-              </a:solidFill>
-              <a:latin typeface="Consolas"/>
-            </a:endParaRPr>
-          </a:p>
-          <a:p>
-            <a:pPr marL="0" indent="0">
-              <a:buNone/>
-            </a:pPr>
-            <a:endParaRPr lang="en-US" sz="2000" dirty="0">
-              <a:solidFill>
-                <a:prstClr val="black"/>
-              </a:solidFill>
-              <a:latin typeface="Consolas"/>
-            </a:endParaRPr>
-          </a:p>
-          <a:p>
-            <a:pPr marL="0" indent="0">
-              <a:buNone/>
-            </a:pPr>
-            <a:endParaRPr lang="en-US" sz="2000" dirty="0">
-              <a:solidFill>
-                <a:prstClr val="black"/>
-              </a:solidFill>
-              <a:latin typeface="Consolas"/>
-            </a:endParaRPr>
-          </a:p>
-          <a:p>
-            <a:pPr marL="0" indent="0">
-              <a:buNone/>
-            </a:pPr>
-            <a:endParaRPr lang="ru-RU" sz="2000" dirty="0"/>
-          </a:p>
-        </p:txBody>
-      </p:sp>
-    </p:spTree>
-    <p:extLst>
-      <p:ext uri="{BB962C8B-B14F-4D97-AF65-F5344CB8AC3E}">
-        <p14:creationId xmlns:p14="http://schemas.microsoft.com/office/powerpoint/2010/main" val="3573643066"/>
-      </p:ext>
-    </p:extLst>
-  </p:cSld>
-  <p:clrMapOvr>
-    <a:masterClrMapping/>
-  </p:clrMapOvr>
-  <p:timing>
-    <p:tnLst>
-      <p:par>
-        <p:cTn id="1" dur="indefinite" restart="never" nodeType="tmRoot">
-          <p:childTnLst>
-            <p:seq concurrent="1" nextAc="seek">
-              <p:cTn id="2" dur="indefinite" nodeType="mainSeq">
-                <p:childTnLst>
-                  <p:par>
-                    <p:cTn id="3" fill="hold">
-                      <p:stCondLst>
-                        <p:cond delay="indefinite"/>
-                      </p:stCondLst>
-                      <p:childTnLst>
-                        <p:par>
-                          <p:cTn id="4" fill="hold">
-                            <p:stCondLst>
-                              <p:cond delay="0"/>
-                            </p:stCondLst>
-                            <p:childTnLst>
-                              <p:par>
-                                <p:cTn id="5" presetID="1" presetClass="entr" presetSubtype="0" fill="hold" nodeType="clickEffect">
-                                  <p:stCondLst>
-                                    <p:cond delay="0"/>
-                                  </p:stCondLst>
-                                  <p:childTnLst>
-                                    <p:set>
-                                      <p:cBhvr>
-                                        <p:cTn id="6" dur="1" fill="hold">
-                                          <p:stCondLst>
-                                            <p:cond delay="0"/>
-                                          </p:stCondLst>
-                                        </p:cTn>
-                                        <p:tgtEl>
-                                          <p:spTgt spid="3">
-                                            <p:txEl>
-                                              <p:pRg st="3" end="3"/>
-                                            </p:txEl>
-                                          </p:spTgt>
-                                        </p:tgtEl>
-                                        <p:attrNameLst>
-                                          <p:attrName>style.visibility</p:attrName>
-                                        </p:attrNameLst>
-                                      </p:cBhvr>
-                                      <p:to>
-                                        <p:strVal val="visible"/>
-                                      </p:to>
-                                    </p:set>
-                                  </p:childTnLst>
-                                </p:cTn>
-                              </p:par>
-                            </p:childTnLst>
-                          </p:cTn>
-                        </p:par>
-                      </p:childTnLst>
-                    </p:cTn>
-                  </p:par>
-                  <p:par>
-                    <p:cTn id="7" fill="hold">
-                      <p:stCondLst>
-                        <p:cond delay="indefinite"/>
-                      </p:stCondLst>
-                      <p:childTnLst>
-                        <p:par>
-                          <p:cTn id="8" fill="hold">
-                            <p:stCondLst>
-                              <p:cond delay="0"/>
-                            </p:stCondLst>
-                            <p:childTnLst>
-                              <p:par>
-                                <p:cTn id="9" presetID="1" presetClass="entr" presetSubtype="0" fill="hold" nodeType="clickEffect">
-                                  <p:stCondLst>
-                                    <p:cond delay="0"/>
-                                  </p:stCondLst>
-                                  <p:childTnLst>
-                                    <p:set>
-                                      <p:cBhvr>
-                                        <p:cTn id="10" dur="1" fill="hold">
-                                          <p:stCondLst>
-                                            <p:cond delay="0"/>
-                                          </p:stCondLst>
-                                        </p:cTn>
-                                        <p:tgtEl>
-                                          <p:spTgt spid="3">
-                                            <p:txEl>
-                                              <p:pRg st="5" end="5"/>
-                                            </p:txEl>
-                                          </p:spTgt>
-                                        </p:tgtEl>
-                                        <p:attrNameLst>
-                                          <p:attrName>style.visibility</p:attrName>
-                                        </p:attrNameLst>
-                                      </p:cBhvr>
-                                      <p:to>
-                                        <p:strVal val="visible"/>
-                                      </p:to>
-                                    </p:set>
-                                  </p:childTnLst>
-                                </p:cTn>
-                              </p:par>
-                              <p:par>
-                                <p:cTn id="11" presetID="1" presetClass="entr" presetSubtype="0" fill="hold" nodeType="withEffect">
-                                  <p:stCondLst>
-                                    <p:cond delay="0"/>
-                                  </p:stCondLst>
-                                  <p:childTnLst>
-                                    <p:set>
-                                      <p:cBhvr>
-                                        <p:cTn id="12" dur="1" fill="hold">
-                                          <p:stCondLst>
-                                            <p:cond delay="0"/>
-                                          </p:stCondLst>
-                                        </p:cTn>
-                                        <p:tgtEl>
-                                          <p:spTgt spid="3">
-                                            <p:txEl>
-                                              <p:pRg st="6" end="6"/>
-                                            </p:txEl>
-                                          </p:spTgt>
-                                        </p:tgtEl>
-                                        <p:attrNameLst>
-                                          <p:attrName>style.visibility</p:attrName>
-                                        </p:attrNameLst>
-                                      </p:cBhvr>
-                                      <p:to>
-                                        <p:strVal val="visible"/>
-                                      </p:to>
-                                    </p:set>
-                                  </p:childTnLst>
-                                </p:cTn>
-                              </p:par>
-                            </p:childTnLst>
-                          </p:cTn>
-                        </p:par>
-                      </p:childTnLst>
-                    </p:cTn>
-                  </p:par>
-                </p:childTnLst>
-              </p:cTn>
-              <p:prevCondLst>
-                <p:cond evt="onPrev" delay="0">
-                  <p:tgtEl>
-                    <p:sldTgt/>
-                  </p:tgtEl>
-                </p:cond>
-              </p:prevCondLst>
-              <p:nextCondLst>
-                <p:cond evt="onNext" delay="0">
-                  <p:tgtEl>
-                    <p:sldTgt/>
-                  </p:tgtEl>
-                </p:cond>
-              </p:nextCondLst>
-            </p:seq>
-          </p:childTnLst>
-        </p:cTn>
-      </p:par>
-    </p:tnLst>
-  </p:timing>
-</p:sld>
-</file>
-
-<file path=ppt/slides/slide5.xml><?xml version="1.0" encoding="utf-8"?>
-<p:sld xmlns:a="http://schemas.openxmlformats.org/drawingml/2006/main" xmlns:r="http://schemas.openxmlformats.org/officeDocument/2006/relationships" xmlns:p="http://schemas.openxmlformats.org/presentationml/2006/main">
-  <p:cSld>
-    <p:spTree>
-      <p:nvGrpSpPr>
-        <p:cNvPr id="1" name=""/>
-        <p:cNvGrpSpPr/>
-        <p:nvPr/>
-      </p:nvGrpSpPr>
-      <p:grpSpPr>
-        <a:xfrm>
-          <a:off x="0" y="0"/>
-          <a:ext cx="0" cy="0"/>
-          <a:chOff x="0" y="0"/>
-          <a:chExt cx="0" cy="0"/>
-        </a:xfrm>
-      </p:grpSpPr>
-      <p:sp>
-        <p:nvSpPr>
-          <p:cNvPr id="2" name="Заголовок 1"/>
-          <p:cNvSpPr>
-            <a:spLocks noGrp="1"/>
-          </p:cNvSpPr>
-          <p:nvPr>
-            <p:ph type="title"/>
-          </p:nvPr>
-        </p:nvSpPr>
-        <p:spPr/>
-        <p:txBody>
-          <a:bodyPr/>
-          <a:lstStyle/>
-          <a:p>
-            <a:r>
-              <a:rPr lang="ru-RU" b="1" dirty="0" smtClean="0">
-                <a:solidFill>
-                  <a:schemeClr val="accent6">
-                    <a:lumMod val="50000"/>
-                  </a:schemeClr>
-                </a:solidFill>
-              </a:rPr>
-              <a:t>Лямбда выражения</a:t>
-            </a:r>
-            <a:endParaRPr lang="ru-RU" b="1" dirty="0">
-              <a:solidFill>
-                <a:schemeClr val="accent6">
-                  <a:lumMod val="50000"/>
-                </a:schemeClr>
-              </a:solidFill>
-            </a:endParaRPr>
-          </a:p>
-        </p:txBody>
-      </p:sp>
-      <p:sp>
-        <p:nvSpPr>
-          <p:cNvPr id="3" name="Объект 2"/>
-          <p:cNvSpPr>
-            <a:spLocks noGrp="1"/>
-          </p:cNvSpPr>
-          <p:nvPr>
-            <p:ph idx="1"/>
-          </p:nvPr>
-        </p:nvSpPr>
-        <p:spPr/>
-        <p:txBody>
-          <a:bodyPr>
-            <a:normAutofit/>
-          </a:bodyPr>
-          <a:lstStyle/>
-          <a:p>
-            <a:pPr marL="0" indent="0">
-              <a:buNone/>
-            </a:pPr>
-            <a:r>
-              <a:rPr lang="en-US" sz="2000" dirty="0">
-                <a:solidFill>
-                  <a:srgbClr val="0000FF"/>
-                </a:solidFill>
-                <a:latin typeface="Consolas"/>
-              </a:rPr>
-              <a:t>string</a:t>
-            </a:r>
-            <a:r>
-              <a:rPr lang="en-US" sz="2000" dirty="0">
-                <a:solidFill>
-                  <a:prstClr val="black"/>
-                </a:solidFill>
-                <a:latin typeface="Consolas"/>
-              </a:rPr>
-              <a:t> </a:t>
-            </a:r>
-            <a:r>
-              <a:rPr lang="en-US" sz="2000" dirty="0" err="1">
-                <a:solidFill>
-                  <a:prstClr val="black"/>
-                </a:solidFill>
-                <a:latin typeface="Consolas"/>
-              </a:rPr>
-              <a:t>greatings</a:t>
-            </a:r>
-            <a:r>
-              <a:rPr lang="en-US" sz="2000" dirty="0">
-                <a:solidFill>
-                  <a:prstClr val="black"/>
-                </a:solidFill>
-                <a:latin typeface="Consolas"/>
-              </a:rPr>
-              <a:t> = </a:t>
-            </a:r>
-            <a:r>
-              <a:rPr lang="en-US" sz="2000" dirty="0">
-                <a:solidFill>
-                  <a:srgbClr val="A31515"/>
-                </a:solidFill>
-                <a:latin typeface="Consolas"/>
-              </a:rPr>
-              <a:t>"Hello, </a:t>
-            </a:r>
-            <a:r>
-              <a:rPr lang="en-US" sz="2000" dirty="0" smtClean="0">
-                <a:solidFill>
-                  <a:srgbClr val="A31515"/>
-                </a:solidFill>
-                <a:latin typeface="Consolas"/>
-              </a:rPr>
-              <a:t>"</a:t>
-            </a:r>
-            <a:r>
-              <a:rPr lang="en-US" sz="2000" dirty="0" smtClean="0">
-                <a:solidFill>
-                  <a:prstClr val="black"/>
-                </a:solidFill>
-                <a:latin typeface="Consolas"/>
-              </a:rPr>
-              <a:t>;</a:t>
-            </a:r>
-            <a:endParaRPr lang="en-US" sz="2000" dirty="0">
-              <a:solidFill>
-                <a:prstClr val="black"/>
-              </a:solidFill>
-              <a:latin typeface="Consolas"/>
-            </a:endParaRPr>
-          </a:p>
-          <a:p>
-            <a:pPr marL="0" indent="0">
-              <a:buNone/>
-            </a:pPr>
-            <a:endParaRPr lang="ru-RU" sz="2000" dirty="0" smtClean="0">
-              <a:solidFill>
-                <a:srgbClr val="2B91AF"/>
-              </a:solidFill>
-              <a:latin typeface="Consolas"/>
-            </a:endParaRPr>
-          </a:p>
-          <a:p>
-            <a:pPr marL="0" indent="0">
-              <a:buNone/>
-            </a:pPr>
-            <a:r>
-              <a:rPr lang="en-US" sz="2000" dirty="0" smtClean="0">
-                <a:solidFill>
-                  <a:srgbClr val="2B91AF"/>
-                </a:solidFill>
-                <a:latin typeface="Consolas"/>
-              </a:rPr>
-              <a:t>Action</a:t>
-            </a:r>
-            <a:r>
-              <a:rPr lang="en-US" sz="2000" dirty="0" smtClean="0">
-                <a:solidFill>
-                  <a:prstClr val="black"/>
-                </a:solidFill>
-                <a:latin typeface="Consolas"/>
-              </a:rPr>
-              <a:t>&lt;</a:t>
-            </a:r>
-            <a:r>
-              <a:rPr lang="en-US" sz="2000" dirty="0" smtClean="0">
-                <a:solidFill>
-                  <a:srgbClr val="0000FF"/>
-                </a:solidFill>
-                <a:latin typeface="Consolas"/>
-              </a:rPr>
-              <a:t>string</a:t>
-            </a:r>
-            <a:r>
-              <a:rPr lang="en-US" sz="2000" dirty="0">
-                <a:solidFill>
-                  <a:prstClr val="black"/>
-                </a:solidFill>
-                <a:latin typeface="Consolas"/>
-              </a:rPr>
-              <a:t>&gt; write = name =&gt; </a:t>
-            </a:r>
-            <a:r>
-              <a:rPr lang="en-US" sz="2000" dirty="0" smtClean="0">
-                <a:solidFill>
-                  <a:prstClr val="black"/>
-                </a:solidFill>
-                <a:latin typeface="Consolas"/>
-              </a:rPr>
-              <a:t>	</a:t>
-            </a:r>
-            <a:r>
-              <a:rPr lang="en-US" sz="2000" dirty="0" err="1" smtClean="0">
-                <a:solidFill>
-                  <a:srgbClr val="2B91AF"/>
-                </a:solidFill>
-                <a:latin typeface="Consolas"/>
-              </a:rPr>
-              <a:t>Console</a:t>
-            </a:r>
-            <a:r>
-              <a:rPr lang="en-US" sz="2000" dirty="0" err="1" smtClean="0">
-                <a:solidFill>
-                  <a:prstClr val="black"/>
-                </a:solidFill>
-                <a:latin typeface="Consolas"/>
-              </a:rPr>
-              <a:t>.WriteLine</a:t>
-            </a:r>
-            <a:r>
-              <a:rPr lang="en-US" sz="2000" dirty="0" smtClean="0">
-                <a:solidFill>
-                  <a:prstClr val="black"/>
-                </a:solidFill>
-                <a:latin typeface="Consolas"/>
-              </a:rPr>
-              <a:t>(</a:t>
-            </a:r>
-            <a:r>
-              <a:rPr lang="en-US" sz="2000" dirty="0" err="1" smtClean="0">
-                <a:solidFill>
-                  <a:prstClr val="black"/>
-                </a:solidFill>
-                <a:latin typeface="Consolas"/>
-              </a:rPr>
-              <a:t>greatings</a:t>
-            </a:r>
-            <a:r>
-              <a:rPr lang="en-US" sz="2000" dirty="0" smtClean="0">
-                <a:solidFill>
-                  <a:prstClr val="black"/>
-                </a:solidFill>
-                <a:latin typeface="Consolas"/>
-              </a:rPr>
-              <a:t> </a:t>
-            </a:r>
-            <a:r>
-              <a:rPr lang="en-US" sz="2000" dirty="0">
-                <a:solidFill>
-                  <a:prstClr val="black"/>
-                </a:solidFill>
-                <a:latin typeface="Consolas"/>
-              </a:rPr>
-              <a:t>+ name);</a:t>
-            </a:r>
-          </a:p>
-          <a:p>
-            <a:pPr marL="0" indent="0">
-              <a:buNone/>
-            </a:pPr>
-            <a:r>
-              <a:rPr lang="en-US" sz="2000" dirty="0">
-                <a:solidFill>
-                  <a:prstClr val="black"/>
-                </a:solidFill>
-                <a:latin typeface="Consolas"/>
-              </a:rPr>
-              <a:t>write(</a:t>
-            </a:r>
-            <a:r>
-              <a:rPr lang="en-US" sz="2000" dirty="0">
-                <a:solidFill>
-                  <a:srgbClr val="A31515"/>
-                </a:solidFill>
-                <a:latin typeface="Consolas"/>
-              </a:rPr>
-              <a:t>"Pavel</a:t>
-            </a:r>
-            <a:r>
-              <a:rPr lang="en-US" sz="2000" dirty="0" smtClean="0">
-                <a:solidFill>
-                  <a:srgbClr val="A31515"/>
-                </a:solidFill>
-                <a:latin typeface="Consolas"/>
-              </a:rPr>
-              <a:t>"</a:t>
-            </a:r>
-            <a:r>
-              <a:rPr lang="en-US" sz="2000" dirty="0" smtClean="0">
-                <a:solidFill>
-                  <a:prstClr val="black"/>
-                </a:solidFill>
-                <a:latin typeface="Consolas"/>
-              </a:rPr>
-              <a:t>);</a:t>
-            </a:r>
-          </a:p>
-          <a:p>
-            <a:pPr marL="0" indent="0">
-              <a:buNone/>
-            </a:pPr>
-            <a:endParaRPr lang="en-US" sz="2000" dirty="0">
-              <a:solidFill>
-                <a:prstClr val="black"/>
-              </a:solidFill>
-              <a:latin typeface="Consolas"/>
-            </a:endParaRPr>
-          </a:p>
-          <a:p>
-            <a:pPr marL="0" indent="0">
-              <a:buNone/>
-            </a:pPr>
-            <a:r>
-              <a:rPr lang="en-US" sz="2000" dirty="0" err="1">
-                <a:solidFill>
-                  <a:prstClr val="black"/>
-                </a:solidFill>
-                <a:latin typeface="Consolas"/>
-              </a:rPr>
-              <a:t>greatings</a:t>
-            </a:r>
-            <a:r>
-              <a:rPr lang="en-US" sz="2000" dirty="0">
-                <a:solidFill>
-                  <a:prstClr val="black"/>
-                </a:solidFill>
-                <a:latin typeface="Consolas"/>
-              </a:rPr>
-              <a:t> = </a:t>
-            </a:r>
-            <a:r>
-              <a:rPr lang="en-US" sz="2000" dirty="0">
-                <a:solidFill>
-                  <a:srgbClr val="A31515"/>
-                </a:solidFill>
-                <a:latin typeface="Consolas"/>
-              </a:rPr>
-              <a:t>"hi, "</a:t>
-            </a:r>
-            <a:r>
-              <a:rPr lang="en-US" sz="2000" dirty="0">
-                <a:solidFill>
-                  <a:prstClr val="black"/>
-                </a:solidFill>
-                <a:latin typeface="Consolas"/>
-              </a:rPr>
-              <a:t>;</a:t>
-            </a:r>
-          </a:p>
-          <a:p>
-            <a:pPr marL="0" indent="0">
-              <a:buNone/>
-            </a:pPr>
-            <a:r>
-              <a:rPr lang="en-US" sz="2000" dirty="0">
-                <a:solidFill>
-                  <a:prstClr val="black"/>
-                </a:solidFill>
-                <a:latin typeface="Consolas"/>
-              </a:rPr>
-              <a:t>write(</a:t>
-            </a:r>
-            <a:r>
-              <a:rPr lang="en-US" sz="2000" dirty="0">
-                <a:solidFill>
-                  <a:srgbClr val="A31515"/>
-                </a:solidFill>
-                <a:latin typeface="Consolas"/>
-              </a:rPr>
-              <a:t>"Ivan</a:t>
-            </a:r>
-            <a:r>
-              <a:rPr lang="en-US" sz="2000" dirty="0" smtClean="0">
-                <a:solidFill>
-                  <a:srgbClr val="A31515"/>
-                </a:solidFill>
-                <a:latin typeface="Consolas"/>
-              </a:rPr>
-              <a:t>"</a:t>
-            </a:r>
-            <a:r>
-              <a:rPr lang="en-US" sz="2000" dirty="0" smtClean="0">
-                <a:solidFill>
-                  <a:prstClr val="black"/>
-                </a:solidFill>
-                <a:latin typeface="Consolas"/>
-              </a:rPr>
-              <a:t>);</a:t>
-            </a:r>
-            <a:endParaRPr lang="en-US" sz="2000" dirty="0">
-              <a:solidFill>
-                <a:prstClr val="black"/>
-              </a:solidFill>
-              <a:latin typeface="Consolas"/>
-            </a:endParaRPr>
-          </a:p>
-        </p:txBody>
-      </p:sp>
-    </p:spTree>
-    <p:extLst>
-      <p:ext uri="{BB962C8B-B14F-4D97-AF65-F5344CB8AC3E}">
-        <p14:creationId xmlns:p14="http://schemas.microsoft.com/office/powerpoint/2010/main" val="3794277724"/>
-      </p:ext>
-    </p:extLst>
-  </p:cSld>
-  <p:clrMapOvr>
-    <a:masterClrMapping/>
-  </p:clrMapOvr>
-  <p:timing>
-    <p:tnLst>
-      <p:par>
-        <p:cTn id="1" dur="indefinite" restart="never" nodeType="tmRoot">
-          <p:childTnLst>
-            <p:seq concurrent="1" nextAc="seek">
-              <p:cTn id="2" dur="indefinite" nodeType="mainSeq">
-                <p:childTnLst>
-                  <p:par>
-                    <p:cTn id="3" fill="hold">
-                      <p:stCondLst>
-                        <p:cond delay="indefinite"/>
-                      </p:stCondLst>
-                      <p:childTnLst>
-                        <p:par>
-                          <p:cTn id="4" fill="hold">
-                            <p:stCondLst>
-                              <p:cond delay="0"/>
-                            </p:stCondLst>
-                            <p:childTnLst>
-                              <p:par>
-                                <p:cTn id="5" presetID="1" presetClass="entr" presetSubtype="0" fill="hold" nodeType="clickEffect">
-                                  <p:stCondLst>
-                                    <p:cond delay="0"/>
-                                  </p:stCondLst>
-                                  <p:childTnLst>
-                                    <p:set>
-                                      <p:cBhvr>
-                                        <p:cTn id="6" dur="1" fill="hold">
-                                          <p:stCondLst>
-                                            <p:cond delay="0"/>
-                                          </p:stCondLst>
-                                        </p:cTn>
-                                        <p:tgtEl>
-                                          <p:spTgt spid="3">
-                                            <p:txEl>
-                                              <p:pRg st="5" end="5"/>
-                                            </p:txEl>
-                                          </p:spTgt>
-                                        </p:tgtEl>
-                                        <p:attrNameLst>
-                                          <p:attrName>style.visibility</p:attrName>
-                                        </p:attrNameLst>
-                                      </p:cBhvr>
-                                      <p:to>
-                                        <p:strVal val="visible"/>
-                                      </p:to>
-                                    </p:set>
-                                  </p:childTnLst>
-                                </p:cTn>
-                              </p:par>
-                              <p:par>
-                                <p:cTn id="7" presetID="1" presetClass="entr" presetSubtype="0" fill="hold" nodeType="withEffect">
-                                  <p:stCondLst>
-                                    <p:cond delay="0"/>
-                                  </p:stCondLst>
-                                  <p:childTnLst>
-                                    <p:set>
-                                      <p:cBhvr>
-                                        <p:cTn id="8" dur="1" fill="hold">
-                                          <p:stCondLst>
-                                            <p:cond delay="0"/>
-                                          </p:stCondLst>
-                                        </p:cTn>
-                                        <p:tgtEl>
-                                          <p:spTgt spid="3">
-                                            <p:txEl>
-                                              <p:pRg st="6" end="6"/>
-                                            </p:txEl>
-                                          </p:spTgt>
-                                        </p:tgtEl>
-                                        <p:attrNameLst>
-                                          <p:attrName>style.visibility</p:attrName>
-                                        </p:attrNameLst>
-                                      </p:cBhvr>
-                                      <p:to>
-                                        <p:strVal val="visible"/>
-                                      </p:to>
-                                    </p:set>
-                                  </p:childTnLst>
-                                </p:cTn>
-                              </p:par>
-                            </p:childTnLst>
-                          </p:cTn>
-                        </p:par>
-                      </p:childTnLst>
-                    </p:cTn>
-                  </p:par>
-                </p:childTnLst>
-              </p:cTn>
-              <p:prevCondLst>
-                <p:cond evt="onPrev" delay="0">
-                  <p:tgtEl>
-                    <p:sldTgt/>
-                  </p:tgtEl>
-                </p:cond>
-              </p:prevCondLst>
-              <p:nextCondLst>
-                <p:cond evt="onNext" delay="0">
-                  <p:tgtEl>
-                    <p:sldTgt/>
-                  </p:tgtEl>
-                </p:cond>
-              </p:nextCondLst>
-            </p:seq>
-          </p:childTnLst>
-        </p:cTn>
-      </p:par>
-    </p:tnLst>
-  </p:timing>
-</p:sld>
-</file>
-
-<file path=ppt/slides/slide6.xml><?xml version="1.0" encoding="utf-8"?>
-<p:sld xmlns:a="http://schemas.openxmlformats.org/drawingml/2006/main" xmlns:r="http://schemas.openxmlformats.org/officeDocument/2006/relationships" xmlns:p="http://schemas.openxmlformats.org/presentationml/2006/main">
-  <p:cSld>
-    <p:spTree>
-      <p:nvGrpSpPr>
-        <p:cNvPr id="1" name=""/>
-        <p:cNvGrpSpPr/>
-        <p:nvPr/>
-      </p:nvGrpSpPr>
-      <p:grpSpPr>
-        <a:xfrm>
-          <a:off x="0" y="0"/>
-          <a:ext cx="0" cy="0"/>
-          <a:chOff x="0" y="0"/>
-          <a:chExt cx="0" cy="0"/>
-        </a:xfrm>
-      </p:grpSpPr>
-      <p:sp>
-        <p:nvSpPr>
-          <p:cNvPr id="2" name="Заголовок 1"/>
-          <p:cNvSpPr>
-            <a:spLocks noGrp="1"/>
-          </p:cNvSpPr>
-          <p:nvPr>
-            <p:ph type="title"/>
-          </p:nvPr>
-        </p:nvSpPr>
-        <p:spPr/>
-        <p:txBody>
-          <a:bodyPr/>
-          <a:lstStyle/>
-          <a:p>
-            <a:r>
               <a:rPr lang="en-US" b="1" dirty="0" smtClean="0">
                 <a:solidFill>
                   <a:schemeClr val="accent6">
@@ -11347,12 +9525,6 @@
               </a:rPr>
               <a:t>b)</a:t>
             </a:r>
-            <a:endParaRPr lang="en-US" sz="2400" dirty="0" smtClean="0">
-              <a:solidFill>
-                <a:prstClr val="black"/>
-              </a:solidFill>
-              <a:latin typeface="Consolas"/>
-            </a:endParaRPr>
           </a:p>
           <a:p>
             <a:pPr marL="0" indent="0">
@@ -11394,16 +9566,7 @@
                 </a:solidFill>
                 <a:latin typeface="Consolas"/>
               </a:rPr>
-              <a:t> </a:t>
-            </a:r>
-            <a:r>
-              <a:rPr lang="en-US" sz="2400" dirty="0" smtClean="0">
-                <a:solidFill>
-                  <a:prstClr val="black"/>
-                </a:solidFill>
-                <a:latin typeface="Consolas"/>
-              </a:rPr>
-              <a:t>a + b;</a:t>
+              <a:t> a + b;</a:t>
             </a:r>
             <a:endParaRPr lang="en-US" sz="2400" dirty="0">
               <a:solidFill>
@@ -11598,7 +9761,7 @@
 </p:sld>
 </file>
 
-<file path=ppt/slides/slide7.xml><?xml version="1.0" encoding="utf-8"?>
+<file path=ppt/slides/slide5.xml><?xml version="1.0" encoding="utf-8"?>
 <p:sld xmlns:a="http://schemas.openxmlformats.org/drawingml/2006/main" xmlns:r="http://schemas.openxmlformats.org/officeDocument/2006/relationships" xmlns:p="http://schemas.openxmlformats.org/presentationml/2006/main">
   <p:cSld>
     <p:spTree>
@@ -11792,12 +9955,6 @@
               </a:rPr>
               <a:t>b)</a:t>
             </a:r>
-            <a:endParaRPr lang="en-US" sz="2400" dirty="0" smtClean="0">
-              <a:solidFill>
-                <a:prstClr val="black"/>
-              </a:solidFill>
-              <a:latin typeface="Consolas"/>
-            </a:endParaRPr>
           </a:p>
           <a:p>
             <a:pPr marL="0" indent="0">
@@ -11839,16 +9996,7 @@
                 </a:solidFill>
                 <a:latin typeface="Consolas"/>
               </a:rPr>
-              <a:t> </a:t>
-            </a:r>
-            <a:r>
-              <a:rPr lang="en-US" sz="2400" dirty="0" smtClean="0">
-                <a:solidFill>
-                  <a:prstClr val="black"/>
-                </a:solidFill>
-                <a:latin typeface="Consolas"/>
-              </a:rPr>
-              <a:t>a + b;</a:t>
+              <a:t> a + b;</a:t>
             </a:r>
             <a:endParaRPr lang="en-US" sz="2400" dirty="0">
               <a:solidFill>
@@ -11968,7 +10116,7 @@
 </p:sld>
 </file>
 
-<file path=ppt/slides/slide8.xml><?xml version="1.0" encoding="utf-8"?>
+<file path=ppt/slides/slide6.xml><?xml version="1.0" encoding="utf-8"?>
 <p:sld xmlns:a="http://schemas.openxmlformats.org/drawingml/2006/main" xmlns:r="http://schemas.openxmlformats.org/officeDocument/2006/relationships" xmlns:p="http://schemas.openxmlformats.org/presentationml/2006/main">
   <p:cSld>
     <p:spTree>
@@ -12035,7 +10183,7 @@
 </p:sld>
 </file>
 
-<file path=ppt/slides/slide9.xml><?xml version="1.0" encoding="utf-8"?>
+<file path=ppt/slides/slide7.xml><?xml version="1.0" encoding="utf-8"?>
 <p:sld xmlns:a="http://schemas.openxmlformats.org/drawingml/2006/main" xmlns:r="http://schemas.openxmlformats.org/officeDocument/2006/relationships" xmlns:p="http://schemas.openxmlformats.org/presentationml/2006/main">
   <p:cSld>
     <p:spTree>
@@ -12855,6 +11003,1275 @@
                                               <p:pRg st="10" end="10"/>
                                             </p:txEl>
                                           </p:spTgt>
+                                        </p:tgtEl>
+                                        <p:attrNameLst>
+                                          <p:attrName>style.visibility</p:attrName>
+                                        </p:attrNameLst>
+                                      </p:cBhvr>
+                                      <p:to>
+                                        <p:strVal val="visible"/>
+                                      </p:to>
+                                    </p:set>
+                                  </p:childTnLst>
+                                </p:cTn>
+                              </p:par>
+                            </p:childTnLst>
+                          </p:cTn>
+                        </p:par>
+                      </p:childTnLst>
+                    </p:cTn>
+                  </p:par>
+                </p:childTnLst>
+              </p:cTn>
+              <p:prevCondLst>
+                <p:cond evt="onPrev" delay="0">
+                  <p:tgtEl>
+                    <p:sldTgt/>
+                  </p:tgtEl>
+                </p:cond>
+              </p:prevCondLst>
+              <p:nextCondLst>
+                <p:cond evt="onNext" delay="0">
+                  <p:tgtEl>
+                    <p:sldTgt/>
+                  </p:tgtEl>
+                </p:cond>
+              </p:nextCondLst>
+            </p:seq>
+          </p:childTnLst>
+        </p:cTn>
+      </p:par>
+    </p:tnLst>
+  </p:timing>
+</p:sld>
+</file>
+
+<file path=ppt/slides/slide8.xml><?xml version="1.0" encoding="utf-8"?>
+<p:sld xmlns:a="http://schemas.openxmlformats.org/drawingml/2006/main" xmlns:r="http://schemas.openxmlformats.org/officeDocument/2006/relationships" xmlns:p="http://schemas.openxmlformats.org/presentationml/2006/main">
+  <p:cSld>
+    <p:spTree>
+      <p:nvGrpSpPr>
+        <p:cNvPr id="1" name=""/>
+        <p:cNvGrpSpPr/>
+        <p:nvPr/>
+      </p:nvGrpSpPr>
+      <p:grpSpPr>
+        <a:xfrm>
+          <a:off x="0" y="0"/>
+          <a:ext cx="0" cy="0"/>
+          <a:chOff x="0" y="0"/>
+          <a:chExt cx="0" cy="0"/>
+        </a:xfrm>
+      </p:grpSpPr>
+      <p:sp>
+        <p:nvSpPr>
+          <p:cNvPr id="2" name="Заголовок 1"/>
+          <p:cNvSpPr>
+            <a:spLocks noGrp="1"/>
+          </p:cNvSpPr>
+          <p:nvPr>
+            <p:ph type="title"/>
+          </p:nvPr>
+        </p:nvSpPr>
+        <p:spPr/>
+        <p:txBody>
+          <a:bodyPr/>
+          <a:lstStyle/>
+          <a:p>
+            <a:r>
+              <a:rPr lang="ru-RU" b="1" dirty="0" smtClean="0">
+                <a:solidFill>
+                  <a:schemeClr val="accent6">
+                    <a:lumMod val="50000"/>
+                  </a:schemeClr>
+                </a:solidFill>
+              </a:rPr>
+              <a:t>Класс </a:t>
+            </a:r>
+            <a:r>
+              <a:rPr lang="en-US" b="1" dirty="0" smtClean="0">
+                <a:solidFill>
+                  <a:schemeClr val="accent6">
+                    <a:lumMod val="50000"/>
+                  </a:schemeClr>
+                </a:solidFill>
+              </a:rPr>
+              <a:t>Enumerable</a:t>
+            </a:r>
+            <a:endParaRPr lang="ru-RU" b="1" dirty="0">
+              <a:solidFill>
+                <a:schemeClr val="accent6">
+                  <a:lumMod val="50000"/>
+                </a:schemeClr>
+              </a:solidFill>
+            </a:endParaRPr>
+          </a:p>
+        </p:txBody>
+      </p:sp>
+      <p:sp>
+        <p:nvSpPr>
+          <p:cNvPr id="3" name="Объект 2"/>
+          <p:cNvSpPr>
+            <a:spLocks noGrp="1"/>
+          </p:cNvSpPr>
+          <p:nvPr>
+            <p:ph idx="1"/>
+          </p:nvPr>
+        </p:nvSpPr>
+        <p:spPr>
+          <a:xfrm>
+            <a:off x="467360" y="1600200"/>
+            <a:ext cx="8497128" cy="4525963"/>
+          </a:xfrm>
+        </p:spPr>
+        <p:txBody>
+          <a:bodyPr>
+            <a:normAutofit/>
+          </a:bodyPr>
+          <a:lstStyle/>
+          <a:p>
+            <a:pPr marL="0" indent="0">
+              <a:buNone/>
+            </a:pPr>
+            <a:r>
+              <a:rPr lang="en-US" sz="2000" dirty="0" err="1">
+                <a:solidFill>
+                  <a:srgbClr val="2B91AF"/>
+                </a:solidFill>
+                <a:latin typeface="Consolas"/>
+              </a:rPr>
+              <a:t>Enumerable</a:t>
+            </a:r>
+            <a:r>
+              <a:rPr lang="en-US" sz="2000" dirty="0" err="1" smtClean="0">
+                <a:solidFill>
+                  <a:prstClr val="black"/>
+                </a:solidFill>
+                <a:latin typeface="Consolas"/>
+              </a:rPr>
+              <a:t>.Max</a:t>
+            </a:r>
+            <a:endParaRPr lang="en-US" sz="2000" dirty="0" smtClean="0">
+              <a:solidFill>
+                <a:prstClr val="black"/>
+              </a:solidFill>
+              <a:latin typeface="Consolas"/>
+            </a:endParaRPr>
+          </a:p>
+          <a:p>
+            <a:pPr marL="0" indent="0">
+              <a:buNone/>
+            </a:pPr>
+            <a:r>
+              <a:rPr lang="en-US" sz="2000" dirty="0" err="1">
+                <a:solidFill>
+                  <a:srgbClr val="2B91AF"/>
+                </a:solidFill>
+                <a:latin typeface="Consolas"/>
+              </a:rPr>
+              <a:t>Enumerable</a:t>
+            </a:r>
+            <a:r>
+              <a:rPr lang="en-US" sz="2000" dirty="0" err="1" smtClean="0">
+                <a:solidFill>
+                  <a:prstClr val="black"/>
+                </a:solidFill>
+                <a:latin typeface="Consolas"/>
+              </a:rPr>
+              <a:t>.Any</a:t>
+            </a:r>
+            <a:endParaRPr lang="en-US" sz="2000" dirty="0" smtClean="0">
+              <a:solidFill>
+                <a:prstClr val="black"/>
+              </a:solidFill>
+              <a:latin typeface="Consolas"/>
+            </a:endParaRPr>
+          </a:p>
+          <a:p>
+            <a:pPr marL="0" indent="0">
+              <a:buNone/>
+            </a:pPr>
+            <a:r>
+              <a:rPr lang="en-US" sz="2000" dirty="0" err="1">
+                <a:solidFill>
+                  <a:srgbClr val="2B91AF"/>
+                </a:solidFill>
+                <a:latin typeface="Consolas"/>
+              </a:rPr>
+              <a:t>Enumerable</a:t>
+            </a:r>
+            <a:r>
+              <a:rPr lang="en-US" sz="2000" dirty="0" err="1" smtClean="0">
+                <a:solidFill>
+                  <a:prstClr val="black"/>
+                </a:solidFill>
+                <a:latin typeface="Consolas"/>
+              </a:rPr>
+              <a:t>.All</a:t>
+            </a:r>
+            <a:endParaRPr lang="en-US" sz="2000" dirty="0" smtClean="0">
+              <a:solidFill>
+                <a:prstClr val="black"/>
+              </a:solidFill>
+              <a:latin typeface="Consolas"/>
+            </a:endParaRPr>
+          </a:p>
+          <a:p>
+            <a:pPr marL="0" indent="0">
+              <a:buNone/>
+            </a:pPr>
+            <a:r>
+              <a:rPr lang="en-US" sz="2000" dirty="0" err="1">
+                <a:solidFill>
+                  <a:srgbClr val="2B91AF"/>
+                </a:solidFill>
+                <a:latin typeface="Consolas"/>
+              </a:rPr>
+              <a:t>Enumerable</a:t>
+            </a:r>
+            <a:r>
+              <a:rPr lang="en-US" sz="2000" dirty="0" err="1" smtClean="0">
+                <a:solidFill>
+                  <a:prstClr val="black"/>
+                </a:solidFill>
+                <a:latin typeface="Consolas"/>
+              </a:rPr>
+              <a:t>.Where</a:t>
+            </a:r>
+            <a:endParaRPr lang="en-US" sz="2000" dirty="0" smtClean="0">
+              <a:solidFill>
+                <a:prstClr val="black"/>
+              </a:solidFill>
+              <a:latin typeface="Consolas"/>
+            </a:endParaRPr>
+          </a:p>
+          <a:p>
+            <a:pPr marL="0" indent="0">
+              <a:buNone/>
+            </a:pPr>
+            <a:r>
+              <a:rPr lang="en-US" sz="2000" dirty="0" err="1" smtClean="0">
+                <a:solidFill>
+                  <a:srgbClr val="2B91AF"/>
+                </a:solidFill>
+                <a:latin typeface="Consolas"/>
+              </a:rPr>
+              <a:t>Enumerable</a:t>
+            </a:r>
+            <a:r>
+              <a:rPr lang="en-US" sz="2000" dirty="0" err="1" smtClean="0">
+                <a:solidFill>
+                  <a:prstClr val="black"/>
+                </a:solidFill>
+                <a:latin typeface="Consolas"/>
+              </a:rPr>
+              <a:t>.Select</a:t>
+            </a:r>
+            <a:endParaRPr lang="en-US" sz="2000" dirty="0" smtClean="0">
+              <a:solidFill>
+                <a:prstClr val="black"/>
+              </a:solidFill>
+              <a:latin typeface="Consolas"/>
+            </a:endParaRPr>
+          </a:p>
+          <a:p>
+            <a:pPr marL="0" indent="0">
+              <a:buNone/>
+            </a:pPr>
+            <a:r>
+              <a:rPr lang="en-US" sz="2000" dirty="0" smtClean="0">
+                <a:solidFill>
+                  <a:srgbClr val="2B91AF"/>
+                </a:solidFill>
+                <a:latin typeface="Consolas"/>
+              </a:rPr>
+              <a:t>...</a:t>
+            </a:r>
+          </a:p>
+          <a:p>
+            <a:pPr marL="0" indent="0">
+              <a:buNone/>
+            </a:pPr>
+            <a:endParaRPr lang="en-US" sz="2000" dirty="0" smtClean="0">
+              <a:solidFill>
+                <a:srgbClr val="2B91AF"/>
+              </a:solidFill>
+              <a:latin typeface="Consolas"/>
+            </a:endParaRPr>
+          </a:p>
+          <a:p>
+            <a:pPr marL="0" indent="0">
+              <a:buNone/>
+            </a:pPr>
+            <a:r>
+              <a:rPr lang="en-US" sz="2000" dirty="0" smtClean="0">
+                <a:solidFill>
+                  <a:srgbClr val="2B91AF"/>
+                </a:solidFill>
+                <a:latin typeface="Consolas"/>
+              </a:rPr>
+              <a:t>Enumerable</a:t>
+            </a:r>
+            <a:r>
+              <a:rPr lang="en-US" sz="2000" dirty="0" smtClean="0">
+                <a:solidFill>
+                  <a:prstClr val="black"/>
+                </a:solidFill>
+                <a:latin typeface="Consolas"/>
+              </a:rPr>
+              <a:t>.</a:t>
+            </a:r>
+            <a:r>
+              <a:rPr lang="ru-RU" sz="2000" dirty="0" smtClean="0">
+                <a:solidFill>
+                  <a:prstClr val="black"/>
+                </a:solidFill>
+                <a:latin typeface="Consolas"/>
+              </a:rPr>
+              <a:t>* </a:t>
+            </a:r>
+            <a:r>
+              <a:rPr lang="en-US" sz="2000" dirty="0"/>
+              <a:t>Over 9000 </a:t>
+            </a:r>
+            <a:r>
+              <a:rPr lang="ru-RU" sz="2000" dirty="0"/>
+              <a:t>вспомогательных </a:t>
+            </a:r>
+            <a:r>
+              <a:rPr lang="ru-RU" sz="2000" dirty="0" smtClean="0"/>
+              <a:t>методов</a:t>
+            </a:r>
+            <a:r>
+              <a:rPr lang="en-US" sz="2000" dirty="0" smtClean="0"/>
+              <a:t> </a:t>
+            </a:r>
+            <a:r>
+              <a:rPr lang="ru-RU" sz="2000" dirty="0" smtClean="0"/>
+              <a:t>расширений!</a:t>
+            </a:r>
+            <a:endParaRPr lang="ru-RU" sz="2000" dirty="0" smtClean="0">
+              <a:solidFill>
+                <a:prstClr val="black"/>
+              </a:solidFill>
+              <a:latin typeface="Consolas"/>
+            </a:endParaRPr>
+          </a:p>
+          <a:p>
+            <a:pPr marL="0" indent="0">
+              <a:buNone/>
+            </a:pPr>
+            <a:endParaRPr lang="ru-RU" sz="2000" dirty="0" smtClean="0">
+              <a:solidFill>
+                <a:prstClr val="black"/>
+              </a:solidFill>
+              <a:latin typeface="Consolas"/>
+            </a:endParaRPr>
+          </a:p>
+        </p:txBody>
+      </p:sp>
+    </p:spTree>
+    <p:extLst>
+      <p:ext uri="{BB962C8B-B14F-4D97-AF65-F5344CB8AC3E}">
+        <p14:creationId xmlns:p14="http://schemas.microsoft.com/office/powerpoint/2010/main" val="3448297217"/>
+      </p:ext>
+    </p:extLst>
+  </p:cSld>
+  <p:clrMapOvr>
+    <a:masterClrMapping/>
+  </p:clrMapOvr>
+  <p:timing>
+    <p:tnLst>
+      <p:par>
+        <p:cTn id="1" dur="indefinite" restart="never" nodeType="tmRoot"/>
+      </p:par>
+    </p:tnLst>
+  </p:timing>
+</p:sld>
+</file>
+
+<file path=ppt/slides/slide9.xml><?xml version="1.0" encoding="utf-8"?>
+<p:sld xmlns:a="http://schemas.openxmlformats.org/drawingml/2006/main" xmlns:r="http://schemas.openxmlformats.org/officeDocument/2006/relationships" xmlns:p="http://schemas.openxmlformats.org/presentationml/2006/main">
+  <p:cSld>
+    <p:spTree>
+      <p:nvGrpSpPr>
+        <p:cNvPr id="1" name=""/>
+        <p:cNvGrpSpPr/>
+        <p:nvPr/>
+      </p:nvGrpSpPr>
+      <p:grpSpPr>
+        <a:xfrm>
+          <a:off x="0" y="0"/>
+          <a:ext cx="0" cy="0"/>
+          <a:chOff x="0" y="0"/>
+          <a:chExt cx="0" cy="0"/>
+        </a:xfrm>
+      </p:grpSpPr>
+      <p:sp>
+        <p:nvSpPr>
+          <p:cNvPr id="2" name="Заголовок 1"/>
+          <p:cNvSpPr>
+            <a:spLocks noGrp="1"/>
+          </p:cNvSpPr>
+          <p:nvPr>
+            <p:ph type="title"/>
+          </p:nvPr>
+        </p:nvSpPr>
+        <p:spPr/>
+        <p:txBody>
+          <a:bodyPr/>
+          <a:lstStyle/>
+          <a:p>
+            <a:r>
+              <a:rPr lang="ru-RU" dirty="0"/>
+              <a:t>Класс </a:t>
+            </a:r>
+            <a:r>
+              <a:rPr lang="en-US" dirty="0"/>
+              <a:t>Enumerable</a:t>
+            </a:r>
+            <a:endParaRPr lang="ru-RU" b="1" dirty="0">
+              <a:solidFill>
+                <a:schemeClr val="accent6">
+                  <a:lumMod val="50000"/>
+                </a:schemeClr>
+              </a:solidFill>
+            </a:endParaRPr>
+          </a:p>
+        </p:txBody>
+      </p:sp>
+      <p:sp>
+        <p:nvSpPr>
+          <p:cNvPr id="3" name="Объект 2"/>
+          <p:cNvSpPr>
+            <a:spLocks noGrp="1"/>
+          </p:cNvSpPr>
+          <p:nvPr>
+            <p:ph idx="1"/>
+          </p:nvPr>
+        </p:nvSpPr>
+        <p:spPr>
+          <a:xfrm>
+            <a:off x="446856" y="1340768"/>
+            <a:ext cx="8229600" cy="3672408"/>
+          </a:xfrm>
+        </p:spPr>
+        <p:txBody>
+          <a:bodyPr>
+            <a:noAutofit/>
+          </a:bodyPr>
+          <a:lstStyle/>
+          <a:p>
+            <a:pPr marL="0" indent="0">
+              <a:buNone/>
+            </a:pPr>
+            <a:r>
+              <a:rPr lang="en-US" sz="1800" dirty="0" smtClean="0">
+                <a:solidFill>
+                  <a:srgbClr val="0000FF"/>
+                </a:solidFill>
+                <a:latin typeface="Consolas"/>
+              </a:rPr>
+              <a:t>public</a:t>
+            </a:r>
+            <a:r>
+              <a:rPr lang="en-US" sz="1800" dirty="0" smtClean="0">
+                <a:solidFill>
+                  <a:prstClr val="black"/>
+                </a:solidFill>
+                <a:latin typeface="Consolas"/>
+              </a:rPr>
+              <a:t> </a:t>
+            </a:r>
+            <a:r>
+              <a:rPr lang="en-US" sz="1800" dirty="0">
+                <a:solidFill>
+                  <a:srgbClr val="0000FF"/>
+                </a:solidFill>
+                <a:latin typeface="Consolas"/>
+              </a:rPr>
+              <a:t>static</a:t>
+            </a:r>
+            <a:r>
+              <a:rPr lang="en-US" sz="1800" dirty="0">
+                <a:solidFill>
+                  <a:prstClr val="black"/>
+                </a:solidFill>
+                <a:latin typeface="Consolas"/>
+              </a:rPr>
+              <a:t> </a:t>
+            </a:r>
+            <a:r>
+              <a:rPr lang="en-US" sz="1800" dirty="0" err="1">
+                <a:solidFill>
+                  <a:srgbClr val="0000FF"/>
+                </a:solidFill>
+                <a:latin typeface="Consolas"/>
+              </a:rPr>
+              <a:t>bool</a:t>
+            </a:r>
+            <a:r>
+              <a:rPr lang="en-US" sz="1800" dirty="0">
+                <a:solidFill>
+                  <a:prstClr val="black"/>
+                </a:solidFill>
+                <a:latin typeface="Consolas"/>
+              </a:rPr>
+              <a:t> All&lt;</a:t>
+            </a:r>
+            <a:r>
+              <a:rPr lang="en-US" sz="1800" dirty="0" err="1">
+                <a:solidFill>
+                  <a:prstClr val="black"/>
+                </a:solidFill>
+                <a:latin typeface="Consolas"/>
+              </a:rPr>
+              <a:t>TSource</a:t>
+            </a:r>
+            <a:r>
+              <a:rPr lang="en-US" sz="1800" dirty="0" smtClean="0">
+                <a:solidFill>
+                  <a:prstClr val="black"/>
+                </a:solidFill>
+                <a:latin typeface="Consolas"/>
+              </a:rPr>
+              <a:t>&gt;</a:t>
+            </a:r>
+            <a:r>
+              <a:rPr lang="en-US" sz="1800" dirty="0">
+                <a:solidFill>
+                  <a:prstClr val="black"/>
+                </a:solidFill>
+                <a:latin typeface="Consolas"/>
+              </a:rPr>
+              <a:t> </a:t>
+            </a:r>
+            <a:endParaRPr lang="en-US" sz="1800" dirty="0" smtClean="0">
+              <a:solidFill>
+                <a:prstClr val="black"/>
+              </a:solidFill>
+              <a:latin typeface="Consolas"/>
+            </a:endParaRPr>
+          </a:p>
+          <a:p>
+            <a:pPr marL="0" indent="0">
+              <a:buNone/>
+            </a:pPr>
+            <a:r>
+              <a:rPr lang="en-US" sz="1800" dirty="0" smtClean="0">
+                <a:solidFill>
+                  <a:prstClr val="black"/>
+                </a:solidFill>
+                <a:latin typeface="Consolas"/>
+              </a:rPr>
+              <a:t>	(</a:t>
+            </a:r>
+            <a:r>
+              <a:rPr lang="en-US" sz="1800" dirty="0" smtClean="0">
+                <a:solidFill>
+                  <a:srgbClr val="0000FF"/>
+                </a:solidFill>
+                <a:latin typeface="Consolas"/>
+              </a:rPr>
+              <a:t>this</a:t>
+            </a:r>
+            <a:r>
+              <a:rPr lang="en-US" sz="1800" dirty="0" smtClean="0">
+                <a:solidFill>
+                  <a:prstClr val="black"/>
+                </a:solidFill>
+                <a:latin typeface="Consolas"/>
+              </a:rPr>
+              <a:t> </a:t>
+            </a:r>
+            <a:r>
+              <a:rPr lang="en-US" sz="1800" dirty="0" err="1">
+                <a:solidFill>
+                  <a:srgbClr val="2B91AF"/>
+                </a:solidFill>
+                <a:latin typeface="Consolas"/>
+              </a:rPr>
+              <a:t>IEnumerable</a:t>
+            </a:r>
+            <a:r>
+              <a:rPr lang="en-US" sz="1800" dirty="0">
+                <a:solidFill>
+                  <a:prstClr val="black"/>
+                </a:solidFill>
+                <a:latin typeface="Consolas"/>
+              </a:rPr>
+              <a:t>&lt;</a:t>
+            </a:r>
+            <a:r>
+              <a:rPr lang="en-US" sz="1800" dirty="0" err="1">
+                <a:solidFill>
+                  <a:prstClr val="black"/>
+                </a:solidFill>
+                <a:latin typeface="Consolas"/>
+              </a:rPr>
+              <a:t>TSource</a:t>
+            </a:r>
+            <a:r>
+              <a:rPr lang="en-US" sz="1800" dirty="0">
+                <a:solidFill>
+                  <a:prstClr val="black"/>
+                </a:solidFill>
+                <a:latin typeface="Consolas"/>
+              </a:rPr>
+              <a:t>&gt; source, </a:t>
+            </a:r>
+            <a:r>
+              <a:rPr lang="en-US" sz="1800" dirty="0" smtClean="0">
+                <a:solidFill>
+                  <a:prstClr val="black"/>
+                </a:solidFill>
+                <a:latin typeface="Consolas"/>
+              </a:rPr>
+              <a:t/>
+            </a:r>
+            <a:br>
+              <a:rPr lang="en-US" sz="1800" dirty="0" smtClean="0">
+                <a:solidFill>
+                  <a:prstClr val="black"/>
+                </a:solidFill>
+                <a:latin typeface="Consolas"/>
+              </a:rPr>
+            </a:br>
+            <a:r>
+              <a:rPr lang="en-US" sz="1800" dirty="0" smtClean="0">
+                <a:solidFill>
+                  <a:prstClr val="black"/>
+                </a:solidFill>
+                <a:latin typeface="Consolas"/>
+              </a:rPr>
+              <a:t>	</a:t>
+            </a:r>
+            <a:r>
+              <a:rPr lang="en-US" sz="1800" dirty="0" err="1" smtClean="0">
+                <a:solidFill>
+                  <a:srgbClr val="2B91AF"/>
+                </a:solidFill>
+                <a:latin typeface="Consolas"/>
+              </a:rPr>
+              <a:t>Func</a:t>
+            </a:r>
+            <a:r>
+              <a:rPr lang="en-US" sz="1800" dirty="0" smtClean="0">
+                <a:solidFill>
+                  <a:prstClr val="black"/>
+                </a:solidFill>
+                <a:latin typeface="Consolas"/>
+              </a:rPr>
+              <a:t>&lt;</a:t>
+            </a:r>
+            <a:r>
+              <a:rPr lang="en-US" sz="1800" dirty="0" err="1" smtClean="0">
+                <a:solidFill>
+                  <a:prstClr val="black"/>
+                </a:solidFill>
+                <a:latin typeface="Consolas"/>
+              </a:rPr>
+              <a:t>TSource</a:t>
+            </a:r>
+            <a:r>
+              <a:rPr lang="en-US" sz="1800" dirty="0">
+                <a:solidFill>
+                  <a:prstClr val="black"/>
+                </a:solidFill>
+                <a:latin typeface="Consolas"/>
+              </a:rPr>
+              <a:t>, </a:t>
+            </a:r>
+            <a:r>
+              <a:rPr lang="en-US" sz="1800" dirty="0" err="1">
+                <a:solidFill>
+                  <a:srgbClr val="0000FF"/>
+                </a:solidFill>
+                <a:latin typeface="Consolas"/>
+              </a:rPr>
+              <a:t>bool</a:t>
+            </a:r>
+            <a:r>
+              <a:rPr lang="en-US" sz="1800" dirty="0">
+                <a:solidFill>
+                  <a:prstClr val="black"/>
+                </a:solidFill>
+                <a:latin typeface="Consolas"/>
+              </a:rPr>
+              <a:t>&gt; predicate) </a:t>
+            </a:r>
+            <a:endParaRPr lang="en-US" sz="1800" dirty="0" smtClean="0">
+              <a:solidFill>
+                <a:prstClr val="black"/>
+              </a:solidFill>
+              <a:latin typeface="Consolas"/>
+            </a:endParaRPr>
+          </a:p>
+          <a:p>
+            <a:pPr marL="0" indent="0">
+              <a:buNone/>
+            </a:pPr>
+            <a:r>
+              <a:rPr lang="en-US" sz="1800" dirty="0" smtClean="0">
+                <a:solidFill>
+                  <a:prstClr val="black"/>
+                </a:solidFill>
+                <a:latin typeface="Consolas"/>
+              </a:rPr>
+              <a:t>{</a:t>
+            </a:r>
+            <a:endParaRPr lang="en-US" sz="1800" dirty="0">
+              <a:solidFill>
+                <a:prstClr val="black"/>
+              </a:solidFill>
+              <a:latin typeface="Consolas"/>
+            </a:endParaRPr>
+          </a:p>
+          <a:p>
+            <a:pPr marL="0" indent="0">
+              <a:buNone/>
+            </a:pPr>
+            <a:r>
+              <a:rPr lang="en-US" sz="1800" dirty="0" smtClean="0">
+                <a:solidFill>
+                  <a:srgbClr val="0000FF"/>
+                </a:solidFill>
+                <a:latin typeface="Consolas"/>
+              </a:rPr>
+              <a:t>	</a:t>
+            </a:r>
+            <a:r>
+              <a:rPr lang="en-US" sz="1800" dirty="0" err="1" smtClean="0">
+                <a:solidFill>
+                  <a:srgbClr val="0000FF"/>
+                </a:solidFill>
+                <a:latin typeface="Consolas"/>
+              </a:rPr>
+              <a:t>foreach</a:t>
+            </a:r>
+            <a:r>
+              <a:rPr lang="en-US" sz="1800" dirty="0" smtClean="0">
+                <a:solidFill>
+                  <a:prstClr val="black"/>
+                </a:solidFill>
+                <a:latin typeface="Consolas"/>
+              </a:rPr>
+              <a:t> </a:t>
+            </a:r>
+            <a:r>
+              <a:rPr lang="en-US" sz="1800" dirty="0">
+                <a:solidFill>
+                  <a:prstClr val="black"/>
+                </a:solidFill>
+                <a:latin typeface="Consolas"/>
+              </a:rPr>
+              <a:t>(</a:t>
+            </a:r>
+            <a:r>
+              <a:rPr lang="en-US" sz="1800" dirty="0" err="1">
+                <a:solidFill>
+                  <a:prstClr val="black"/>
+                </a:solidFill>
+                <a:latin typeface="Consolas"/>
+              </a:rPr>
+              <a:t>TSource</a:t>
+            </a:r>
+            <a:r>
+              <a:rPr lang="en-US" sz="1800" dirty="0">
+                <a:solidFill>
+                  <a:prstClr val="black"/>
+                </a:solidFill>
+                <a:latin typeface="Consolas"/>
+              </a:rPr>
+              <a:t> element </a:t>
+            </a:r>
+            <a:r>
+              <a:rPr lang="en-US" sz="1800" dirty="0">
+                <a:solidFill>
+                  <a:srgbClr val="0000FF"/>
+                </a:solidFill>
+                <a:latin typeface="Consolas"/>
+              </a:rPr>
+              <a:t>in</a:t>
+            </a:r>
+            <a:r>
+              <a:rPr lang="en-US" sz="1800" dirty="0">
+                <a:solidFill>
+                  <a:prstClr val="black"/>
+                </a:solidFill>
+                <a:latin typeface="Consolas"/>
+              </a:rPr>
+              <a:t> source</a:t>
+            </a:r>
+            <a:r>
+              <a:rPr lang="en-US" sz="1800" dirty="0" smtClean="0">
+                <a:solidFill>
+                  <a:prstClr val="black"/>
+                </a:solidFill>
+                <a:latin typeface="Consolas"/>
+              </a:rPr>
+              <a:t>)</a:t>
+            </a:r>
+            <a:endParaRPr lang="en-US" sz="1800" dirty="0">
+              <a:solidFill>
+                <a:prstClr val="black"/>
+              </a:solidFill>
+              <a:latin typeface="Consolas"/>
+            </a:endParaRPr>
+          </a:p>
+          <a:p>
+            <a:pPr marL="0" indent="0">
+              <a:buNone/>
+            </a:pPr>
+            <a:r>
+              <a:rPr lang="en-US" sz="1800" dirty="0" smtClean="0">
+                <a:solidFill>
+                  <a:srgbClr val="0000FF"/>
+                </a:solidFill>
+                <a:latin typeface="Consolas"/>
+              </a:rPr>
+              <a:t>		if</a:t>
+            </a:r>
+            <a:r>
+              <a:rPr lang="en-US" sz="1800" dirty="0" smtClean="0">
+                <a:solidFill>
+                  <a:prstClr val="black"/>
+                </a:solidFill>
+                <a:latin typeface="Consolas"/>
+              </a:rPr>
+              <a:t> </a:t>
+            </a:r>
+            <a:r>
+              <a:rPr lang="en-US" sz="1800" dirty="0">
+                <a:solidFill>
+                  <a:prstClr val="black"/>
+                </a:solidFill>
+                <a:latin typeface="Consolas"/>
+              </a:rPr>
+              <a:t>(!predicate(element)) </a:t>
+            </a:r>
+            <a:r>
+              <a:rPr lang="en-US" sz="1800" dirty="0">
+                <a:solidFill>
+                  <a:srgbClr val="0000FF"/>
+                </a:solidFill>
+                <a:latin typeface="Consolas"/>
+              </a:rPr>
+              <a:t>return</a:t>
+            </a:r>
+            <a:r>
+              <a:rPr lang="en-US" sz="1800" dirty="0">
+                <a:solidFill>
+                  <a:prstClr val="black"/>
+                </a:solidFill>
+                <a:latin typeface="Consolas"/>
+              </a:rPr>
+              <a:t> </a:t>
+            </a:r>
+            <a:r>
+              <a:rPr lang="en-US" sz="1800" dirty="0">
+                <a:solidFill>
+                  <a:srgbClr val="0000FF"/>
+                </a:solidFill>
+                <a:latin typeface="Consolas"/>
+              </a:rPr>
+              <a:t>false</a:t>
+            </a:r>
+            <a:r>
+              <a:rPr lang="en-US" sz="1800" dirty="0">
+                <a:solidFill>
+                  <a:prstClr val="black"/>
+                </a:solidFill>
+                <a:latin typeface="Consolas"/>
+              </a:rPr>
+              <a:t>; </a:t>
+            </a:r>
+          </a:p>
+          <a:p>
+            <a:pPr marL="0" indent="0">
+              <a:buNone/>
+            </a:pPr>
+            <a:r>
+              <a:rPr lang="en-US" sz="1800" dirty="0" smtClean="0">
+                <a:solidFill>
+                  <a:srgbClr val="0000FF"/>
+                </a:solidFill>
+                <a:latin typeface="Consolas"/>
+              </a:rPr>
+              <a:t>	return</a:t>
+            </a:r>
+            <a:r>
+              <a:rPr lang="en-US" sz="1800" dirty="0" smtClean="0">
+                <a:solidFill>
+                  <a:prstClr val="black"/>
+                </a:solidFill>
+                <a:latin typeface="Consolas"/>
+              </a:rPr>
+              <a:t> </a:t>
+            </a:r>
+            <a:r>
+              <a:rPr lang="en-US" sz="1800" dirty="0">
+                <a:solidFill>
+                  <a:srgbClr val="0000FF"/>
+                </a:solidFill>
+                <a:latin typeface="Consolas"/>
+              </a:rPr>
+              <a:t>true</a:t>
+            </a:r>
+            <a:r>
+              <a:rPr lang="en-US" sz="1800" dirty="0">
+                <a:solidFill>
+                  <a:prstClr val="black"/>
+                </a:solidFill>
+                <a:latin typeface="Consolas"/>
+              </a:rPr>
+              <a:t>;</a:t>
+            </a:r>
+          </a:p>
+          <a:p>
+            <a:pPr marL="0" indent="0">
+              <a:buNone/>
+            </a:pPr>
+            <a:r>
+              <a:rPr lang="ru-RU" sz="1800" dirty="0" smtClean="0">
+                <a:solidFill>
+                  <a:prstClr val="black"/>
+                </a:solidFill>
+                <a:latin typeface="Consolas"/>
+              </a:rPr>
+              <a:t>}</a:t>
+            </a:r>
+            <a:endParaRPr lang="en-US" sz="1800" dirty="0" smtClean="0">
+              <a:solidFill>
+                <a:prstClr val="black"/>
+              </a:solidFill>
+              <a:latin typeface="Consolas"/>
+            </a:endParaRPr>
+          </a:p>
+          <a:p>
+            <a:pPr marL="0" indent="0">
+              <a:buNone/>
+            </a:pPr>
+            <a:endParaRPr lang="en-US" sz="1800" dirty="0" smtClean="0">
+              <a:solidFill>
+                <a:prstClr val="black"/>
+              </a:solidFill>
+              <a:latin typeface="Consolas"/>
+            </a:endParaRPr>
+          </a:p>
+          <a:p>
+            <a:pPr marL="0" indent="0">
+              <a:buNone/>
+            </a:pPr>
+            <a:r>
+              <a:rPr lang="en-US" sz="1800" dirty="0">
+                <a:solidFill>
+                  <a:srgbClr val="0000FF"/>
+                </a:solidFill>
+                <a:latin typeface="Consolas"/>
+              </a:rPr>
+              <a:t>using</a:t>
+            </a:r>
+            <a:r>
+              <a:rPr lang="en-US" sz="1800" dirty="0">
+                <a:solidFill>
+                  <a:prstClr val="black"/>
+                </a:solidFill>
+                <a:latin typeface="Consolas"/>
+              </a:rPr>
+              <a:t> </a:t>
+            </a:r>
+            <a:r>
+              <a:rPr lang="en-US" sz="1800" dirty="0" err="1">
+                <a:solidFill>
+                  <a:prstClr val="black"/>
+                </a:solidFill>
+                <a:latin typeface="Consolas"/>
+              </a:rPr>
+              <a:t>System.Linq</a:t>
+            </a:r>
+            <a:r>
+              <a:rPr lang="en-US" sz="1800" dirty="0" smtClean="0">
+                <a:solidFill>
+                  <a:prstClr val="black"/>
+                </a:solidFill>
+                <a:latin typeface="Consolas"/>
+              </a:rPr>
+              <a:t>;</a:t>
+            </a:r>
+          </a:p>
+          <a:p>
+            <a:pPr marL="0" indent="0">
+              <a:buNone/>
+            </a:pPr>
+            <a:r>
+              <a:rPr lang="en-US" sz="1800" dirty="0" smtClean="0">
+                <a:solidFill>
+                  <a:prstClr val="black"/>
+                </a:solidFill>
+                <a:latin typeface="Consolas"/>
+              </a:rPr>
+              <a:t>...</a:t>
+            </a:r>
+          </a:p>
+          <a:p>
+            <a:pPr marL="0" indent="0">
+              <a:buNone/>
+            </a:pPr>
+            <a:r>
+              <a:rPr lang="en-US" sz="1800" dirty="0" err="1" smtClean="0">
+                <a:solidFill>
+                  <a:srgbClr val="0000FF"/>
+                </a:solidFill>
+                <a:latin typeface="Consolas"/>
+              </a:rPr>
+              <a:t>var</a:t>
+            </a:r>
+            <a:r>
+              <a:rPr lang="en-US" sz="1800" dirty="0" smtClean="0">
+                <a:solidFill>
+                  <a:prstClr val="black"/>
+                </a:solidFill>
+                <a:latin typeface="Consolas"/>
+              </a:rPr>
+              <a:t> </a:t>
+            </a:r>
+            <a:r>
+              <a:rPr lang="en-US" sz="1800" dirty="0" err="1">
+                <a:solidFill>
+                  <a:prstClr val="black"/>
+                </a:solidFill>
+                <a:latin typeface="Consolas"/>
+              </a:rPr>
+              <a:t>allPositive</a:t>
+            </a:r>
+            <a:r>
+              <a:rPr lang="en-US" sz="1800" dirty="0">
+                <a:solidFill>
+                  <a:prstClr val="black"/>
+                </a:solidFill>
+                <a:latin typeface="Consolas"/>
+              </a:rPr>
+              <a:t> = </a:t>
+            </a:r>
+            <a:r>
+              <a:rPr lang="en-US" sz="1800" dirty="0" err="1">
+                <a:solidFill>
+                  <a:prstClr val="black"/>
+                </a:solidFill>
+                <a:latin typeface="Consolas"/>
+              </a:rPr>
+              <a:t>array.All</a:t>
+            </a:r>
+            <a:r>
+              <a:rPr lang="en-US" sz="1800" dirty="0">
+                <a:solidFill>
+                  <a:prstClr val="black"/>
+                </a:solidFill>
+                <a:latin typeface="Consolas"/>
+              </a:rPr>
+              <a:t>(x =&gt; x &gt; 0);</a:t>
+            </a:r>
+          </a:p>
+        </p:txBody>
+      </p:sp>
+      <p:pic>
+        <p:nvPicPr>
+          <p:cNvPr id="1026" name="Picture 2" descr="http://puu.sh/CfTT"/>
+          <p:cNvPicPr>
+            <a:picLocks noChangeAspect="1" noChangeArrowheads="1"/>
+          </p:cNvPicPr>
+          <p:nvPr/>
+        </p:nvPicPr>
+        <p:blipFill>
+          <a:blip r:embed="rId2">
+            <a:extLst>
+              <a:ext uri="{28A0092B-C50C-407E-A947-70E740481C1C}">
+                <a14:useLocalDpi xmlns:a14="http://schemas.microsoft.com/office/drawing/2010/main" val="0"/>
+              </a:ext>
+            </a:extLst>
+          </a:blip>
+          <a:srcRect/>
+          <a:stretch>
+            <a:fillRect/>
+          </a:stretch>
+        </p:blipFill>
+        <p:spPr bwMode="auto">
+          <a:xfrm>
+            <a:off x="395536" y="4077072"/>
+            <a:ext cx="10977941" cy="2808312"/>
+          </a:xfrm>
+          <a:prstGeom prst="rect">
+            <a:avLst/>
+          </a:prstGeom>
+          <a:noFill/>
+          <a:extLst>
+            <a:ext uri="{909E8E84-426E-40DD-AFC4-6F175D3DCCD1}">
+              <a14:hiddenFill xmlns:a14="http://schemas.microsoft.com/office/drawing/2010/main">
+                <a:solidFill>
+                  <a:srgbClr val="FFFFFF"/>
+                </a:solidFill>
+              </a14:hiddenFill>
+            </a:ext>
+          </a:extLst>
+        </p:spPr>
+      </p:pic>
+    </p:spTree>
+    <p:extLst>
+      <p:ext uri="{BB962C8B-B14F-4D97-AF65-F5344CB8AC3E}">
+        <p14:creationId xmlns:p14="http://schemas.microsoft.com/office/powerpoint/2010/main" val="1098390308"/>
+      </p:ext>
+    </p:extLst>
+  </p:cSld>
+  <p:clrMapOvr>
+    <a:masterClrMapping/>
+  </p:clrMapOvr>
+  <p:timing>
+    <p:tnLst>
+      <p:par>
+        <p:cTn id="1" dur="indefinite" restart="never" nodeType="tmRoot">
+          <p:childTnLst>
+            <p:seq concurrent="1" nextAc="seek">
+              <p:cTn id="2" dur="indefinite" nodeType="mainSeq">
+                <p:childTnLst>
+                  <p:par>
+                    <p:cTn id="3" fill="hold">
+                      <p:stCondLst>
+                        <p:cond delay="indefinite"/>
+                      </p:stCondLst>
+                      <p:childTnLst>
+                        <p:par>
+                          <p:cTn id="4" fill="hold">
+                            <p:stCondLst>
+                              <p:cond delay="0"/>
+                            </p:stCondLst>
+                            <p:childTnLst>
+                              <p:par>
+                                <p:cTn id="5" presetID="1" presetClass="entr" presetSubtype="0" fill="hold" nodeType="clickEffect">
+                                  <p:stCondLst>
+                                    <p:cond delay="0"/>
+                                  </p:stCondLst>
+                                  <p:childTnLst>
+                                    <p:set>
+                                      <p:cBhvr>
+                                        <p:cTn id="6" dur="1" fill="hold">
+                                          <p:stCondLst>
+                                            <p:cond delay="0"/>
+                                          </p:stCondLst>
+                                        </p:cTn>
+                                        <p:tgtEl>
+                                          <p:spTgt spid="3">
+                                            <p:txEl>
+                                              <p:pRg st="8" end="8"/>
+                                            </p:txEl>
+                                          </p:spTgt>
+                                        </p:tgtEl>
+                                        <p:attrNameLst>
+                                          <p:attrName>style.visibility</p:attrName>
+                                        </p:attrNameLst>
+                                      </p:cBhvr>
+                                      <p:to>
+                                        <p:strVal val="visible"/>
+                                      </p:to>
+                                    </p:set>
+                                  </p:childTnLst>
+                                </p:cTn>
+                              </p:par>
+                              <p:par>
+                                <p:cTn id="7" presetID="1" presetClass="entr" presetSubtype="0" fill="hold" nodeType="withEffect">
+                                  <p:stCondLst>
+                                    <p:cond delay="0"/>
+                                  </p:stCondLst>
+                                  <p:childTnLst>
+                                    <p:set>
+                                      <p:cBhvr>
+                                        <p:cTn id="8" dur="1" fill="hold">
+                                          <p:stCondLst>
+                                            <p:cond delay="0"/>
+                                          </p:stCondLst>
+                                        </p:cTn>
+                                        <p:tgtEl>
+                                          <p:spTgt spid="3">
+                                            <p:txEl>
+                                              <p:pRg st="9" end="9"/>
+                                            </p:txEl>
+                                          </p:spTgt>
+                                        </p:tgtEl>
+                                        <p:attrNameLst>
+                                          <p:attrName>style.visibility</p:attrName>
+                                        </p:attrNameLst>
+                                      </p:cBhvr>
+                                      <p:to>
+                                        <p:strVal val="visible"/>
+                                      </p:to>
+                                    </p:set>
+                                  </p:childTnLst>
+                                </p:cTn>
+                              </p:par>
+                              <p:par>
+                                <p:cTn id="9" presetID="1" presetClass="entr" presetSubtype="0" fill="hold" nodeType="withEffect">
+                                  <p:stCondLst>
+                                    <p:cond delay="0"/>
+                                  </p:stCondLst>
+                                  <p:childTnLst>
+                                    <p:set>
+                                      <p:cBhvr>
+                                        <p:cTn id="10" dur="1" fill="hold">
+                                          <p:stCondLst>
+                                            <p:cond delay="0"/>
+                                          </p:stCondLst>
+                                        </p:cTn>
+                                        <p:tgtEl>
+                                          <p:spTgt spid="3">
+                                            <p:txEl>
+                                              <p:pRg st="10" end="10"/>
+                                            </p:txEl>
+                                          </p:spTgt>
+                                        </p:tgtEl>
+                                        <p:attrNameLst>
+                                          <p:attrName>style.visibility</p:attrName>
+                                        </p:attrNameLst>
+                                      </p:cBhvr>
+                                      <p:to>
+                                        <p:strVal val="visible"/>
+                                      </p:to>
+                                    </p:set>
+                                  </p:childTnLst>
+                                </p:cTn>
+                              </p:par>
+                            </p:childTnLst>
+                          </p:cTn>
+                        </p:par>
+                      </p:childTnLst>
+                    </p:cTn>
+                  </p:par>
+                  <p:par>
+                    <p:cTn id="11" fill="hold">
+                      <p:stCondLst>
+                        <p:cond delay="indefinite"/>
+                      </p:stCondLst>
+                      <p:childTnLst>
+                        <p:par>
+                          <p:cTn id="12" fill="hold">
+                            <p:stCondLst>
+                              <p:cond delay="0"/>
+                            </p:stCondLst>
+                            <p:childTnLst>
+                              <p:par>
+                                <p:cTn id="13" presetID="1" presetClass="entr" presetSubtype="0" fill="hold" nodeType="clickEffect">
+                                  <p:stCondLst>
+                                    <p:cond delay="0"/>
+                                  </p:stCondLst>
+                                  <p:childTnLst>
+                                    <p:set>
+                                      <p:cBhvr>
+                                        <p:cTn id="14" dur="1" fill="hold">
+                                          <p:stCondLst>
+                                            <p:cond delay="0"/>
+                                          </p:stCondLst>
+                                        </p:cTn>
+                                        <p:tgtEl>
+                                          <p:spTgt spid="1026"/>
                                         </p:tgtEl>
                                         <p:attrNameLst>
                                           <p:attrName>style.visibility</p:attrName>

--- a/03-Linq/Linq.pptx
+++ b/03-Linq/Linq.pptx
@@ -213,7 +213,7 @@
           <a:p>
             <a:fld id="{2C2C51BA-9C8E-4938-991B-0B9DAB69953D}" type="datetimeFigureOut">
               <a:rPr lang="ru-RU" smtClean="0"/>
-              <a:t>27.06.2014</a:t>
+              <a:t>01.07.2014</a:t>
             </a:fld>
             <a:endParaRPr lang="ru-RU"/>
           </a:p>
@@ -378,7 +378,7 @@
           <a:p>
             <a:fld id="{426FB16C-8069-43A4-A09F-21010F2DDFB6}" type="datetimeFigureOut">
               <a:rPr lang="ru-RU" smtClean="0"/>
-              <a:t>27.06.2014</a:t>
+              <a:t>01.07.2014</a:t>
             </a:fld>
             <a:endParaRPr lang="ru-RU"/>
           </a:p>
@@ -1085,7 +1085,7 @@
           <a:p>
             <a:fld id="{8097313E-B044-4ACF-96A1-82807229EA96}" type="datetimeFigureOut">
               <a:rPr lang="ru-RU" smtClean="0"/>
-              <a:t>27.06.2014</a:t>
+              <a:t>01.07.2014</a:t>
             </a:fld>
             <a:endParaRPr lang="ru-RU"/>
           </a:p>
@@ -1255,7 +1255,7 @@
           <a:p>
             <a:fld id="{8097313E-B044-4ACF-96A1-82807229EA96}" type="datetimeFigureOut">
               <a:rPr lang="ru-RU" smtClean="0"/>
-              <a:t>27.06.2014</a:t>
+              <a:t>01.07.2014</a:t>
             </a:fld>
             <a:endParaRPr lang="ru-RU"/>
           </a:p>
@@ -1435,7 +1435,7 @@
           <a:p>
             <a:fld id="{8097313E-B044-4ACF-96A1-82807229EA96}" type="datetimeFigureOut">
               <a:rPr lang="ru-RU" smtClean="0"/>
-              <a:t>27.06.2014</a:t>
+              <a:t>01.07.2014</a:t>
             </a:fld>
             <a:endParaRPr lang="ru-RU"/>
           </a:p>
@@ -1620,7 +1620,7 @@
           <a:p>
             <a:fld id="{8097313E-B044-4ACF-96A1-82807229EA96}" type="datetimeFigureOut">
               <a:rPr lang="ru-RU" smtClean="0"/>
-              <a:t>27.06.2014</a:t>
+              <a:t>01.07.2014</a:t>
             </a:fld>
             <a:endParaRPr lang="ru-RU"/>
           </a:p>
@@ -1873,7 +1873,7 @@
           <a:p>
             <a:fld id="{8097313E-B044-4ACF-96A1-82807229EA96}" type="datetimeFigureOut">
               <a:rPr lang="ru-RU" smtClean="0"/>
-              <a:t>27.06.2014</a:t>
+              <a:t>01.07.2014</a:t>
             </a:fld>
             <a:endParaRPr lang="ru-RU"/>
           </a:p>
@@ -2161,7 +2161,7 @@
           <a:p>
             <a:fld id="{8097313E-B044-4ACF-96A1-82807229EA96}" type="datetimeFigureOut">
               <a:rPr lang="ru-RU" smtClean="0"/>
-              <a:t>27.06.2014</a:t>
+              <a:t>01.07.2014</a:t>
             </a:fld>
             <a:endParaRPr lang="ru-RU"/>
           </a:p>
@@ -2583,7 +2583,7 @@
           <a:p>
             <a:fld id="{8097313E-B044-4ACF-96A1-82807229EA96}" type="datetimeFigureOut">
               <a:rPr lang="ru-RU" smtClean="0"/>
-              <a:t>27.06.2014</a:t>
+              <a:t>01.07.2014</a:t>
             </a:fld>
             <a:endParaRPr lang="ru-RU"/>
           </a:p>
@@ -2701,7 +2701,7 @@
           <a:p>
             <a:fld id="{8097313E-B044-4ACF-96A1-82807229EA96}" type="datetimeFigureOut">
               <a:rPr lang="ru-RU" smtClean="0"/>
-              <a:t>27.06.2014</a:t>
+              <a:t>01.07.2014</a:t>
             </a:fld>
             <a:endParaRPr lang="ru-RU"/>
           </a:p>
@@ -2796,7 +2796,7 @@
           <a:p>
             <a:fld id="{8097313E-B044-4ACF-96A1-82807229EA96}" type="datetimeFigureOut">
               <a:rPr lang="ru-RU" smtClean="0"/>
-              <a:t>27.06.2014</a:t>
+              <a:t>01.07.2014</a:t>
             </a:fld>
             <a:endParaRPr lang="ru-RU"/>
           </a:p>
@@ -3073,7 +3073,7 @@
           <a:p>
             <a:fld id="{8097313E-B044-4ACF-96A1-82807229EA96}" type="datetimeFigureOut">
               <a:rPr lang="ru-RU" smtClean="0"/>
-              <a:t>27.06.2014</a:t>
+              <a:t>01.07.2014</a:t>
             </a:fld>
             <a:endParaRPr lang="ru-RU"/>
           </a:p>
@@ -3326,7 +3326,7 @@
           <a:p>
             <a:fld id="{8097313E-B044-4ACF-96A1-82807229EA96}" type="datetimeFigureOut">
               <a:rPr lang="ru-RU" smtClean="0"/>
-              <a:t>27.06.2014</a:t>
+              <a:t>01.07.2014</a:t>
             </a:fld>
             <a:endParaRPr lang="ru-RU"/>
           </a:p>
@@ -3539,7 +3539,7 @@
           <a:p>
             <a:fld id="{8097313E-B044-4ACF-96A1-82807229EA96}" type="datetimeFigureOut">
               <a:rPr lang="ru-RU" smtClean="0"/>
-              <a:t>27.06.2014</a:t>
+              <a:t>01.07.2014</a:t>
             </a:fld>
             <a:endParaRPr lang="ru-RU"/>
           </a:p>
@@ -3965,189 +3965,6 @@
           </a:p>
         </p:txBody>
       </p:sp>
-      <p:sp>
-        <p:nvSpPr>
-          <p:cNvPr id="3" name="Подзаголовок 4"/>
-          <p:cNvSpPr txBox="1">
-            <a:spLocks/>
-          </p:cNvSpPr>
-          <p:nvPr/>
-        </p:nvSpPr>
-        <p:spPr>
-          <a:xfrm>
-            <a:off x="1371600" y="3886200"/>
-            <a:ext cx="6400800" cy="1752600"/>
-          </a:xfrm>
-          <a:prstGeom prst="rect">
-            <a:avLst/>
-          </a:prstGeom>
-        </p:spPr>
-        <p:txBody>
-          <a:bodyPr>
-            <a:normAutofit/>
-          </a:bodyPr>
-          <a:lstStyle>
-            <a:lvl1pPr marL="342900" indent="-342900" algn="l" defTabSz="914400" rtl="0" eaLnBrk="1" latinLnBrk="0" hangingPunct="1">
-              <a:spcBef>
-                <a:spcPct val="20000"/>
-              </a:spcBef>
-              <a:buFont typeface="Arial" pitchFamily="34" charset="0"/>
-              <a:buChar char="•"/>
-              <a:defRPr sz="3200" kern="1200">
-                <a:solidFill>
-                  <a:schemeClr val="tx1"/>
-                </a:solidFill>
-                <a:latin typeface="+mn-lt"/>
-                <a:ea typeface="+mn-ea"/>
-                <a:cs typeface="+mn-cs"/>
-              </a:defRPr>
-            </a:lvl1pPr>
-            <a:lvl2pPr marL="742950" indent="-285750" algn="l" defTabSz="914400" rtl="0" eaLnBrk="1" latinLnBrk="0" hangingPunct="1">
-              <a:spcBef>
-                <a:spcPct val="20000"/>
-              </a:spcBef>
-              <a:buFont typeface="Arial" pitchFamily="34" charset="0"/>
-              <a:buChar char="–"/>
-              <a:defRPr sz="2800" kern="1200">
-                <a:solidFill>
-                  <a:schemeClr val="tx1"/>
-                </a:solidFill>
-                <a:latin typeface="+mn-lt"/>
-                <a:ea typeface="+mn-ea"/>
-                <a:cs typeface="+mn-cs"/>
-              </a:defRPr>
-            </a:lvl2pPr>
-            <a:lvl3pPr marL="1143000" indent="-228600" algn="l" defTabSz="914400" rtl="0" eaLnBrk="1" latinLnBrk="0" hangingPunct="1">
-              <a:spcBef>
-                <a:spcPct val="20000"/>
-              </a:spcBef>
-              <a:buFont typeface="Arial" pitchFamily="34" charset="0"/>
-              <a:buChar char="•"/>
-              <a:defRPr sz="2400" kern="1200">
-                <a:solidFill>
-                  <a:schemeClr val="tx1"/>
-                </a:solidFill>
-                <a:latin typeface="+mn-lt"/>
-                <a:ea typeface="+mn-ea"/>
-                <a:cs typeface="+mn-cs"/>
-              </a:defRPr>
-            </a:lvl3pPr>
-            <a:lvl4pPr marL="1600200" indent="-228600" algn="l" defTabSz="914400" rtl="0" eaLnBrk="1" latinLnBrk="0" hangingPunct="1">
-              <a:spcBef>
-                <a:spcPct val="20000"/>
-              </a:spcBef>
-              <a:buFont typeface="Arial" pitchFamily="34" charset="0"/>
-              <a:buChar char="–"/>
-              <a:defRPr sz="2000" kern="1200">
-                <a:solidFill>
-                  <a:schemeClr val="tx1"/>
-                </a:solidFill>
-                <a:latin typeface="+mn-lt"/>
-                <a:ea typeface="+mn-ea"/>
-                <a:cs typeface="+mn-cs"/>
-              </a:defRPr>
-            </a:lvl4pPr>
-            <a:lvl5pPr marL="2057400" indent="-228600" algn="l" defTabSz="914400" rtl="0" eaLnBrk="1" latinLnBrk="0" hangingPunct="1">
-              <a:spcBef>
-                <a:spcPct val="20000"/>
-              </a:spcBef>
-              <a:buFont typeface="Arial" pitchFamily="34" charset="0"/>
-              <a:buChar char="»"/>
-              <a:defRPr sz="2000" kern="1200">
-                <a:solidFill>
-                  <a:schemeClr val="tx1"/>
-                </a:solidFill>
-                <a:latin typeface="+mn-lt"/>
-                <a:ea typeface="+mn-ea"/>
-                <a:cs typeface="+mn-cs"/>
-              </a:defRPr>
-            </a:lvl5pPr>
-            <a:lvl6pPr marL="2514600" indent="-228600" algn="l" defTabSz="914400" rtl="0" eaLnBrk="1" latinLnBrk="0" hangingPunct="1">
-              <a:spcBef>
-                <a:spcPct val="20000"/>
-              </a:spcBef>
-              <a:buFont typeface="Arial" pitchFamily="34" charset="0"/>
-              <a:buChar char="•"/>
-              <a:defRPr sz="2000" kern="1200">
-                <a:solidFill>
-                  <a:schemeClr val="tx1"/>
-                </a:solidFill>
-                <a:latin typeface="+mn-lt"/>
-                <a:ea typeface="+mn-ea"/>
-                <a:cs typeface="+mn-cs"/>
-              </a:defRPr>
-            </a:lvl6pPr>
-            <a:lvl7pPr marL="2971800" indent="-228600" algn="l" defTabSz="914400" rtl="0" eaLnBrk="1" latinLnBrk="0" hangingPunct="1">
-              <a:spcBef>
-                <a:spcPct val="20000"/>
-              </a:spcBef>
-              <a:buFont typeface="Arial" pitchFamily="34" charset="0"/>
-              <a:buChar char="•"/>
-              <a:defRPr sz="2000" kern="1200">
-                <a:solidFill>
-                  <a:schemeClr val="tx1"/>
-                </a:solidFill>
-                <a:latin typeface="+mn-lt"/>
-                <a:ea typeface="+mn-ea"/>
-                <a:cs typeface="+mn-cs"/>
-              </a:defRPr>
-            </a:lvl7pPr>
-            <a:lvl8pPr marL="3429000" indent="-228600" algn="l" defTabSz="914400" rtl="0" eaLnBrk="1" latinLnBrk="0" hangingPunct="1">
-              <a:spcBef>
-                <a:spcPct val="20000"/>
-              </a:spcBef>
-              <a:buFont typeface="Arial" pitchFamily="34" charset="0"/>
-              <a:buChar char="•"/>
-              <a:defRPr sz="2000" kern="1200">
-                <a:solidFill>
-                  <a:schemeClr val="tx1"/>
-                </a:solidFill>
-                <a:latin typeface="+mn-lt"/>
-                <a:ea typeface="+mn-ea"/>
-                <a:cs typeface="+mn-cs"/>
-              </a:defRPr>
-            </a:lvl8pPr>
-            <a:lvl9pPr marL="3886200" indent="-228600" algn="l" defTabSz="914400" rtl="0" eaLnBrk="1" latinLnBrk="0" hangingPunct="1">
-              <a:spcBef>
-                <a:spcPct val="20000"/>
-              </a:spcBef>
-              <a:buFont typeface="Arial" pitchFamily="34" charset="0"/>
-              <a:buChar char="•"/>
-              <a:defRPr sz="2000" kern="1200">
-                <a:solidFill>
-                  <a:schemeClr val="tx1"/>
-                </a:solidFill>
-                <a:latin typeface="+mn-lt"/>
-                <a:ea typeface="+mn-ea"/>
-                <a:cs typeface="+mn-cs"/>
-              </a:defRPr>
-            </a:lvl9pPr>
-          </a:lstStyle>
-          <a:p>
-            <a:pPr marL="0" indent="0" algn="r">
-              <a:buNone/>
-            </a:pPr>
-            <a:r>
-              <a:rPr lang="ru-RU" sz="2400" dirty="0" err="1" smtClean="0"/>
-              <a:t>Контур.Кампус</a:t>
-            </a:r>
-            <a:r>
-              <a:rPr lang="ru-RU" sz="2400" dirty="0" smtClean="0"/>
-              <a:t> 2013</a:t>
-            </a:r>
-          </a:p>
-          <a:p>
-            <a:pPr marL="0" indent="0" algn="r">
-              <a:buNone/>
-            </a:pPr>
-            <a:r>
-              <a:rPr lang="ru-RU" sz="2400" dirty="0" smtClean="0"/>
-              <a:t>2013-02-09</a:t>
-            </a:r>
-            <a:endParaRPr lang="ru-RU" sz="2400" dirty="0"/>
-          </a:p>
-        </p:txBody>
-      </p:sp>
     </p:spTree>
     <p:extLst>
       <p:ext uri="{BB962C8B-B14F-4D97-AF65-F5344CB8AC3E}">
@@ -4874,12 +4691,6 @@
               </a:rPr>
               <a:t>()</a:t>
             </a:r>
-            <a:endParaRPr lang="en-US" sz="2400" dirty="0" smtClean="0">
-              <a:solidFill>
-                <a:prstClr val="black"/>
-              </a:solidFill>
-              <a:latin typeface="Consolas"/>
-            </a:endParaRPr>
           </a:p>
           <a:p>
             <a:pPr marL="0" indent="0">
@@ -4903,12 +4714,6 @@
               </a:rPr>
               <a:t>();</a:t>
             </a:r>
-            <a:endParaRPr lang="en-US" sz="2400" dirty="0" smtClean="0">
-              <a:solidFill>
-                <a:prstClr val="black"/>
-              </a:solidFill>
-              <a:latin typeface="Consolas"/>
-            </a:endParaRPr>
           </a:p>
           <a:p>
             <a:pPr marL="0" indent="0">
@@ -5002,16 +4807,7 @@
                 </a:solidFill>
                 <a:latin typeface="Consolas"/>
               </a:rPr>
-              <a:t>c</a:t>
-            </a:r>
-            <a:r>
-              <a:rPr lang="en-US" sz="2400" dirty="0" err="1">
-                <a:solidFill>
-                  <a:prstClr val="black"/>
-                </a:solidFill>
-                <a:latin typeface="Consolas"/>
-              </a:rPr>
-              <a:t>ollection.ToList</a:t>
+              <a:t>collection.ToList</a:t>
             </a:r>
             <a:r>
               <a:rPr lang="en-US" sz="2400" dirty="0" smtClean="0">
@@ -5780,20 +5576,12 @@
               <a:rPr lang="ru-RU" dirty="0" smtClean="0"/>
               <a:t>, </a:t>
             </a:r>
-            <a:r>
-              <a:rPr lang="ru-RU" dirty="0" smtClean="0"/>
-              <a:t/>
-            </a:r>
             <a:br>
               <a:rPr lang="ru-RU" dirty="0" smtClean="0"/>
             </a:br>
             <a:r>
               <a:rPr lang="ru-RU" dirty="0" smtClean="0"/>
-              <a:t>с </a:t>
-            </a:r>
-            <a:r>
-              <a:rPr lang="ru-RU" dirty="0" smtClean="0"/>
-              <a:t>использованием лямбд, </a:t>
+              <a:t>с использованием лямбд, </a:t>
             </a:r>
             <a:r>
               <a:rPr lang="en-US" dirty="0" smtClean="0"/>
@@ -6349,6 +6137,24 @@
                 </a:solidFill>
                 <a:latin typeface="Consolas"/>
               </a:rPr>
+              <a:t> add = (</a:t>
+            </a:r>
+            <a:r>
+              <a:rPr lang="en-US" dirty="0" err="1">
+                <a:solidFill>
+                  <a:srgbClr val="0000FF"/>
+                </a:solidFill>
+                <a:latin typeface="Consolas"/>
+              </a:rPr>
+              <a:t>int</a:t>
+            </a:r>
+            <a:r>
+              <a:rPr lang="en-US" dirty="0">
+                <a:solidFill>
+                  <a:srgbClr val="0000FF"/>
+                </a:solidFill>
+                <a:latin typeface="Consolas"/>
+              </a:rPr>
               <a:t> </a:t>
             </a:r>
             <a:r>
@@ -6358,7 +6164,25 @@
                 </a:solidFill>
                 <a:latin typeface="Consolas"/>
               </a:rPr>
-              <a:t>add = </a:t>
+              <a:t>a, </a:t>
+            </a:r>
+            <a:r>
+              <a:rPr lang="en-US" dirty="0" err="1">
+                <a:solidFill>
+                  <a:srgbClr val="0000FF"/>
+                </a:solidFill>
+                <a:latin typeface="Consolas"/>
+              </a:rPr>
+              <a:t>int</a:t>
+            </a:r>
+            <a:r>
+              <a:rPr lang="en-US" dirty="0">
+                <a:solidFill>
+                  <a:srgbClr val="0000FF"/>
+                </a:solidFill>
+                <a:latin typeface="Consolas"/>
+              </a:rPr>
+              <a:t> </a:t>
             </a:r>
             <a:r>
               <a:rPr lang="en-US" dirty="0" smtClean="0">
@@ -6367,79 +6191,7 @@
                 </a:solidFill>
                 <a:latin typeface="Consolas"/>
               </a:rPr>
-              <a:t>(</a:t>
-            </a:r>
-            <a:r>
-              <a:rPr lang="en-US" dirty="0" err="1">
-                <a:solidFill>
-                  <a:srgbClr val="0000FF"/>
-                </a:solidFill>
-                <a:latin typeface="Consolas"/>
-              </a:rPr>
-              <a:t>int</a:t>
-            </a:r>
-            <a:r>
-              <a:rPr lang="en-US" dirty="0">
-                <a:solidFill>
-                  <a:srgbClr val="0000FF"/>
-                </a:solidFill>
-                <a:latin typeface="Consolas"/>
-              </a:rPr>
-              <a:t> </a:t>
-            </a:r>
-            <a:r>
-              <a:rPr lang="en-US" dirty="0" smtClean="0">
-                <a:solidFill>
-                  <a:prstClr val="black"/>
-                </a:solidFill>
-                <a:latin typeface="Consolas"/>
-              </a:rPr>
-              <a:t>a</a:t>
-            </a:r>
-            <a:r>
-              <a:rPr lang="en-US" dirty="0" smtClean="0">
-                <a:solidFill>
-                  <a:prstClr val="black"/>
-                </a:solidFill>
-                <a:latin typeface="Consolas"/>
-              </a:rPr>
-              <a:t>, </a:t>
-            </a:r>
-            <a:r>
-              <a:rPr lang="en-US" dirty="0" err="1">
-                <a:solidFill>
-                  <a:srgbClr val="0000FF"/>
-                </a:solidFill>
-                <a:latin typeface="Consolas"/>
-              </a:rPr>
-              <a:t>int</a:t>
-            </a:r>
-            <a:r>
-              <a:rPr lang="en-US" dirty="0">
-                <a:solidFill>
-                  <a:srgbClr val="0000FF"/>
-                </a:solidFill>
-                <a:latin typeface="Consolas"/>
-              </a:rPr>
-              <a:t> </a:t>
-            </a:r>
-            <a:r>
-              <a:rPr lang="en-US" dirty="0" smtClean="0">
-                <a:solidFill>
-                  <a:prstClr val="black"/>
-                </a:solidFill>
-                <a:latin typeface="Consolas"/>
-              </a:rPr>
-              <a:t>b</a:t>
-            </a:r>
-            <a:r>
-              <a:rPr lang="en-US" dirty="0" smtClean="0">
-                <a:solidFill>
-                  <a:prstClr val="black"/>
-                </a:solidFill>
-                <a:latin typeface="Consolas"/>
-              </a:rPr>
-              <a:t>) =&gt;</a:t>
+              <a:t>b) =&gt;</a:t>
             </a:r>
             <a:r>
               <a:rPr lang="en-US" dirty="0">
@@ -6578,16 +6330,143 @@
               <a:buNone/>
             </a:pPr>
             <a:r>
+              <a:rPr lang="en-US" sz="2800" dirty="0" err="1" smtClean="0">
+                <a:solidFill>
+                  <a:prstClr val="black"/>
+                </a:solidFill>
+                <a:latin typeface="Consolas"/>
+              </a:rPr>
+              <a:t>Func</a:t>
+            </a:r>
+            <a:r>
               <a:rPr lang="en-US" sz="2800" dirty="0" smtClean="0">
                 <a:solidFill>
                   <a:prstClr val="black"/>
                 </a:solidFill>
                 <a:latin typeface="Consolas"/>
               </a:rPr>
+              <a:t>&lt;</a:t>
+            </a:r>
+            <a:r>
+              <a:rPr lang="en-US" sz="2800" dirty="0" err="1" smtClean="0">
+                <a:solidFill>
+                  <a:srgbClr val="0000FF"/>
+                </a:solidFill>
+                <a:latin typeface="Consolas"/>
+              </a:rPr>
+              <a:t>int</a:t>
+            </a:r>
+            <a:r>
+              <a:rPr lang="en-US" sz="2800" dirty="0">
+                <a:solidFill>
+                  <a:prstClr val="black"/>
+                </a:solidFill>
+                <a:latin typeface="Consolas"/>
+              </a:rPr>
+              <a:t>, </a:t>
+            </a:r>
+            <a:r>
+              <a:rPr lang="en-US" sz="2800" dirty="0" err="1">
+                <a:solidFill>
+                  <a:srgbClr val="0000FF"/>
+                </a:solidFill>
+                <a:latin typeface="Consolas"/>
+              </a:rPr>
+              <a:t>int</a:t>
+            </a:r>
+            <a:r>
+              <a:rPr lang="en-US" sz="2800" dirty="0">
+                <a:solidFill>
+                  <a:prstClr val="black"/>
+                </a:solidFill>
+                <a:latin typeface="Consolas"/>
+              </a:rPr>
+              <a:t>, </a:t>
+            </a:r>
+            <a:r>
+              <a:rPr lang="en-US" sz="2800" dirty="0" err="1">
+                <a:solidFill>
+                  <a:srgbClr val="0000FF"/>
+                </a:solidFill>
+                <a:latin typeface="Consolas"/>
+              </a:rPr>
+              <a:t>int</a:t>
+            </a:r>
+            <a:r>
+              <a:rPr lang="en-US" sz="2800" dirty="0" smtClean="0">
+                <a:solidFill>
+                  <a:prstClr val="black"/>
+                </a:solidFill>
+                <a:latin typeface="Consolas"/>
+              </a:rPr>
+              <a:t>&gt; </a:t>
+            </a:r>
+            <a:r>
+              <a:rPr lang="en-US" sz="2800" dirty="0">
+                <a:solidFill>
+                  <a:prstClr val="black"/>
+                </a:solidFill>
+                <a:latin typeface="Consolas"/>
+              </a:rPr>
+              <a:t>add = </a:t>
+            </a:r>
+            <a:r>
+              <a:rPr lang="ru-RU" sz="2800" dirty="0">
+                <a:solidFill>
+                  <a:prstClr val="black"/>
+                </a:solidFill>
+                <a:latin typeface="Consolas"/>
+              </a:rPr>
+              <a:t/>
+            </a:r>
+            <a:br>
+              <a:rPr lang="ru-RU" sz="2800" dirty="0">
+                <a:solidFill>
+                  <a:prstClr val="black"/>
+                </a:solidFill>
+                <a:latin typeface="Consolas"/>
+              </a:rPr>
+            </a:br>
+            <a:r>
+              <a:rPr lang="ru-RU" sz="2800" dirty="0">
+                <a:solidFill>
+                  <a:prstClr val="black"/>
+                </a:solidFill>
+                <a:latin typeface="Consolas"/>
+              </a:rPr>
+              <a:t>		</a:t>
+            </a:r>
+            <a:r>
+              <a:rPr lang="en-US" sz="2800" dirty="0">
+                <a:solidFill>
+                  <a:prstClr val="black"/>
+                </a:solidFill>
+                <a:latin typeface="Consolas"/>
+              </a:rPr>
+              <a:t>(a, b) =&gt; a + b;</a:t>
+            </a:r>
+            <a:endParaRPr lang="ru-RU" sz="2800" dirty="0">
+              <a:solidFill>
+                <a:prstClr val="black"/>
+              </a:solidFill>
+              <a:latin typeface="Consolas"/>
+            </a:endParaRPr>
+          </a:p>
+          <a:p>
+            <a:pPr marL="0" indent="0">
+              <a:buNone/>
+            </a:pPr>
+            <a:r>
+              <a:rPr lang="en-US" sz="2800" dirty="0">
+                <a:solidFill>
+                  <a:prstClr val="black"/>
+                </a:solidFill>
+                <a:latin typeface="Consolas"/>
+              </a:rPr>
               <a:t>Expression&lt;</a:t>
             </a:r>
             <a:r>
-              <a:rPr lang="en-US" sz="2800" dirty="0" err="1" smtClean="0">
+              <a:rPr lang="en-US" sz="2800" dirty="0" err="1">
                 <a:solidFill>
                   <a:prstClr val="black"/>
                 </a:solidFill>
@@ -6596,7 +6475,7 @@
               <a:t>Func</a:t>
             </a:r>
             <a:r>
-              <a:rPr lang="en-US" sz="2800" dirty="0" smtClean="0">
+              <a:rPr lang="en-US" sz="2800" dirty="0">
                 <a:solidFill>
                   <a:prstClr val="black"/>
                 </a:solidFill>
@@ -6605,7 +6484,7 @@
               <a:t>&lt;</a:t>
             </a:r>
             <a:r>
-              <a:rPr lang="en-US" sz="2800" dirty="0" err="1" smtClean="0">
+              <a:rPr lang="en-US" sz="2800" dirty="0" err="1">
                 <a:solidFill>
                   <a:srgbClr val="0000FF"/>
                 </a:solidFill>
@@ -6656,19 +6535,10 @@
                 </a:solidFill>
                 <a:latin typeface="Consolas"/>
               </a:rPr>
-              <a:t>&gt;&gt; </a:t>
-            </a:r>
-            <a:r>
-              <a:rPr lang="en-US" sz="2800" dirty="0" smtClean="0">
-                <a:solidFill>
-                  <a:prstClr val="black"/>
-                </a:solidFill>
-                <a:latin typeface="Consolas"/>
-              </a:rPr>
-              <a:t>add = </a:t>
-            </a:r>
-            <a:r>
-              <a:rPr lang="ru-RU" sz="2800" dirty="0" smtClean="0">
+              <a:t>&gt;&gt; add = </a:t>
+            </a:r>
+            <a:r>
+              <a:rPr lang="ru-RU" sz="2800" dirty="0">
                 <a:solidFill>
                   <a:prstClr val="black"/>
                 </a:solidFill>
@@ -6677,7 +6547,7 @@
               <a:t/>
             </a:r>
             <a:br>
-              <a:rPr lang="ru-RU" sz="2800" dirty="0" smtClean="0">
+              <a:rPr lang="ru-RU" sz="2800" dirty="0">
                 <a:solidFill>
                   <a:prstClr val="black"/>
                 </a:solidFill>
@@ -6685,7 +6555,7 @@
               </a:rPr>
             </a:br>
             <a:r>
-              <a:rPr lang="ru-RU" sz="2800" dirty="0" smtClean="0">
+              <a:rPr lang="ru-RU" sz="2800" dirty="0">
                 <a:solidFill>
                   <a:prstClr val="black"/>
                 </a:solidFill>
@@ -6694,7 +6564,7 @@
               <a:t>		</a:t>
             </a:r>
             <a:r>
-              <a:rPr lang="en-US" sz="2800" dirty="0" smtClean="0">
+              <a:rPr lang="en-US" sz="2800" dirty="0">
                 <a:solidFill>
                   <a:prstClr val="black"/>
                 </a:solidFill>
@@ -6702,7 +6572,7 @@
               </a:rPr>
               <a:t>(a, b) =&gt; a + b;</a:t>
             </a:r>
-            <a:endParaRPr lang="ru-RU" sz="2800" dirty="0" smtClean="0">
+            <a:endParaRPr lang="ru-RU" sz="2800" dirty="0">
               <a:solidFill>
                 <a:prstClr val="black"/>
               </a:solidFill>
@@ -6881,6 +6751,37 @@
                                   </p:childTnLst>
                                 </p:cTn>
                               </p:par>
+                              <p:par>
+                                <p:cTn id="15" presetID="1" presetClass="entr" presetSubtype="0" fill="hold" nodeType="withEffect">
+                                  <p:stCondLst>
+                                    <p:cond delay="0"/>
+                                  </p:stCondLst>
+                                  <p:childTnLst>
+                                    <p:set>
+                                      <p:cBhvr>
+                                        <p:cTn id="16" dur="1" fill="hold">
+                                          <p:stCondLst>
+                                            <p:cond delay="0"/>
+                                          </p:stCondLst>
+                                        </p:cTn>
+                                        <p:tgtEl>
+                                          <p:spTgt spid="3">
+                                            <p:txEl>
+                                              <p:pRg st="5" end="5"/>
+                                            </p:txEl>
+                                          </p:spTgt>
+                                        </p:tgtEl>
+                                        <p:attrNameLst>
+                                          <p:attrName>style.visibility</p:attrName>
+                                        </p:attrNameLst>
+                                      </p:cBhvr>
+                                      <p:to>
+                                        <p:strVal val="visible"/>
+                                      </p:to>
+                                    </p:set>
+                                  </p:childTnLst>
+                                </p:cTn>
+                              </p:par>
                             </p:childTnLst>
                           </p:cTn>
                         </p:par>
@@ -7060,14 +6961,7 @@
                 <a:latin typeface="Consolas" pitchFamily="49" charset="0"/>
                 <a:cs typeface="Consolas" pitchFamily="49" charset="0"/>
               </a:rPr>
-              <a:t>&lt;T&gt;</a:t>
-            </a:r>
-            <a:r>
-              <a:rPr lang="en-US" sz="2800" dirty="0" smtClean="0">
-                <a:latin typeface="Consolas" pitchFamily="49" charset="0"/>
-                <a:cs typeface="Consolas" pitchFamily="49" charset="0"/>
-              </a:rPr>
-              <a:t> Where(</a:t>
+              <a:t>&lt;T&gt; Where(</a:t>
             </a:r>
             <a:br>
               <a:rPr lang="en-US" sz="2800" dirty="0" smtClean="0">
@@ -7488,14 +7382,7 @@
                 <a:latin typeface="Consolas" pitchFamily="49" charset="0"/>
                 <a:cs typeface="Consolas" pitchFamily="49" charset="0"/>
               </a:rPr>
-              <a:t> </a:t>
-            </a:r>
-            <a:r>
-              <a:rPr lang="en-US" dirty="0" smtClean="0">
-                <a:latin typeface="Consolas" pitchFamily="49" charset="0"/>
-                <a:cs typeface="Consolas" pitchFamily="49" charset="0"/>
-              </a:rPr>
-              <a:t>People</a:t>
+              <a:t> People</a:t>
             </a:r>
             <a:br>
               <a:rPr lang="en-US" dirty="0" smtClean="0">
@@ -7536,14 +7423,7 @@
                 <a:latin typeface="Consolas" pitchFamily="49" charset="0"/>
                 <a:cs typeface="Consolas" pitchFamily="49" charset="0"/>
               </a:rPr>
-              <a:t> &lt; </a:t>
-            </a:r>
-            <a:r>
-              <a:rPr lang="en-US" dirty="0" smtClean="0">
-                <a:latin typeface="Consolas" pitchFamily="49" charset="0"/>
-                <a:cs typeface="Consolas" pitchFamily="49" charset="0"/>
-              </a:rPr>
-              <a:t>25</a:t>
+              <a:t> &lt; 25</a:t>
             </a:r>
             <a:br>
               <a:rPr lang="en-US" dirty="0" smtClean="0">
@@ -7843,23 +7723,7 @@
             </a:r>
             <a:r>
               <a:rPr lang="en-US" dirty="0"/>
-              <a:t> </a:t>
-            </a:r>
-            <a:r>
-              <a:rPr lang="en-US" dirty="0"/>
-              <a:t>range(1,</a:t>
-            </a:r>
-            <a:r>
-              <a:rPr lang="en-US" dirty="0"/>
-              <a:t> </a:t>
-            </a:r>
-            <a:r>
-              <a:rPr lang="en-US" dirty="0"/>
-              <a:t>10000)</a:t>
-            </a:r>
-            <a:r>
-              <a:rPr lang="en-US" dirty="0"/>
-              <a:t> </a:t>
+              <a:t> range(1, 10000) </a:t>
             </a:r>
             <a:r>
               <a:rPr lang="en-US" b="1" dirty="0"/>
@@ -7867,27 +7731,7 @@
             </a:r>
             <a:r>
               <a:rPr lang="en-US" dirty="0"/>
-              <a:t> n % </a:t>
-            </a:r>
-            <a:r>
-              <a:rPr lang="en-US" dirty="0"/>
-              <a:t>2</a:t>
-            </a:r>
-            <a:r>
-              <a:rPr lang="en-US" dirty="0"/>
-              <a:t> </a:t>
-            </a:r>
-            <a:r>
-              <a:rPr lang="en-US" dirty="0"/>
-              <a:t>==</a:t>
-            </a:r>
-            <a:r>
-              <a:rPr lang="en-US" dirty="0"/>
-              <a:t> </a:t>
-            </a:r>
-            <a:r>
-              <a:rPr lang="en-US" dirty="0"/>
-              <a:t>0</a:t>
+              <a:t> n % 2 == 0</a:t>
             </a:r>
             <a:r>
               <a:rPr lang="en-US" dirty="0" smtClean="0"/>
